--- a/Funktionale_Programmierung-Artner_Dedinak.pptx
+++ b/Funktionale_Programmierung-Artner_Dedinak.pptx
@@ -1,35 +1,35 @@
 
 <file path=ppt/presentation.xml><?xml version="1.0" encoding="utf-8"?>
-<p:presentation xmlns:a="http://schemas.openxmlformats.org/drawingml/2006/main" xmlns:r="http://schemas.openxmlformats.org/officeDocument/2006/relationships" xmlns:mc="http://schemas.openxmlformats.org/markup-compatibility/2006" xmlns:mv="urn:schemas-microsoft-com:mac:vml" xmlns:p="http://schemas.openxmlformats.org/presentationml/2006/main" xmlns:c="http://schemas.openxmlformats.org/drawingml/2006/chart" xmlns:dgm="http://schemas.openxmlformats.org/drawingml/2006/diagram" xmlns:o="urn:schemas-microsoft-com:office:office" xmlns:v="urn:schemas-microsoft-com:vml" xmlns:pvml="urn:schemas-microsoft-com:office:powerpoint" xmlns:com="http://schemas.openxmlformats.org/drawingml/2006/compatibility" xmlns:p14="http://schemas.microsoft.com/office/powerpoint/2010/main" xmlns:p15="http://schemas.microsoft.com/office/powerpoint/2012/main" xmlns:ahyp="http://schemas.microsoft.com/office/drawing/2018/hyperlinkcolor" autoCompressPictures="0" embedTrueTypeFonts="1" strictFirstAndLastChars="0" saveSubsetFonts="1">
+<p:presentation xmlns:a="http://schemas.openxmlformats.org/drawingml/2006/main" xmlns:r="http://schemas.openxmlformats.org/officeDocument/2006/relationships" xmlns:p="http://schemas.openxmlformats.org/presentationml/2006/main" strictFirstAndLastChars="0" embedTrueTypeFonts="1" saveSubsetFonts="1" autoCompressPictures="0">
   <p:sldMasterIdLst>
-    <p:sldMasterId id="2147483659" r:id="rId4"/>
+    <p:sldMasterId id="2147483659" r:id="rId1"/>
   </p:sldMasterIdLst>
   <p:notesMasterIdLst>
-    <p:notesMasterId r:id="rId5"/>
+    <p:notesMasterId r:id="rId10"/>
   </p:notesMasterIdLst>
   <p:sldIdLst>
-    <p:sldId id="256" r:id="rId6"/>
-    <p:sldId id="257" r:id="rId7"/>
-    <p:sldId id="258" r:id="rId8"/>
-    <p:sldId id="259" r:id="rId9"/>
-    <p:sldId id="260" r:id="rId10"/>
-    <p:sldId id="261" r:id="rId11"/>
-    <p:sldId id="262" r:id="rId12"/>
-    <p:sldId id="263" r:id="rId13"/>
+    <p:sldId id="256" r:id="rId2"/>
+    <p:sldId id="257" r:id="rId3"/>
+    <p:sldId id="258" r:id="rId4"/>
+    <p:sldId id="259" r:id="rId5"/>
+    <p:sldId id="260" r:id="rId6"/>
+    <p:sldId id="261" r:id="rId7"/>
+    <p:sldId id="262" r:id="rId8"/>
+    <p:sldId id="263" r:id="rId9"/>
   </p:sldIdLst>
-  <p:sldSz cy="5143500" cx="9144000"/>
+  <p:sldSz cx="9144000" cy="5143500" type="screen16x9"/>
   <p:notesSz cx="6858000" cy="9144000"/>
   <p:embeddedFontLst>
     <p:embeddedFont>
-      <p:font typeface="Roboto Mono"/>
-      <p:regular r:id="rId14"/>
-      <p:bold r:id="rId15"/>
-      <p:italic r:id="rId16"/>
-      <p:boldItalic r:id="rId17"/>
+      <p:font typeface="Roboto Mono" panose="00000009000000000000" pitchFamily="49" charset="0"/>
+      <p:regular r:id="rId11"/>
+      <p:bold r:id="rId12"/>
+      <p:italic r:id="rId13"/>
+      <p:boldItalic r:id="rId14"/>
     </p:embeddedFont>
   </p:embeddedFontLst>
   <p:defaultTextStyle>
-    <a:defPPr lvl="0" marR="0" rtl="0" algn="l">
+    <a:defPPr marR="0" lvl="0" algn="l" rtl="0">
       <a:lnSpc>
         <a:spcPct val="100000"/>
       </a:lnSpc>
@@ -40,7 +40,7 @@
         <a:spcPts val="0"/>
       </a:spcAft>
     </a:defPPr>
-    <a:lvl1pPr lvl="0" marR="0" rtl="0" algn="l">
+    <a:lvl1pPr marR="0" lvl="0" algn="l" rtl="0">
       <a:lnSpc>
         <a:spcPct val="100000"/>
       </a:lnSpc>
@@ -54,7 +54,7 @@
         <a:srgbClr val="000000"/>
       </a:buClr>
       <a:buFont typeface="Arial"/>
-      <a:defRPr b="0" i="0" sz="1400" u="none" cap="none" strike="noStrike">
+      <a:defRPr sz="1400" b="0" i="0" u="none" strike="noStrike" cap="none">
         <a:solidFill>
           <a:srgbClr val="000000"/>
         </a:solidFill>
@@ -64,7 +64,7 @@
         <a:sym typeface="Arial"/>
       </a:defRPr>
     </a:lvl1pPr>
-    <a:lvl2pPr lvl="1" marR="0" rtl="0" algn="l">
+    <a:lvl2pPr marR="0" lvl="1" algn="l" rtl="0">
       <a:lnSpc>
         <a:spcPct val="100000"/>
       </a:lnSpc>
@@ -78,7 +78,7 @@
         <a:srgbClr val="000000"/>
       </a:buClr>
       <a:buFont typeface="Arial"/>
-      <a:defRPr b="0" i="0" sz="1400" u="none" cap="none" strike="noStrike">
+      <a:defRPr sz="1400" b="0" i="0" u="none" strike="noStrike" cap="none">
         <a:solidFill>
           <a:srgbClr val="000000"/>
         </a:solidFill>
@@ -88,7 +88,7 @@
         <a:sym typeface="Arial"/>
       </a:defRPr>
     </a:lvl2pPr>
-    <a:lvl3pPr lvl="2" marR="0" rtl="0" algn="l">
+    <a:lvl3pPr marR="0" lvl="2" algn="l" rtl="0">
       <a:lnSpc>
         <a:spcPct val="100000"/>
       </a:lnSpc>
@@ -102,7 +102,7 @@
         <a:srgbClr val="000000"/>
       </a:buClr>
       <a:buFont typeface="Arial"/>
-      <a:defRPr b="0" i="0" sz="1400" u="none" cap="none" strike="noStrike">
+      <a:defRPr sz="1400" b="0" i="0" u="none" strike="noStrike" cap="none">
         <a:solidFill>
           <a:srgbClr val="000000"/>
         </a:solidFill>
@@ -112,7 +112,7 @@
         <a:sym typeface="Arial"/>
       </a:defRPr>
     </a:lvl3pPr>
-    <a:lvl4pPr lvl="3" marR="0" rtl="0" algn="l">
+    <a:lvl4pPr marR="0" lvl="3" algn="l" rtl="0">
       <a:lnSpc>
         <a:spcPct val="100000"/>
       </a:lnSpc>
@@ -126,7 +126,7 @@
         <a:srgbClr val="000000"/>
       </a:buClr>
       <a:buFont typeface="Arial"/>
-      <a:defRPr b="0" i="0" sz="1400" u="none" cap="none" strike="noStrike">
+      <a:defRPr sz="1400" b="0" i="0" u="none" strike="noStrike" cap="none">
         <a:solidFill>
           <a:srgbClr val="000000"/>
         </a:solidFill>
@@ -136,7 +136,7 @@
         <a:sym typeface="Arial"/>
       </a:defRPr>
     </a:lvl4pPr>
-    <a:lvl5pPr lvl="4" marR="0" rtl="0" algn="l">
+    <a:lvl5pPr marR="0" lvl="4" algn="l" rtl="0">
       <a:lnSpc>
         <a:spcPct val="100000"/>
       </a:lnSpc>
@@ -150,7 +150,7 @@
         <a:srgbClr val="000000"/>
       </a:buClr>
       <a:buFont typeface="Arial"/>
-      <a:defRPr b="0" i="0" sz="1400" u="none" cap="none" strike="noStrike">
+      <a:defRPr sz="1400" b="0" i="0" u="none" strike="noStrike" cap="none">
         <a:solidFill>
           <a:srgbClr val="000000"/>
         </a:solidFill>
@@ -160,7 +160,7 @@
         <a:sym typeface="Arial"/>
       </a:defRPr>
     </a:lvl5pPr>
-    <a:lvl6pPr lvl="5" marR="0" rtl="0" algn="l">
+    <a:lvl6pPr marR="0" lvl="5" algn="l" rtl="0">
       <a:lnSpc>
         <a:spcPct val="100000"/>
       </a:lnSpc>
@@ -174,7 +174,7 @@
         <a:srgbClr val="000000"/>
       </a:buClr>
       <a:buFont typeface="Arial"/>
-      <a:defRPr b="0" i="0" sz="1400" u="none" cap="none" strike="noStrike">
+      <a:defRPr sz="1400" b="0" i="0" u="none" strike="noStrike" cap="none">
         <a:solidFill>
           <a:srgbClr val="000000"/>
         </a:solidFill>
@@ -184,7 +184,7 @@
         <a:sym typeface="Arial"/>
       </a:defRPr>
     </a:lvl6pPr>
-    <a:lvl7pPr lvl="6" marR="0" rtl="0" algn="l">
+    <a:lvl7pPr marR="0" lvl="6" algn="l" rtl="0">
       <a:lnSpc>
         <a:spcPct val="100000"/>
       </a:lnSpc>
@@ -198,7 +198,7 @@
         <a:srgbClr val="000000"/>
       </a:buClr>
       <a:buFont typeface="Arial"/>
-      <a:defRPr b="0" i="0" sz="1400" u="none" cap="none" strike="noStrike">
+      <a:defRPr sz="1400" b="0" i="0" u="none" strike="noStrike" cap="none">
         <a:solidFill>
           <a:srgbClr val="000000"/>
         </a:solidFill>
@@ -208,7 +208,7 @@
         <a:sym typeface="Arial"/>
       </a:defRPr>
     </a:lvl7pPr>
-    <a:lvl8pPr lvl="7" marR="0" rtl="0" algn="l">
+    <a:lvl8pPr marR="0" lvl="7" algn="l" rtl="0">
       <a:lnSpc>
         <a:spcPct val="100000"/>
       </a:lnSpc>
@@ -222,7 +222,7 @@
         <a:srgbClr val="000000"/>
       </a:buClr>
       <a:buFont typeface="Arial"/>
-      <a:defRPr b="0" i="0" sz="1400" u="none" cap="none" strike="noStrike">
+      <a:defRPr sz="1400" b="0" i="0" u="none" strike="noStrike" cap="none">
         <a:solidFill>
           <a:srgbClr val="000000"/>
         </a:solidFill>
@@ -232,7 +232,7 @@
         <a:sym typeface="Arial"/>
       </a:defRPr>
     </a:lvl8pPr>
-    <a:lvl9pPr lvl="8" marR="0" rtl="0" algn="l">
+    <a:lvl9pPr marR="0" lvl="8" algn="l" rtl="0">
       <a:lnSpc>
         <a:spcPct val="100000"/>
       </a:lnSpc>
@@ -246,7 +246,7 @@
         <a:srgbClr val="000000"/>
       </a:buClr>
       <a:buFont typeface="Arial"/>
-      <a:defRPr b="0" i="0" sz="1400" u="none" cap="none" strike="noStrike">
+      <a:defRPr sz="1400" b="0" i="0" u="none" strike="noStrike" cap="none">
         <a:solidFill>
           <a:srgbClr val="000000"/>
         </a:solidFill>
@@ -259,7 +259,7 @@
   </p:defaultTextStyle>
   <p:extLst>
     <p:ext uri="{EFAFB233-063F-42B5-8137-9DF3F51BA10A}">
-      <p15:sldGuideLst>
+      <p15:sldGuideLst xmlns:p15="http://schemas.microsoft.com/office/powerpoint/2012/main">
         <p15:guide id="1" orient="horz" pos="1620">
           <p15:clr>
             <a:srgbClr val="747775"/>
@@ -277,11 +277,16 @@
 </file>
 
 <file path=ppt/notesMasters/notesMaster1.xml><?xml version="1.0" encoding="utf-8"?>
-<p:notesMaster xmlns:a="http://schemas.openxmlformats.org/drawingml/2006/main" xmlns:r="http://schemas.openxmlformats.org/officeDocument/2006/relationships" xmlns:mc="http://schemas.openxmlformats.org/markup-compatibility/2006" xmlns:mv="urn:schemas-microsoft-com:mac:vml" xmlns:p="http://schemas.openxmlformats.org/presentationml/2006/main" xmlns:c="http://schemas.openxmlformats.org/drawingml/2006/chart" xmlns:dgm="http://schemas.openxmlformats.org/drawingml/2006/diagram" xmlns:o="urn:schemas-microsoft-com:office:office" xmlns:v="urn:schemas-microsoft-com:vml" xmlns:pvml="urn:schemas-microsoft-com:office:powerpoint" xmlns:com="http://schemas.openxmlformats.org/drawingml/2006/compatibility" xmlns:p14="http://schemas.microsoft.com/office/powerpoint/2010/main" xmlns:p15="http://schemas.microsoft.com/office/powerpoint/2012/main" xmlns:ahyp="http://schemas.microsoft.com/office/drawing/2018/hyperlinkcolor">
+<p:notesMaster xmlns:a="http://schemas.openxmlformats.org/drawingml/2006/main" xmlns:r="http://schemas.openxmlformats.org/officeDocument/2006/relationships" xmlns:p="http://schemas.openxmlformats.org/presentationml/2006/main">
   <p:cSld>
+    <p:bg>
+      <p:bgRef idx="1001">
+        <a:schemeClr val="bg1"/>
+      </p:bgRef>
+    </p:bg>
     <p:spTree>
       <p:nvGrpSpPr>
-        <p:cNvPr id="2" name="Shape 2"/>
+        <p:cNvPr id="1" name="Shape 2"/>
         <p:cNvGrpSpPr/>
         <p:nvPr/>
       </p:nvGrpSpPr>
@@ -296,9 +301,11 @@
       <p:sp>
         <p:nvSpPr>
           <p:cNvPr id="3" name="Google Shape;3;n"/>
-          <p:cNvSpPr/>
+          <p:cNvSpPr>
+            <a:spLocks noGrp="1" noRot="1" noChangeAspect="1"/>
+          </p:cNvSpPr>
           <p:nvPr>
-            <p:ph idx="2" type="sldImg"/>
+            <p:ph type="sldImg" idx="2"/>
           </p:nvPr>
         </p:nvSpPr>
         <p:spPr>
@@ -307,9 +314,13 @@
             <a:ext cx="6096075" cy="3429000"/>
           </a:xfrm>
           <a:custGeom>
-            <a:rect b="b" l="l" r="r" t="t"/>
+            <a:avLst/>
+            <a:gdLst/>
+            <a:ahLst/>
+            <a:cxnLst/>
+            <a:rect l="l" t="t" r="r" b="b"/>
             <a:pathLst>
-              <a:path extrusionOk="0" h="120000" w="120000">
+              <a:path w="120000" h="120000" extrusionOk="0">
                 <a:moveTo>
                   <a:pt x="0" y="0"/>
                 </a:moveTo>
@@ -327,23 +338,25 @@
             </a:pathLst>
           </a:custGeom>
           <a:noFill/>
-          <a:ln cap="flat" cmpd="sng" w="9525">
+          <a:ln w="9525" cap="flat" cmpd="sng">
             <a:solidFill>
               <a:srgbClr val="000000"/>
             </a:solidFill>
             <a:prstDash val="solid"/>
             <a:round/>
-            <a:headEnd len="sm" w="sm" type="none"/>
-            <a:tailEnd len="sm" w="sm" type="none"/>
+            <a:headEnd type="none" w="sm" len="sm"/>
+            <a:tailEnd type="none" w="sm" len="sm"/>
           </a:ln>
         </p:spPr>
       </p:sp>
       <p:sp>
         <p:nvSpPr>
           <p:cNvPr id="4" name="Google Shape;4;n"/>
-          <p:cNvSpPr txBox="1"/>
+          <p:cNvSpPr txBox="1">
+            <a:spLocks noGrp="1"/>
+          </p:cNvSpPr>
           <p:nvPr>
-            <p:ph idx="1" type="body"/>
+            <p:ph type="body" idx="1"/>
           </p:nvPr>
         </p:nvSpPr>
         <p:spPr>
@@ -360,11 +373,11 @@
           </a:ln>
         </p:spPr>
         <p:txBody>
-          <a:bodyPr anchorCtr="0" anchor="t" bIns="91425" lIns="91425" spcFirstLastPara="1" rIns="91425" wrap="square" tIns="91425">
+          <a:bodyPr spcFirstLastPara="1" wrap="square" lIns="91425" tIns="91425" rIns="91425" bIns="91425" anchor="t" anchorCtr="0">
             <a:noAutofit/>
           </a:bodyPr>
           <a:lstStyle>
-            <a:lvl1pPr indent="-298450" lvl="0" marL="457200">
+            <a:lvl1pPr marL="457200" lvl="0" indent="-298450">
               <a:spcBef>
                 <a:spcPts val="0"/>
               </a:spcBef>
@@ -375,7 +388,7 @@
               <a:buChar char="●"/>
               <a:defRPr sz="1100"/>
             </a:lvl1pPr>
-            <a:lvl2pPr indent="-298450" lvl="1" marL="914400">
+            <a:lvl2pPr marL="914400" lvl="1" indent="-298450">
               <a:spcBef>
                 <a:spcPts val="0"/>
               </a:spcBef>
@@ -386,7 +399,7 @@
               <a:buChar char="○"/>
               <a:defRPr sz="1100"/>
             </a:lvl2pPr>
-            <a:lvl3pPr indent="-298450" lvl="2" marL="1371600">
+            <a:lvl3pPr marL="1371600" lvl="2" indent="-298450">
               <a:spcBef>
                 <a:spcPts val="0"/>
               </a:spcBef>
@@ -397,7 +410,7 @@
               <a:buChar char="■"/>
               <a:defRPr sz="1100"/>
             </a:lvl3pPr>
-            <a:lvl4pPr indent="-298450" lvl="3" marL="1828800">
+            <a:lvl4pPr marL="1828800" lvl="3" indent="-298450">
               <a:spcBef>
                 <a:spcPts val="0"/>
               </a:spcBef>
@@ -408,7 +421,7 @@
               <a:buChar char="●"/>
               <a:defRPr sz="1100"/>
             </a:lvl4pPr>
-            <a:lvl5pPr indent="-298450" lvl="4" marL="2286000">
+            <a:lvl5pPr marL="2286000" lvl="4" indent="-298450">
               <a:spcBef>
                 <a:spcPts val="0"/>
               </a:spcBef>
@@ -419,7 +432,7 @@
               <a:buChar char="○"/>
               <a:defRPr sz="1100"/>
             </a:lvl5pPr>
-            <a:lvl6pPr indent="-298450" lvl="5" marL="2743200">
+            <a:lvl6pPr marL="2743200" lvl="5" indent="-298450">
               <a:spcBef>
                 <a:spcPts val="0"/>
               </a:spcBef>
@@ -430,7 +443,7 @@
               <a:buChar char="■"/>
               <a:defRPr sz="1100"/>
             </a:lvl6pPr>
-            <a:lvl7pPr indent="-298450" lvl="6" marL="3200400">
+            <a:lvl7pPr marL="3200400" lvl="6" indent="-298450">
               <a:spcBef>
                 <a:spcPts val="0"/>
               </a:spcBef>
@@ -441,7 +454,7 @@
               <a:buChar char="●"/>
               <a:defRPr sz="1100"/>
             </a:lvl7pPr>
-            <a:lvl8pPr indent="-298450" lvl="7" marL="3657600">
+            <a:lvl8pPr marL="3657600" lvl="7" indent="-298450">
               <a:spcBef>
                 <a:spcPts val="0"/>
               </a:spcBef>
@@ -452,7 +465,7 @@
               <a:buChar char="○"/>
               <a:defRPr sz="1100"/>
             </a:lvl8pPr>
-            <a:lvl9pPr indent="-298450" lvl="8" marL="4114800">
+            <a:lvl9pPr marL="4114800" lvl="8" indent="-298450">
               <a:spcBef>
                 <a:spcPts val="0"/>
               </a:spcBef>
@@ -464,14 +477,16 @@
               <a:defRPr sz="1100"/>
             </a:lvl9pPr>
           </a:lstStyle>
-          <a:p/>
+          <a:p>
+            <a:endParaRPr/>
+          </a:p>
         </p:txBody>
       </p:sp>
     </p:spTree>
   </p:cSld>
-  <p:clrMap accent1="accent1" accent2="accent2" accent3="accent3" accent4="accent4" accent5="accent5" accent6="accent6" bg1="lt1" bg2="dk2" tx1="dk1" tx2="lt2" folHlink="folHlink" hlink="hlink"/>
+  <p:clrMap bg1="lt1" tx1="dk1" bg2="dk2" tx2="lt2" accent1="accent1" accent2="accent2" accent3="accent3" accent4="accent4" accent5="accent5" accent6="accent6" hlink="hlink" folHlink="folHlink"/>
   <p:notesStyle>
-    <a:defPPr lvl="0" marR="0" rtl="0" algn="l">
+    <a:defPPr marR="0" lvl="0" algn="l" rtl="0">
       <a:lnSpc>
         <a:spcPct val="100000"/>
       </a:lnSpc>
@@ -482,7 +497,7 @@
         <a:spcPts val="0"/>
       </a:spcAft>
     </a:defPPr>
-    <a:lvl1pPr lvl="0" marR="0" rtl="0" algn="l">
+    <a:lvl1pPr marR="0" lvl="0" algn="l" rtl="0">
       <a:lnSpc>
         <a:spcPct val="100000"/>
       </a:lnSpc>
@@ -496,7 +511,7 @@
         <a:srgbClr val="000000"/>
       </a:buClr>
       <a:buFont typeface="Arial"/>
-      <a:defRPr b="0" i="0" sz="1400" u="none" cap="none" strike="noStrike">
+      <a:defRPr sz="1400" b="0" i="0" u="none" strike="noStrike" cap="none">
         <a:solidFill>
           <a:srgbClr val="000000"/>
         </a:solidFill>
@@ -506,7 +521,7 @@
         <a:sym typeface="Arial"/>
       </a:defRPr>
     </a:lvl1pPr>
-    <a:lvl2pPr lvl="1" marR="0" rtl="0" algn="l">
+    <a:lvl2pPr marR="0" lvl="1" algn="l" rtl="0">
       <a:lnSpc>
         <a:spcPct val="100000"/>
       </a:lnSpc>
@@ -520,7 +535,7 @@
         <a:srgbClr val="000000"/>
       </a:buClr>
       <a:buFont typeface="Arial"/>
-      <a:defRPr b="0" i="0" sz="1400" u="none" cap="none" strike="noStrike">
+      <a:defRPr sz="1400" b="0" i="0" u="none" strike="noStrike" cap="none">
         <a:solidFill>
           <a:srgbClr val="000000"/>
         </a:solidFill>
@@ -530,7 +545,7 @@
         <a:sym typeface="Arial"/>
       </a:defRPr>
     </a:lvl2pPr>
-    <a:lvl3pPr lvl="2" marR="0" rtl="0" algn="l">
+    <a:lvl3pPr marR="0" lvl="2" algn="l" rtl="0">
       <a:lnSpc>
         <a:spcPct val="100000"/>
       </a:lnSpc>
@@ -544,7 +559,7 @@
         <a:srgbClr val="000000"/>
       </a:buClr>
       <a:buFont typeface="Arial"/>
-      <a:defRPr b="0" i="0" sz="1400" u="none" cap="none" strike="noStrike">
+      <a:defRPr sz="1400" b="0" i="0" u="none" strike="noStrike" cap="none">
         <a:solidFill>
           <a:srgbClr val="000000"/>
         </a:solidFill>
@@ -554,7 +569,7 @@
         <a:sym typeface="Arial"/>
       </a:defRPr>
     </a:lvl3pPr>
-    <a:lvl4pPr lvl="3" marR="0" rtl="0" algn="l">
+    <a:lvl4pPr marR="0" lvl="3" algn="l" rtl="0">
       <a:lnSpc>
         <a:spcPct val="100000"/>
       </a:lnSpc>
@@ -568,7 +583,7 @@
         <a:srgbClr val="000000"/>
       </a:buClr>
       <a:buFont typeface="Arial"/>
-      <a:defRPr b="0" i="0" sz="1400" u="none" cap="none" strike="noStrike">
+      <a:defRPr sz="1400" b="0" i="0" u="none" strike="noStrike" cap="none">
         <a:solidFill>
           <a:srgbClr val="000000"/>
         </a:solidFill>
@@ -578,7 +593,7 @@
         <a:sym typeface="Arial"/>
       </a:defRPr>
     </a:lvl4pPr>
-    <a:lvl5pPr lvl="4" marR="0" rtl="0" algn="l">
+    <a:lvl5pPr marR="0" lvl="4" algn="l" rtl="0">
       <a:lnSpc>
         <a:spcPct val="100000"/>
       </a:lnSpc>
@@ -592,7 +607,7 @@
         <a:srgbClr val="000000"/>
       </a:buClr>
       <a:buFont typeface="Arial"/>
-      <a:defRPr b="0" i="0" sz="1400" u="none" cap="none" strike="noStrike">
+      <a:defRPr sz="1400" b="0" i="0" u="none" strike="noStrike" cap="none">
         <a:solidFill>
           <a:srgbClr val="000000"/>
         </a:solidFill>
@@ -602,7 +617,7 @@
         <a:sym typeface="Arial"/>
       </a:defRPr>
     </a:lvl5pPr>
-    <a:lvl6pPr lvl="5" marR="0" rtl="0" algn="l">
+    <a:lvl6pPr marR="0" lvl="5" algn="l" rtl="0">
       <a:lnSpc>
         <a:spcPct val="100000"/>
       </a:lnSpc>
@@ -616,7 +631,7 @@
         <a:srgbClr val="000000"/>
       </a:buClr>
       <a:buFont typeface="Arial"/>
-      <a:defRPr b="0" i="0" sz="1400" u="none" cap="none" strike="noStrike">
+      <a:defRPr sz="1400" b="0" i="0" u="none" strike="noStrike" cap="none">
         <a:solidFill>
           <a:srgbClr val="000000"/>
         </a:solidFill>
@@ -626,7 +641,7 @@
         <a:sym typeface="Arial"/>
       </a:defRPr>
     </a:lvl6pPr>
-    <a:lvl7pPr lvl="6" marR="0" rtl="0" algn="l">
+    <a:lvl7pPr marR="0" lvl="6" algn="l" rtl="0">
       <a:lnSpc>
         <a:spcPct val="100000"/>
       </a:lnSpc>
@@ -640,7 +655,7 @@
         <a:srgbClr val="000000"/>
       </a:buClr>
       <a:buFont typeface="Arial"/>
-      <a:defRPr b="0" i="0" sz="1400" u="none" cap="none" strike="noStrike">
+      <a:defRPr sz="1400" b="0" i="0" u="none" strike="noStrike" cap="none">
         <a:solidFill>
           <a:srgbClr val="000000"/>
         </a:solidFill>
@@ -650,7 +665,7 @@
         <a:sym typeface="Arial"/>
       </a:defRPr>
     </a:lvl7pPr>
-    <a:lvl8pPr lvl="7" marR="0" rtl="0" algn="l">
+    <a:lvl8pPr marR="0" lvl="7" algn="l" rtl="0">
       <a:lnSpc>
         <a:spcPct val="100000"/>
       </a:lnSpc>
@@ -664,7 +679,7 @@
         <a:srgbClr val="000000"/>
       </a:buClr>
       <a:buFont typeface="Arial"/>
-      <a:defRPr b="0" i="0" sz="1400" u="none" cap="none" strike="noStrike">
+      <a:defRPr sz="1400" b="0" i="0" u="none" strike="noStrike" cap="none">
         <a:solidFill>
           <a:srgbClr val="000000"/>
         </a:solidFill>
@@ -674,7 +689,7 @@
         <a:sym typeface="Arial"/>
       </a:defRPr>
     </a:lvl8pPr>
-    <a:lvl9pPr lvl="8" marR="0" rtl="0" algn="l">
+    <a:lvl9pPr marR="0" lvl="8" algn="l" rtl="0">
       <a:lnSpc>
         <a:spcPct val="100000"/>
       </a:lnSpc>
@@ -688,7 +703,7 @@
         <a:srgbClr val="000000"/>
       </a:buClr>
       <a:buFont typeface="Arial"/>
-      <a:defRPr b="0" i="0" sz="1400" u="none" cap="none" strike="noStrike">
+      <a:defRPr sz="1400" b="0" i="0" u="none" strike="noStrike" cap="none">
         <a:solidFill>
           <a:srgbClr val="000000"/>
         </a:solidFill>
@@ -703,11 +718,11 @@
 </file>
 
 <file path=ppt/notesSlides/notesSlide1.xml><?xml version="1.0" encoding="utf-8"?>
-<p:notes xmlns:a="http://schemas.openxmlformats.org/drawingml/2006/main" xmlns:r="http://schemas.openxmlformats.org/officeDocument/2006/relationships" xmlns:mc="http://schemas.openxmlformats.org/markup-compatibility/2006" xmlns:mv="urn:schemas-microsoft-com:mac:vml" xmlns:p="http://schemas.openxmlformats.org/presentationml/2006/main" xmlns:c="http://schemas.openxmlformats.org/drawingml/2006/chart" xmlns:dgm="http://schemas.openxmlformats.org/drawingml/2006/diagram" xmlns:o="urn:schemas-microsoft-com:office:office" xmlns:v="urn:schemas-microsoft-com:vml" xmlns:pvml="urn:schemas-microsoft-com:office:powerpoint" xmlns:com="http://schemas.openxmlformats.org/drawingml/2006/compatibility" xmlns:p14="http://schemas.microsoft.com/office/powerpoint/2010/main" xmlns:p15="http://schemas.microsoft.com/office/powerpoint/2012/main" xmlns:ahyp="http://schemas.microsoft.com/office/drawing/2018/hyperlinkcolor" showMasterPhAnim="0" showMasterSp="0">
+<p:notes xmlns:a="http://schemas.openxmlformats.org/drawingml/2006/main" xmlns:r="http://schemas.openxmlformats.org/officeDocument/2006/relationships" xmlns:p="http://schemas.openxmlformats.org/presentationml/2006/main" showMasterSp="0" showMasterPhAnim="0">
   <p:cSld>
     <p:spTree>
       <p:nvGrpSpPr>
-        <p:cNvPr id="50" name="Shape 50"/>
+        <p:cNvPr id="1" name="Shape 50"/>
         <p:cNvGrpSpPr/>
         <p:nvPr/>
       </p:nvGrpSpPr>
@@ -722,9 +737,11 @@
       <p:sp>
         <p:nvSpPr>
           <p:cNvPr id="51" name="Google Shape;51;p:notes"/>
-          <p:cNvSpPr/>
+          <p:cNvSpPr>
+            <a:spLocks noGrp="1" noRot="1" noChangeAspect="1"/>
+          </p:cNvSpPr>
           <p:nvPr>
-            <p:ph idx="2" type="sldImg"/>
+            <p:ph type="sldImg" idx="2"/>
           </p:nvPr>
         </p:nvSpPr>
         <p:spPr>
@@ -733,9 +750,13 @@
             <a:ext cx="6096075" cy="3429000"/>
           </a:xfrm>
           <a:custGeom>
-            <a:rect b="b" l="l" r="r" t="t"/>
+            <a:avLst/>
+            <a:gdLst/>
+            <a:ahLst/>
+            <a:cxnLst/>
+            <a:rect l="l" t="t" r="r" b="b"/>
             <a:pathLst>
-              <a:path extrusionOk="0" h="120000" w="120000">
+              <a:path w="120000" h="120000" extrusionOk="0">
                 <a:moveTo>
                   <a:pt x="0" y="0"/>
                 </a:moveTo>
@@ -757,9 +778,11 @@
       <p:sp>
         <p:nvSpPr>
           <p:cNvPr id="52" name="Google Shape;52;p:notes"/>
-          <p:cNvSpPr txBox="1"/>
+          <p:cNvSpPr txBox="1">
+            <a:spLocks noGrp="1"/>
+          </p:cNvSpPr>
           <p:nvPr>
-            <p:ph idx="1" type="body"/>
+            <p:ph type="body" idx="1"/>
           </p:nvPr>
         </p:nvSpPr>
         <p:spPr>
@@ -772,12 +795,12 @@
           </a:prstGeom>
         </p:spPr>
         <p:txBody>
-          <a:bodyPr anchorCtr="0" anchor="t" bIns="91425" lIns="91425" spcFirstLastPara="1" rIns="91425" wrap="square" tIns="91425">
+          <a:bodyPr spcFirstLastPara="1" wrap="square" lIns="91425" tIns="91425" rIns="91425" bIns="91425" anchor="t" anchorCtr="0">
             <a:noAutofit/>
           </a:bodyPr>
           <a:lstStyle/>
           <a:p>
-            <a:pPr indent="0" lvl="0" marL="0" rtl="0" algn="l">
+            <a:pPr marL="0" lvl="0" indent="0" algn="l" rtl="0">
               <a:spcBef>
                 <a:spcPts val="0"/>
               </a:spcBef>
@@ -786,9 +809,6 @@
               </a:spcAft>
               <a:buNone/>
             </a:pPr>
-            <a:r>
-              <a:t/>
-            </a:r>
             <a:endParaRPr/>
           </a:p>
         </p:txBody>
@@ -802,11 +822,11 @@
 </file>
 
 <file path=ppt/notesSlides/notesSlide2.xml><?xml version="1.0" encoding="utf-8"?>
-<p:notes xmlns:a="http://schemas.openxmlformats.org/drawingml/2006/main" xmlns:r="http://schemas.openxmlformats.org/officeDocument/2006/relationships" xmlns:mc="http://schemas.openxmlformats.org/markup-compatibility/2006" xmlns:mv="urn:schemas-microsoft-com:mac:vml" xmlns:p="http://schemas.openxmlformats.org/presentationml/2006/main" xmlns:c="http://schemas.openxmlformats.org/drawingml/2006/chart" xmlns:dgm="http://schemas.openxmlformats.org/drawingml/2006/diagram" xmlns:o="urn:schemas-microsoft-com:office:office" xmlns:v="urn:schemas-microsoft-com:vml" xmlns:pvml="urn:schemas-microsoft-com:office:powerpoint" xmlns:com="http://schemas.openxmlformats.org/drawingml/2006/compatibility" xmlns:p14="http://schemas.microsoft.com/office/powerpoint/2010/main" xmlns:p15="http://schemas.microsoft.com/office/powerpoint/2012/main" xmlns:ahyp="http://schemas.microsoft.com/office/drawing/2018/hyperlinkcolor" showMasterPhAnim="0" showMasterSp="0">
+<p:notes xmlns:a="http://schemas.openxmlformats.org/drawingml/2006/main" xmlns:r="http://schemas.openxmlformats.org/officeDocument/2006/relationships" xmlns:p="http://schemas.openxmlformats.org/presentationml/2006/main" showMasterSp="0" showMasterPhAnim="0">
   <p:cSld>
     <p:spTree>
       <p:nvGrpSpPr>
-        <p:cNvPr id="56" name="Shape 56"/>
+        <p:cNvPr id="1" name="Shape 56"/>
         <p:cNvGrpSpPr/>
         <p:nvPr/>
       </p:nvGrpSpPr>
@@ -821,20 +841,26 @@
       <p:sp>
         <p:nvSpPr>
           <p:cNvPr id="57" name="Google Shape;57;g3b67aafadff_0_0:notes"/>
-          <p:cNvSpPr/>
+          <p:cNvSpPr>
+            <a:spLocks noGrp="1" noRot="1" noChangeAspect="1"/>
+          </p:cNvSpPr>
           <p:nvPr>
-            <p:ph idx="2" type="sldImg"/>
+            <p:ph type="sldImg" idx="2"/>
           </p:nvPr>
         </p:nvSpPr>
         <p:spPr>
           <a:xfrm>
-            <a:off x="381300" y="685800"/>
+            <a:off x="381000" y="685800"/>
             <a:ext cx="6096000" cy="3429000"/>
           </a:xfrm>
           <a:custGeom>
-            <a:rect b="b" l="l" r="r" t="t"/>
+            <a:avLst/>
+            <a:gdLst/>
+            <a:ahLst/>
+            <a:cxnLst/>
+            <a:rect l="l" t="t" r="r" b="b"/>
             <a:pathLst>
-              <a:path extrusionOk="0" h="120000" w="120000">
+              <a:path w="120000" h="120000" extrusionOk="0">
                 <a:moveTo>
                   <a:pt x="0" y="0"/>
                 </a:moveTo>
@@ -856,9 +882,11 @@
       <p:sp>
         <p:nvSpPr>
           <p:cNvPr id="58" name="Google Shape;58;g3b67aafadff_0_0:notes"/>
-          <p:cNvSpPr txBox="1"/>
+          <p:cNvSpPr txBox="1">
+            <a:spLocks noGrp="1"/>
+          </p:cNvSpPr>
           <p:nvPr>
-            <p:ph idx="1" type="body"/>
+            <p:ph type="body" idx="1"/>
           </p:nvPr>
         </p:nvSpPr>
         <p:spPr>
@@ -871,12 +899,12 @@
           </a:prstGeom>
         </p:spPr>
         <p:txBody>
-          <a:bodyPr anchorCtr="0" anchor="t" bIns="91425" lIns="91425" spcFirstLastPara="1" rIns="91425" wrap="square" tIns="91425">
+          <a:bodyPr spcFirstLastPara="1" wrap="square" lIns="91425" tIns="91425" rIns="91425" bIns="91425" anchor="t" anchorCtr="0">
             <a:noAutofit/>
           </a:bodyPr>
           <a:lstStyle/>
           <a:p>
-            <a:pPr indent="0" lvl="0" marL="0" rtl="0" algn="l">
+            <a:pPr marL="0" lvl="0" indent="0" algn="l" rtl="0">
               <a:spcBef>
                 <a:spcPts val="0"/>
               </a:spcBef>
@@ -885,9 +913,6 @@
               </a:spcAft>
               <a:buNone/>
             </a:pPr>
-            <a:r>
-              <a:t/>
-            </a:r>
             <a:endParaRPr/>
           </a:p>
         </p:txBody>
@@ -901,11 +926,11 @@
 </file>
 
 <file path=ppt/notesSlides/notesSlide3.xml><?xml version="1.0" encoding="utf-8"?>
-<p:notes xmlns:a="http://schemas.openxmlformats.org/drawingml/2006/main" xmlns:r="http://schemas.openxmlformats.org/officeDocument/2006/relationships" xmlns:mc="http://schemas.openxmlformats.org/markup-compatibility/2006" xmlns:mv="urn:schemas-microsoft-com:mac:vml" xmlns:p="http://schemas.openxmlformats.org/presentationml/2006/main" xmlns:c="http://schemas.openxmlformats.org/drawingml/2006/chart" xmlns:dgm="http://schemas.openxmlformats.org/drawingml/2006/diagram" xmlns:o="urn:schemas-microsoft-com:office:office" xmlns:v="urn:schemas-microsoft-com:vml" xmlns:pvml="urn:schemas-microsoft-com:office:powerpoint" xmlns:com="http://schemas.openxmlformats.org/drawingml/2006/compatibility" xmlns:p14="http://schemas.microsoft.com/office/powerpoint/2010/main" xmlns:p15="http://schemas.microsoft.com/office/powerpoint/2012/main" xmlns:ahyp="http://schemas.microsoft.com/office/drawing/2018/hyperlinkcolor" showMasterPhAnim="0" showMasterSp="0">
+<p:notes xmlns:a="http://schemas.openxmlformats.org/drawingml/2006/main" xmlns:r="http://schemas.openxmlformats.org/officeDocument/2006/relationships" xmlns:p="http://schemas.openxmlformats.org/presentationml/2006/main" showMasterSp="0" showMasterPhAnim="0">
   <p:cSld>
     <p:spTree>
       <p:nvGrpSpPr>
-        <p:cNvPr id="62" name="Shape 62"/>
+        <p:cNvPr id="1" name="Shape 62"/>
         <p:cNvGrpSpPr/>
         <p:nvPr/>
       </p:nvGrpSpPr>
@@ -920,9 +945,11 @@
       <p:sp>
         <p:nvSpPr>
           <p:cNvPr id="63" name="Google Shape;63;g3b67aafadff_3_21:notes"/>
-          <p:cNvSpPr/>
+          <p:cNvSpPr>
+            <a:spLocks noGrp="1" noRot="1" noChangeAspect="1"/>
+          </p:cNvSpPr>
           <p:nvPr>
-            <p:ph idx="2" type="sldImg"/>
+            <p:ph type="sldImg" idx="2"/>
           </p:nvPr>
         </p:nvSpPr>
         <p:spPr>
@@ -931,9 +958,13 @@
             <a:ext cx="6096000" cy="3429000"/>
           </a:xfrm>
           <a:custGeom>
-            <a:rect b="b" l="l" r="r" t="t"/>
+            <a:avLst/>
+            <a:gdLst/>
+            <a:ahLst/>
+            <a:cxnLst/>
+            <a:rect l="l" t="t" r="r" b="b"/>
             <a:pathLst>
-              <a:path extrusionOk="0" h="120000" w="120000">
+              <a:path w="120000" h="120000" extrusionOk="0">
                 <a:moveTo>
                   <a:pt x="0" y="0"/>
                 </a:moveTo>
@@ -955,9 +986,11 @@
       <p:sp>
         <p:nvSpPr>
           <p:cNvPr id="64" name="Google Shape;64;g3b67aafadff_3_21:notes"/>
-          <p:cNvSpPr txBox="1"/>
+          <p:cNvSpPr txBox="1">
+            <a:spLocks noGrp="1"/>
+          </p:cNvSpPr>
           <p:nvPr>
-            <p:ph idx="1" type="body"/>
+            <p:ph type="body" idx="1"/>
           </p:nvPr>
         </p:nvSpPr>
         <p:spPr>
@@ -970,12 +1003,12 @@
           </a:prstGeom>
         </p:spPr>
         <p:txBody>
-          <a:bodyPr anchorCtr="0" anchor="t" bIns="91425" lIns="91425" spcFirstLastPara="1" rIns="91425" wrap="square" tIns="91425">
+          <a:bodyPr spcFirstLastPara="1" wrap="square" lIns="91425" tIns="91425" rIns="91425" bIns="91425" anchor="t" anchorCtr="0">
             <a:noAutofit/>
           </a:bodyPr>
           <a:lstStyle/>
           <a:p>
-            <a:pPr indent="0" lvl="0" marL="0" rtl="0" algn="l">
+            <a:pPr marL="0" lvl="0" indent="0" algn="l" rtl="0">
               <a:spcBef>
                 <a:spcPts val="0"/>
               </a:spcBef>
@@ -984,9 +1017,6 @@
               </a:spcAft>
               <a:buNone/>
             </a:pPr>
-            <a:r>
-              <a:t/>
-            </a:r>
             <a:endParaRPr/>
           </a:p>
         </p:txBody>
@@ -1000,11 +1030,11 @@
 </file>
 
 <file path=ppt/notesSlides/notesSlide4.xml><?xml version="1.0" encoding="utf-8"?>
-<p:notes xmlns:a="http://schemas.openxmlformats.org/drawingml/2006/main" xmlns:r="http://schemas.openxmlformats.org/officeDocument/2006/relationships" xmlns:mc="http://schemas.openxmlformats.org/markup-compatibility/2006" xmlns:mv="urn:schemas-microsoft-com:mac:vml" xmlns:p="http://schemas.openxmlformats.org/presentationml/2006/main" xmlns:c="http://schemas.openxmlformats.org/drawingml/2006/chart" xmlns:dgm="http://schemas.openxmlformats.org/drawingml/2006/diagram" xmlns:o="urn:schemas-microsoft-com:office:office" xmlns:v="urn:schemas-microsoft-com:vml" xmlns:pvml="urn:schemas-microsoft-com:office:powerpoint" xmlns:com="http://schemas.openxmlformats.org/drawingml/2006/compatibility" xmlns:p14="http://schemas.microsoft.com/office/powerpoint/2010/main" xmlns:p15="http://schemas.microsoft.com/office/powerpoint/2012/main" xmlns:ahyp="http://schemas.microsoft.com/office/drawing/2018/hyperlinkcolor" showMasterPhAnim="0" showMasterSp="0">
+<p:notes xmlns:a="http://schemas.openxmlformats.org/drawingml/2006/main" xmlns:r="http://schemas.openxmlformats.org/officeDocument/2006/relationships" xmlns:p="http://schemas.openxmlformats.org/presentationml/2006/main" showMasterSp="0" showMasterPhAnim="0">
   <p:cSld>
     <p:spTree>
       <p:nvGrpSpPr>
-        <p:cNvPr id="68" name="Shape 68"/>
+        <p:cNvPr id="1" name="Shape 68"/>
         <p:cNvGrpSpPr/>
         <p:nvPr/>
       </p:nvGrpSpPr>
@@ -1019,9 +1049,11 @@
       <p:sp>
         <p:nvSpPr>
           <p:cNvPr id="69" name="Google Shape;69;g3b67aafadff_3_26:notes"/>
-          <p:cNvSpPr/>
+          <p:cNvSpPr>
+            <a:spLocks noGrp="1" noRot="1" noChangeAspect="1"/>
+          </p:cNvSpPr>
           <p:nvPr>
-            <p:ph idx="2" type="sldImg"/>
+            <p:ph type="sldImg" idx="2"/>
           </p:nvPr>
         </p:nvSpPr>
         <p:spPr>
@@ -1030,9 +1062,13 @@
             <a:ext cx="6096000" cy="3429000"/>
           </a:xfrm>
           <a:custGeom>
-            <a:rect b="b" l="l" r="r" t="t"/>
+            <a:avLst/>
+            <a:gdLst/>
+            <a:ahLst/>
+            <a:cxnLst/>
+            <a:rect l="l" t="t" r="r" b="b"/>
             <a:pathLst>
-              <a:path extrusionOk="0" h="120000" w="120000">
+              <a:path w="120000" h="120000" extrusionOk="0">
                 <a:moveTo>
                   <a:pt x="0" y="0"/>
                 </a:moveTo>
@@ -1054,9 +1090,11 @@
       <p:sp>
         <p:nvSpPr>
           <p:cNvPr id="70" name="Google Shape;70;g3b67aafadff_3_26:notes"/>
-          <p:cNvSpPr txBox="1"/>
+          <p:cNvSpPr txBox="1">
+            <a:spLocks noGrp="1"/>
+          </p:cNvSpPr>
           <p:nvPr>
-            <p:ph idx="1" type="body"/>
+            <p:ph type="body" idx="1"/>
           </p:nvPr>
         </p:nvSpPr>
         <p:spPr>
@@ -1069,12 +1107,12 @@
           </a:prstGeom>
         </p:spPr>
         <p:txBody>
-          <a:bodyPr anchorCtr="0" anchor="t" bIns="91425" lIns="91425" spcFirstLastPara="1" rIns="91425" wrap="square" tIns="91425">
+          <a:bodyPr spcFirstLastPara="1" wrap="square" lIns="91425" tIns="91425" rIns="91425" bIns="91425" anchor="t" anchorCtr="0">
             <a:noAutofit/>
           </a:bodyPr>
           <a:lstStyle/>
           <a:p>
-            <a:pPr indent="0" lvl="0" marL="0" rtl="0" algn="l">
+            <a:pPr marL="0" lvl="0" indent="0" algn="l" rtl="0">
               <a:spcBef>
                 <a:spcPts val="0"/>
               </a:spcBef>
@@ -1083,9 +1121,6 @@
               </a:spcAft>
               <a:buNone/>
             </a:pPr>
-            <a:r>
-              <a:t/>
-            </a:r>
             <a:endParaRPr/>
           </a:p>
         </p:txBody>
@@ -1099,11 +1134,11 @@
 </file>
 
 <file path=ppt/notesSlides/notesSlide5.xml><?xml version="1.0" encoding="utf-8"?>
-<p:notes xmlns:a="http://schemas.openxmlformats.org/drawingml/2006/main" xmlns:r="http://schemas.openxmlformats.org/officeDocument/2006/relationships" xmlns:mc="http://schemas.openxmlformats.org/markup-compatibility/2006" xmlns:mv="urn:schemas-microsoft-com:mac:vml" xmlns:p="http://schemas.openxmlformats.org/presentationml/2006/main" xmlns:c="http://schemas.openxmlformats.org/drawingml/2006/chart" xmlns:dgm="http://schemas.openxmlformats.org/drawingml/2006/diagram" xmlns:o="urn:schemas-microsoft-com:office:office" xmlns:v="urn:schemas-microsoft-com:vml" xmlns:pvml="urn:schemas-microsoft-com:office:powerpoint" xmlns:com="http://schemas.openxmlformats.org/drawingml/2006/compatibility" xmlns:p14="http://schemas.microsoft.com/office/powerpoint/2010/main" xmlns:p15="http://schemas.microsoft.com/office/powerpoint/2012/main" xmlns:ahyp="http://schemas.microsoft.com/office/drawing/2018/hyperlinkcolor" showMasterPhAnim="0" showMasterSp="0">
+<p:notes xmlns:a="http://schemas.openxmlformats.org/drawingml/2006/main" xmlns:r="http://schemas.openxmlformats.org/officeDocument/2006/relationships" xmlns:p="http://schemas.openxmlformats.org/presentationml/2006/main" showMasterSp="0" showMasterPhAnim="0">
   <p:cSld>
     <p:spTree>
       <p:nvGrpSpPr>
-        <p:cNvPr id="74" name="Shape 74"/>
+        <p:cNvPr id="1" name="Shape 74"/>
         <p:cNvGrpSpPr/>
         <p:nvPr/>
       </p:nvGrpSpPr>
@@ -1118,9 +1153,11 @@
       <p:sp>
         <p:nvSpPr>
           <p:cNvPr id="75" name="Google Shape;75;g3b67aafadff_0_9:notes"/>
-          <p:cNvSpPr/>
+          <p:cNvSpPr>
+            <a:spLocks noGrp="1" noRot="1" noChangeAspect="1"/>
+          </p:cNvSpPr>
           <p:nvPr>
-            <p:ph idx="2" type="sldImg"/>
+            <p:ph type="sldImg" idx="2"/>
           </p:nvPr>
         </p:nvSpPr>
         <p:spPr>
@@ -1129,9 +1166,13 @@
             <a:ext cx="6096000" cy="3429000"/>
           </a:xfrm>
           <a:custGeom>
-            <a:rect b="b" l="l" r="r" t="t"/>
+            <a:avLst/>
+            <a:gdLst/>
+            <a:ahLst/>
+            <a:cxnLst/>
+            <a:rect l="l" t="t" r="r" b="b"/>
             <a:pathLst>
-              <a:path extrusionOk="0" h="120000" w="120000">
+              <a:path w="120000" h="120000" extrusionOk="0">
                 <a:moveTo>
                   <a:pt x="0" y="0"/>
                 </a:moveTo>
@@ -1153,9 +1194,11 @@
       <p:sp>
         <p:nvSpPr>
           <p:cNvPr id="76" name="Google Shape;76;g3b67aafadff_0_9:notes"/>
-          <p:cNvSpPr txBox="1"/>
+          <p:cNvSpPr txBox="1">
+            <a:spLocks noGrp="1"/>
+          </p:cNvSpPr>
           <p:nvPr>
-            <p:ph idx="1" type="body"/>
+            <p:ph type="body" idx="1"/>
           </p:nvPr>
         </p:nvSpPr>
         <p:spPr>
@@ -1168,12 +1211,12 @@
           </a:prstGeom>
         </p:spPr>
         <p:txBody>
-          <a:bodyPr anchorCtr="0" anchor="t" bIns="91425" lIns="91425" spcFirstLastPara="1" rIns="91425" wrap="square" tIns="91425">
+          <a:bodyPr spcFirstLastPara="1" wrap="square" lIns="91425" tIns="91425" rIns="91425" bIns="91425" anchor="t" anchorCtr="0">
             <a:noAutofit/>
           </a:bodyPr>
           <a:lstStyle/>
           <a:p>
-            <a:pPr indent="0" lvl="0" marL="0" rtl="0" algn="l">
+            <a:pPr marL="0" lvl="0" indent="0" algn="l" rtl="0">
               <a:spcBef>
                 <a:spcPts val="0"/>
               </a:spcBef>
@@ -1182,9 +1225,6 @@
               </a:spcAft>
               <a:buNone/>
             </a:pPr>
-            <a:r>
-              <a:t/>
-            </a:r>
             <a:endParaRPr/>
           </a:p>
         </p:txBody>
@@ -1198,11 +1238,11 @@
 </file>
 
 <file path=ppt/notesSlides/notesSlide6.xml><?xml version="1.0" encoding="utf-8"?>
-<p:notes xmlns:a="http://schemas.openxmlformats.org/drawingml/2006/main" xmlns:r="http://schemas.openxmlformats.org/officeDocument/2006/relationships" xmlns:mc="http://schemas.openxmlformats.org/markup-compatibility/2006" xmlns:mv="urn:schemas-microsoft-com:mac:vml" xmlns:p="http://schemas.openxmlformats.org/presentationml/2006/main" xmlns:c="http://schemas.openxmlformats.org/drawingml/2006/chart" xmlns:dgm="http://schemas.openxmlformats.org/drawingml/2006/diagram" xmlns:o="urn:schemas-microsoft-com:office:office" xmlns:v="urn:schemas-microsoft-com:vml" xmlns:pvml="urn:schemas-microsoft-com:office:powerpoint" xmlns:com="http://schemas.openxmlformats.org/drawingml/2006/compatibility" xmlns:p14="http://schemas.microsoft.com/office/powerpoint/2010/main" xmlns:p15="http://schemas.microsoft.com/office/powerpoint/2012/main" xmlns:ahyp="http://schemas.microsoft.com/office/drawing/2018/hyperlinkcolor" showMasterPhAnim="0" showMasterSp="0">
+<p:notes xmlns:a="http://schemas.openxmlformats.org/drawingml/2006/main" xmlns:r="http://schemas.openxmlformats.org/officeDocument/2006/relationships" xmlns:p="http://schemas.openxmlformats.org/presentationml/2006/main" showMasterSp="0" showMasterPhAnim="0">
   <p:cSld>
     <p:spTree>
       <p:nvGrpSpPr>
-        <p:cNvPr id="80" name="Shape 80"/>
+        <p:cNvPr id="1" name="Shape 80"/>
         <p:cNvGrpSpPr/>
         <p:nvPr/>
       </p:nvGrpSpPr>
@@ -1217,9 +1257,11 @@
       <p:sp>
         <p:nvSpPr>
           <p:cNvPr id="81" name="Google Shape;81;g3b67aafadff_0_14:notes"/>
-          <p:cNvSpPr/>
+          <p:cNvSpPr>
+            <a:spLocks noGrp="1" noRot="1" noChangeAspect="1"/>
+          </p:cNvSpPr>
           <p:nvPr>
-            <p:ph idx="2" type="sldImg"/>
+            <p:ph type="sldImg" idx="2"/>
           </p:nvPr>
         </p:nvSpPr>
         <p:spPr>
@@ -1228,9 +1270,13 @@
             <a:ext cx="6096000" cy="3429000"/>
           </a:xfrm>
           <a:custGeom>
-            <a:rect b="b" l="l" r="r" t="t"/>
+            <a:avLst/>
+            <a:gdLst/>
+            <a:ahLst/>
+            <a:cxnLst/>
+            <a:rect l="l" t="t" r="r" b="b"/>
             <a:pathLst>
-              <a:path extrusionOk="0" h="120000" w="120000">
+              <a:path w="120000" h="120000" extrusionOk="0">
                 <a:moveTo>
                   <a:pt x="0" y="0"/>
                 </a:moveTo>
@@ -1252,9 +1298,11 @@
       <p:sp>
         <p:nvSpPr>
           <p:cNvPr id="82" name="Google Shape;82;g3b67aafadff_0_14:notes"/>
-          <p:cNvSpPr txBox="1"/>
+          <p:cNvSpPr txBox="1">
+            <a:spLocks noGrp="1"/>
+          </p:cNvSpPr>
           <p:nvPr>
-            <p:ph idx="1" type="body"/>
+            <p:ph type="body" idx="1"/>
           </p:nvPr>
         </p:nvSpPr>
         <p:spPr>
@@ -1267,12 +1315,12 @@
           </a:prstGeom>
         </p:spPr>
         <p:txBody>
-          <a:bodyPr anchorCtr="0" anchor="t" bIns="91425" lIns="91425" spcFirstLastPara="1" rIns="91425" wrap="square" tIns="91425">
+          <a:bodyPr spcFirstLastPara="1" wrap="square" lIns="91425" tIns="91425" rIns="91425" bIns="91425" anchor="t" anchorCtr="0">
             <a:noAutofit/>
           </a:bodyPr>
           <a:lstStyle/>
           <a:p>
-            <a:pPr indent="0" lvl="0" marL="0" rtl="0" algn="l">
+            <a:pPr marL="0" lvl="0" indent="0" algn="l" rtl="0">
               <a:spcBef>
                 <a:spcPts val="0"/>
               </a:spcBef>
@@ -1281,9 +1329,6 @@
               </a:spcAft>
               <a:buNone/>
             </a:pPr>
-            <a:r>
-              <a:t/>
-            </a:r>
             <a:endParaRPr/>
           </a:p>
         </p:txBody>
@@ -1297,11 +1342,11 @@
 </file>
 
 <file path=ppt/notesSlides/notesSlide7.xml><?xml version="1.0" encoding="utf-8"?>
-<p:notes xmlns:a="http://schemas.openxmlformats.org/drawingml/2006/main" xmlns:r="http://schemas.openxmlformats.org/officeDocument/2006/relationships" xmlns:mc="http://schemas.openxmlformats.org/markup-compatibility/2006" xmlns:mv="urn:schemas-microsoft-com:mac:vml" xmlns:p="http://schemas.openxmlformats.org/presentationml/2006/main" xmlns:c="http://schemas.openxmlformats.org/drawingml/2006/chart" xmlns:dgm="http://schemas.openxmlformats.org/drawingml/2006/diagram" xmlns:o="urn:schemas-microsoft-com:office:office" xmlns:v="urn:schemas-microsoft-com:vml" xmlns:pvml="urn:schemas-microsoft-com:office:powerpoint" xmlns:com="http://schemas.openxmlformats.org/drawingml/2006/compatibility" xmlns:p14="http://schemas.microsoft.com/office/powerpoint/2010/main" xmlns:p15="http://schemas.microsoft.com/office/powerpoint/2012/main" xmlns:ahyp="http://schemas.microsoft.com/office/drawing/2018/hyperlinkcolor" showMasterPhAnim="0" showMasterSp="0">
+<p:notes xmlns:a="http://schemas.openxmlformats.org/drawingml/2006/main" xmlns:r="http://schemas.openxmlformats.org/officeDocument/2006/relationships" xmlns:p="http://schemas.openxmlformats.org/presentationml/2006/main" showMasterSp="0" showMasterPhAnim="0">
   <p:cSld>
     <p:spTree>
       <p:nvGrpSpPr>
-        <p:cNvPr id="86" name="Shape 86"/>
+        <p:cNvPr id="1" name="Shape 86"/>
         <p:cNvGrpSpPr/>
         <p:nvPr/>
       </p:nvGrpSpPr>
@@ -1316,9 +1361,11 @@
       <p:sp>
         <p:nvSpPr>
           <p:cNvPr id="87" name="Google Shape;87;g3b67aafadff_0_19:notes"/>
-          <p:cNvSpPr/>
+          <p:cNvSpPr>
+            <a:spLocks noGrp="1" noRot="1" noChangeAspect="1"/>
+          </p:cNvSpPr>
           <p:nvPr>
-            <p:ph idx="2" type="sldImg"/>
+            <p:ph type="sldImg" idx="2"/>
           </p:nvPr>
         </p:nvSpPr>
         <p:spPr>
@@ -1327,9 +1374,13 @@
             <a:ext cx="6096000" cy="3429000"/>
           </a:xfrm>
           <a:custGeom>
-            <a:rect b="b" l="l" r="r" t="t"/>
+            <a:avLst/>
+            <a:gdLst/>
+            <a:ahLst/>
+            <a:cxnLst/>
+            <a:rect l="l" t="t" r="r" b="b"/>
             <a:pathLst>
-              <a:path extrusionOk="0" h="120000" w="120000">
+              <a:path w="120000" h="120000" extrusionOk="0">
                 <a:moveTo>
                   <a:pt x="0" y="0"/>
                 </a:moveTo>
@@ -1351,9 +1402,11 @@
       <p:sp>
         <p:nvSpPr>
           <p:cNvPr id="88" name="Google Shape;88;g3b67aafadff_0_19:notes"/>
-          <p:cNvSpPr txBox="1"/>
+          <p:cNvSpPr txBox="1">
+            <a:spLocks noGrp="1"/>
+          </p:cNvSpPr>
           <p:nvPr>
-            <p:ph idx="1" type="body"/>
+            <p:ph type="body" idx="1"/>
           </p:nvPr>
         </p:nvSpPr>
         <p:spPr>
@@ -1366,12 +1419,12 @@
           </a:prstGeom>
         </p:spPr>
         <p:txBody>
-          <a:bodyPr anchorCtr="0" anchor="t" bIns="91425" lIns="91425" spcFirstLastPara="1" rIns="91425" wrap="square" tIns="91425">
+          <a:bodyPr spcFirstLastPara="1" wrap="square" lIns="91425" tIns="91425" rIns="91425" bIns="91425" anchor="t" anchorCtr="0">
             <a:noAutofit/>
           </a:bodyPr>
           <a:lstStyle/>
           <a:p>
-            <a:pPr indent="0" lvl="0" marL="0" rtl="0" algn="l">
+            <a:pPr marL="0" lvl="0" indent="0" algn="l" rtl="0">
               <a:spcBef>
                 <a:spcPts val="0"/>
               </a:spcBef>
@@ -1380,9 +1433,6 @@
               </a:spcAft>
               <a:buNone/>
             </a:pPr>
-            <a:r>
-              <a:t/>
-            </a:r>
             <a:endParaRPr/>
           </a:p>
         </p:txBody>
@@ -1396,11 +1446,11 @@
 </file>
 
 <file path=ppt/notesSlides/notesSlide8.xml><?xml version="1.0" encoding="utf-8"?>
-<p:notes xmlns:a="http://schemas.openxmlformats.org/drawingml/2006/main" xmlns:r="http://schemas.openxmlformats.org/officeDocument/2006/relationships" xmlns:mc="http://schemas.openxmlformats.org/markup-compatibility/2006" xmlns:mv="urn:schemas-microsoft-com:mac:vml" xmlns:p="http://schemas.openxmlformats.org/presentationml/2006/main" xmlns:c="http://schemas.openxmlformats.org/drawingml/2006/chart" xmlns:dgm="http://schemas.openxmlformats.org/drawingml/2006/diagram" xmlns:o="urn:schemas-microsoft-com:office:office" xmlns:v="urn:schemas-microsoft-com:vml" xmlns:pvml="urn:schemas-microsoft-com:office:powerpoint" xmlns:com="http://schemas.openxmlformats.org/drawingml/2006/compatibility" xmlns:p14="http://schemas.microsoft.com/office/powerpoint/2010/main" xmlns:p15="http://schemas.microsoft.com/office/powerpoint/2012/main" xmlns:ahyp="http://schemas.microsoft.com/office/drawing/2018/hyperlinkcolor" showMasterPhAnim="0" showMasterSp="0">
+<p:notes xmlns:a="http://schemas.openxmlformats.org/drawingml/2006/main" xmlns:r="http://schemas.openxmlformats.org/officeDocument/2006/relationships" xmlns:p="http://schemas.openxmlformats.org/presentationml/2006/main" showMasterSp="0" showMasterPhAnim="0">
   <p:cSld>
     <p:spTree>
       <p:nvGrpSpPr>
-        <p:cNvPr id="92" name="Shape 92"/>
+        <p:cNvPr id="1" name="Shape 92"/>
         <p:cNvGrpSpPr/>
         <p:nvPr/>
       </p:nvGrpSpPr>
@@ -1415,9 +1465,11 @@
       <p:sp>
         <p:nvSpPr>
           <p:cNvPr id="93" name="Google Shape;93;g3b67aafadff_3_6:notes"/>
-          <p:cNvSpPr/>
+          <p:cNvSpPr>
+            <a:spLocks noGrp="1" noRot="1" noChangeAspect="1"/>
+          </p:cNvSpPr>
           <p:nvPr>
-            <p:ph idx="2" type="sldImg"/>
+            <p:ph type="sldImg" idx="2"/>
           </p:nvPr>
         </p:nvSpPr>
         <p:spPr>
@@ -1426,9 +1478,13 @@
             <a:ext cx="6096000" cy="3429000"/>
           </a:xfrm>
           <a:custGeom>
-            <a:rect b="b" l="l" r="r" t="t"/>
+            <a:avLst/>
+            <a:gdLst/>
+            <a:ahLst/>
+            <a:cxnLst/>
+            <a:rect l="l" t="t" r="r" b="b"/>
             <a:pathLst>
-              <a:path extrusionOk="0" h="120000" w="120000">
+              <a:path w="120000" h="120000" extrusionOk="0">
                 <a:moveTo>
                   <a:pt x="0" y="0"/>
                 </a:moveTo>
@@ -1450,9 +1506,11 @@
       <p:sp>
         <p:nvSpPr>
           <p:cNvPr id="94" name="Google Shape;94;g3b67aafadff_3_6:notes"/>
-          <p:cNvSpPr txBox="1"/>
+          <p:cNvSpPr txBox="1">
+            <a:spLocks noGrp="1"/>
+          </p:cNvSpPr>
           <p:nvPr>
-            <p:ph idx="1" type="body"/>
+            <p:ph type="body" idx="1"/>
           </p:nvPr>
         </p:nvSpPr>
         <p:spPr>
@@ -1465,12 +1523,12 @@
           </a:prstGeom>
         </p:spPr>
         <p:txBody>
-          <a:bodyPr anchorCtr="0" anchor="t" bIns="91425" lIns="91425" spcFirstLastPara="1" rIns="91425" wrap="square" tIns="91425">
+          <a:bodyPr spcFirstLastPara="1" wrap="square" lIns="91425" tIns="91425" rIns="91425" bIns="91425" anchor="t" anchorCtr="0">
             <a:noAutofit/>
           </a:bodyPr>
           <a:lstStyle/>
           <a:p>
-            <a:pPr indent="0" lvl="0" marL="0" rtl="0" algn="l">
+            <a:pPr marL="0" lvl="0" indent="0" algn="l" rtl="0">
               <a:spcBef>
                 <a:spcPts val="0"/>
               </a:spcBef>
@@ -1479,9 +1537,6 @@
               </a:spcAft>
               <a:buNone/>
             </a:pPr>
-            <a:r>
-              <a:t/>
-            </a:r>
             <a:endParaRPr/>
           </a:p>
         </p:txBody>
@@ -1495,11 +1550,11 @@
 </file>
 
 <file path=ppt/slideLayouts/slideLayout1.xml><?xml version="1.0" encoding="utf-8"?>
-<p:sldLayout xmlns:a="http://schemas.openxmlformats.org/drawingml/2006/main" xmlns:r="http://schemas.openxmlformats.org/officeDocument/2006/relationships" xmlns:mc="http://schemas.openxmlformats.org/markup-compatibility/2006" xmlns:mv="urn:schemas-microsoft-com:mac:vml" xmlns:p="http://schemas.openxmlformats.org/presentationml/2006/main" xmlns:c="http://schemas.openxmlformats.org/drawingml/2006/chart" xmlns:dgm="http://schemas.openxmlformats.org/drawingml/2006/diagram" xmlns:o="urn:schemas-microsoft-com:office:office" xmlns:v="urn:schemas-microsoft-com:vml" xmlns:pvml="urn:schemas-microsoft-com:office:powerpoint" xmlns:com="http://schemas.openxmlformats.org/drawingml/2006/compatibility" xmlns:p14="http://schemas.microsoft.com/office/powerpoint/2010/main" xmlns:p15="http://schemas.microsoft.com/office/powerpoint/2012/main" xmlns:ahyp="http://schemas.microsoft.com/office/drawing/2018/hyperlinkcolor" matchingName="Title slide" type="title">
+<p:sldLayout xmlns:a="http://schemas.openxmlformats.org/drawingml/2006/main" xmlns:r="http://schemas.openxmlformats.org/officeDocument/2006/relationships" xmlns:p="http://schemas.openxmlformats.org/presentationml/2006/main" matchingName="Title slide" type="title">
   <p:cSld name="TITLE">
     <p:spTree>
       <p:nvGrpSpPr>
-        <p:cNvPr id="9" name="Shape 9"/>
+        <p:cNvPr id="1" name="Shape 9"/>
         <p:cNvGrpSpPr/>
         <p:nvPr/>
       </p:nvGrpSpPr>
@@ -1514,7 +1569,9 @@
       <p:sp>
         <p:nvSpPr>
           <p:cNvPr id="10" name="Google Shape;10;p2"/>
-          <p:cNvSpPr txBox="1"/>
+          <p:cNvSpPr txBox="1">
+            <a:spLocks noGrp="1"/>
+          </p:cNvSpPr>
           <p:nvPr>
             <p:ph type="ctrTitle"/>
           </p:nvPr>
@@ -1529,7 +1586,7 @@
           </a:prstGeom>
         </p:spPr>
         <p:txBody>
-          <a:bodyPr anchorCtr="0" anchor="b" bIns="91425" lIns="91425" spcFirstLastPara="1" rIns="91425" wrap="square" tIns="91425">
+          <a:bodyPr spcFirstLastPara="1" wrap="square" lIns="91425" tIns="91425" rIns="91425" bIns="91425" anchor="b" anchorCtr="0">
             <a:normAutofit/>
           </a:bodyPr>
           <a:lstStyle>
@@ -1633,15 +1690,19 @@
               <a:defRPr sz="5200"/>
             </a:lvl9pPr>
           </a:lstStyle>
-          <a:p/>
+          <a:p>
+            <a:endParaRPr/>
+          </a:p>
         </p:txBody>
       </p:sp>
       <p:sp>
         <p:nvSpPr>
           <p:cNvPr id="11" name="Google Shape;11;p2"/>
-          <p:cNvSpPr txBox="1"/>
+          <p:cNvSpPr txBox="1">
+            <a:spLocks noGrp="1"/>
+          </p:cNvSpPr>
           <p:nvPr>
-            <p:ph idx="1" type="subTitle"/>
+            <p:ph type="subTitle" idx="1"/>
           </p:nvPr>
         </p:nvSpPr>
         <p:spPr>
@@ -1654,7 +1715,7 @@
           </a:prstGeom>
         </p:spPr>
         <p:txBody>
-          <a:bodyPr anchorCtr="0" anchor="t" bIns="91425" lIns="91425" spcFirstLastPara="1" rIns="91425" wrap="square" tIns="91425">
+          <a:bodyPr spcFirstLastPara="1" wrap="square" lIns="91425" tIns="91425" rIns="91425" bIns="91425" anchor="t" anchorCtr="0">
             <a:normAutofit/>
           </a:bodyPr>
           <a:lstStyle>
@@ -1785,15 +1846,19 @@
               <a:defRPr sz="2800"/>
             </a:lvl9pPr>
           </a:lstStyle>
-          <a:p/>
+          <a:p>
+            <a:endParaRPr/>
+          </a:p>
         </p:txBody>
       </p:sp>
       <p:sp>
         <p:nvSpPr>
           <p:cNvPr id="12" name="Google Shape;12;p2"/>
-          <p:cNvSpPr txBox="1"/>
+          <p:cNvSpPr txBox="1">
+            <a:spLocks noGrp="1"/>
+          </p:cNvSpPr>
           <p:nvPr>
-            <p:ph idx="12" type="sldNum"/>
+            <p:ph type="sldNum" idx="12"/>
           </p:nvPr>
         </p:nvSpPr>
         <p:spPr>
@@ -1806,7 +1871,7 @@
           </a:prstGeom>
         </p:spPr>
         <p:txBody>
-          <a:bodyPr anchorCtr="0" anchor="ctr" bIns="91425" lIns="91425" spcFirstLastPara="1" rIns="91425" wrap="square" tIns="91425">
+          <a:bodyPr spcFirstLastPara="1" wrap="square" lIns="91425" tIns="91425" rIns="91425" bIns="91425" anchor="ctr" anchorCtr="0">
             <a:normAutofit/>
           </a:bodyPr>
           <a:lstStyle>
@@ -1848,7 +1913,7 @@
             </a:lvl9pPr>
           </a:lstStyle>
           <a:p>
-            <a:pPr indent="0" lvl="0" marL="0" rtl="0" algn="r">
+            <a:pPr marL="0" lvl="0" indent="0" algn="r" rtl="0">
               <a:spcBef>
                 <a:spcPts val="0"/>
               </a:spcBef>
@@ -1859,7 +1924,7 @@
             </a:pPr>
             <a:fld id="{00000000-1234-1234-1234-123412341234}" type="slidenum">
               <a:rPr lang="de"/>
-              <a:t>‹#›</a:t>
+              <a:t>‹Nr.›</a:t>
             </a:fld>
             <a:endParaRPr/>
           </a:p>
@@ -1874,11 +1939,11 @@
 </file>
 
 <file path=ppt/slideLayouts/slideLayout10.xml><?xml version="1.0" encoding="utf-8"?>
-<p:sldLayout xmlns:a="http://schemas.openxmlformats.org/drawingml/2006/main" xmlns:r="http://schemas.openxmlformats.org/officeDocument/2006/relationships" xmlns:mc="http://schemas.openxmlformats.org/markup-compatibility/2006" xmlns:mv="urn:schemas-microsoft-com:mac:vml" xmlns:p="http://schemas.openxmlformats.org/presentationml/2006/main" xmlns:c="http://schemas.openxmlformats.org/drawingml/2006/chart" xmlns:dgm="http://schemas.openxmlformats.org/drawingml/2006/diagram" xmlns:o="urn:schemas-microsoft-com:office:office" xmlns:v="urn:schemas-microsoft-com:vml" xmlns:pvml="urn:schemas-microsoft-com:office:powerpoint" xmlns:com="http://schemas.openxmlformats.org/drawingml/2006/compatibility" xmlns:p14="http://schemas.microsoft.com/office/powerpoint/2010/main" xmlns:p15="http://schemas.microsoft.com/office/powerpoint/2012/main" xmlns:ahyp="http://schemas.microsoft.com/office/drawing/2018/hyperlinkcolor" matchingName="Big number">
+<p:sldLayout xmlns:a="http://schemas.openxmlformats.org/drawingml/2006/main" xmlns:r="http://schemas.openxmlformats.org/officeDocument/2006/relationships" xmlns:p="http://schemas.openxmlformats.org/presentationml/2006/main" matchingName="Big number">
   <p:cSld name="BIG_NUMBER">
     <p:spTree>
       <p:nvGrpSpPr>
-        <p:cNvPr id="44" name="Shape 44"/>
+        <p:cNvPr id="1" name="Shape 44"/>
         <p:cNvGrpSpPr/>
         <p:nvPr/>
       </p:nvGrpSpPr>
@@ -1893,9 +1958,11 @@
       <p:sp>
         <p:nvSpPr>
           <p:cNvPr id="45" name="Google Shape;45;p11"/>
-          <p:cNvSpPr txBox="1"/>
+          <p:cNvSpPr txBox="1">
+            <a:spLocks noGrp="1"/>
+          </p:cNvSpPr>
           <p:nvPr>
-            <p:ph hasCustomPrompt="1" type="title"/>
+            <p:ph type="title" hasCustomPrompt="1"/>
           </p:nvPr>
         </p:nvSpPr>
         <p:spPr>
@@ -1908,7 +1975,7 @@
           </a:prstGeom>
         </p:spPr>
         <p:txBody>
-          <a:bodyPr anchorCtr="0" anchor="b" bIns="91425" lIns="91425" spcFirstLastPara="1" rIns="91425" wrap="square" tIns="91425">
+          <a:bodyPr spcFirstLastPara="1" wrap="square" lIns="91425" tIns="91425" rIns="91425" bIns="91425" anchor="b" anchorCtr="0">
             <a:normAutofit/>
           </a:bodyPr>
           <a:lstStyle>
@@ -2022,9 +2089,11 @@
       <p:sp>
         <p:nvSpPr>
           <p:cNvPr id="46" name="Google Shape;46;p11"/>
-          <p:cNvSpPr txBox="1"/>
+          <p:cNvSpPr txBox="1">
+            <a:spLocks noGrp="1"/>
+          </p:cNvSpPr>
           <p:nvPr>
-            <p:ph idx="1" type="body"/>
+            <p:ph type="body" idx="1"/>
           </p:nvPr>
         </p:nvSpPr>
         <p:spPr>
@@ -2037,11 +2106,11 @@
           </a:prstGeom>
         </p:spPr>
         <p:txBody>
-          <a:bodyPr anchorCtr="0" anchor="t" bIns="91425" lIns="91425" spcFirstLastPara="1" rIns="91425" wrap="square" tIns="91425">
+          <a:bodyPr spcFirstLastPara="1" wrap="square" lIns="91425" tIns="91425" rIns="91425" bIns="91425" anchor="t" anchorCtr="0">
             <a:normAutofit/>
           </a:bodyPr>
           <a:lstStyle>
-            <a:lvl1pPr indent="-342900" lvl="0" marL="457200" algn="ctr">
+            <a:lvl1pPr marL="457200" lvl="0" indent="-342900" algn="ctr">
               <a:spcBef>
                 <a:spcPts val="0"/>
               </a:spcBef>
@@ -2052,7 +2121,7 @@
               <a:buChar char="●"/>
               <a:defRPr/>
             </a:lvl1pPr>
-            <a:lvl2pPr indent="-317500" lvl="1" marL="914400" algn="ctr">
+            <a:lvl2pPr marL="914400" lvl="1" indent="-317500" algn="ctr">
               <a:spcBef>
                 <a:spcPts val="0"/>
               </a:spcBef>
@@ -2063,7 +2132,7 @@
               <a:buChar char="○"/>
               <a:defRPr/>
             </a:lvl2pPr>
-            <a:lvl3pPr indent="-317500" lvl="2" marL="1371600" algn="ctr">
+            <a:lvl3pPr marL="1371600" lvl="2" indent="-317500" algn="ctr">
               <a:spcBef>
                 <a:spcPts val="0"/>
               </a:spcBef>
@@ -2074,7 +2143,7 @@
               <a:buChar char="■"/>
               <a:defRPr/>
             </a:lvl3pPr>
-            <a:lvl4pPr indent="-317500" lvl="3" marL="1828800" algn="ctr">
+            <a:lvl4pPr marL="1828800" lvl="3" indent="-317500" algn="ctr">
               <a:spcBef>
                 <a:spcPts val="0"/>
               </a:spcBef>
@@ -2085,7 +2154,7 @@
               <a:buChar char="●"/>
               <a:defRPr/>
             </a:lvl4pPr>
-            <a:lvl5pPr indent="-317500" lvl="4" marL="2286000" algn="ctr">
+            <a:lvl5pPr marL="2286000" lvl="4" indent="-317500" algn="ctr">
               <a:spcBef>
                 <a:spcPts val="0"/>
               </a:spcBef>
@@ -2096,7 +2165,7 @@
               <a:buChar char="○"/>
               <a:defRPr/>
             </a:lvl5pPr>
-            <a:lvl6pPr indent="-317500" lvl="5" marL="2743200" algn="ctr">
+            <a:lvl6pPr marL="2743200" lvl="5" indent="-317500" algn="ctr">
               <a:spcBef>
                 <a:spcPts val="0"/>
               </a:spcBef>
@@ -2107,7 +2176,7 @@
               <a:buChar char="■"/>
               <a:defRPr/>
             </a:lvl6pPr>
-            <a:lvl7pPr indent="-317500" lvl="6" marL="3200400" algn="ctr">
+            <a:lvl7pPr marL="3200400" lvl="6" indent="-317500" algn="ctr">
               <a:spcBef>
                 <a:spcPts val="0"/>
               </a:spcBef>
@@ -2118,7 +2187,7 @@
               <a:buChar char="●"/>
               <a:defRPr/>
             </a:lvl7pPr>
-            <a:lvl8pPr indent="-317500" lvl="7" marL="3657600" algn="ctr">
+            <a:lvl8pPr marL="3657600" lvl="7" indent="-317500" algn="ctr">
               <a:spcBef>
                 <a:spcPts val="0"/>
               </a:spcBef>
@@ -2129,7 +2198,7 @@
               <a:buChar char="○"/>
               <a:defRPr/>
             </a:lvl8pPr>
-            <a:lvl9pPr indent="-317500" lvl="8" marL="4114800" algn="ctr">
+            <a:lvl9pPr marL="4114800" lvl="8" indent="-317500" algn="ctr">
               <a:spcBef>
                 <a:spcPts val="0"/>
               </a:spcBef>
@@ -2141,15 +2210,19 @@
               <a:defRPr/>
             </a:lvl9pPr>
           </a:lstStyle>
-          <a:p/>
+          <a:p>
+            <a:endParaRPr/>
+          </a:p>
         </p:txBody>
       </p:sp>
       <p:sp>
         <p:nvSpPr>
           <p:cNvPr id="47" name="Google Shape;47;p11"/>
-          <p:cNvSpPr txBox="1"/>
+          <p:cNvSpPr txBox="1">
+            <a:spLocks noGrp="1"/>
+          </p:cNvSpPr>
           <p:nvPr>
-            <p:ph idx="12" type="sldNum"/>
+            <p:ph type="sldNum" idx="12"/>
           </p:nvPr>
         </p:nvSpPr>
         <p:spPr>
@@ -2162,7 +2235,7 @@
           </a:prstGeom>
         </p:spPr>
         <p:txBody>
-          <a:bodyPr anchorCtr="0" anchor="ctr" bIns="91425" lIns="91425" spcFirstLastPara="1" rIns="91425" wrap="square" tIns="91425">
+          <a:bodyPr spcFirstLastPara="1" wrap="square" lIns="91425" tIns="91425" rIns="91425" bIns="91425" anchor="ctr" anchorCtr="0">
             <a:normAutofit/>
           </a:bodyPr>
           <a:lstStyle>
@@ -2204,7 +2277,7 @@
             </a:lvl9pPr>
           </a:lstStyle>
           <a:p>
-            <a:pPr indent="0" lvl="0" marL="0" rtl="0" algn="r">
+            <a:pPr marL="0" lvl="0" indent="0" algn="r" rtl="0">
               <a:spcBef>
                 <a:spcPts val="0"/>
               </a:spcBef>
@@ -2215,7 +2288,7 @@
             </a:pPr>
             <a:fld id="{00000000-1234-1234-1234-123412341234}" type="slidenum">
               <a:rPr lang="de"/>
-              <a:t>‹#›</a:t>
+              <a:t>‹Nr.›</a:t>
             </a:fld>
             <a:endParaRPr/>
           </a:p>
@@ -2230,11 +2303,11 @@
 </file>
 
 <file path=ppt/slideLayouts/slideLayout11.xml><?xml version="1.0" encoding="utf-8"?>
-<p:sldLayout xmlns:a="http://schemas.openxmlformats.org/drawingml/2006/main" xmlns:r="http://schemas.openxmlformats.org/officeDocument/2006/relationships" xmlns:mc="http://schemas.openxmlformats.org/markup-compatibility/2006" xmlns:mv="urn:schemas-microsoft-com:mac:vml" xmlns:p="http://schemas.openxmlformats.org/presentationml/2006/main" xmlns:c="http://schemas.openxmlformats.org/drawingml/2006/chart" xmlns:dgm="http://schemas.openxmlformats.org/drawingml/2006/diagram" xmlns:o="urn:schemas-microsoft-com:office:office" xmlns:v="urn:schemas-microsoft-com:vml" xmlns:pvml="urn:schemas-microsoft-com:office:powerpoint" xmlns:com="http://schemas.openxmlformats.org/drawingml/2006/compatibility" xmlns:p14="http://schemas.microsoft.com/office/powerpoint/2010/main" xmlns:p15="http://schemas.microsoft.com/office/powerpoint/2012/main" xmlns:ahyp="http://schemas.microsoft.com/office/drawing/2018/hyperlinkcolor" matchingName="Blank" type="blank">
+<p:sldLayout xmlns:a="http://schemas.openxmlformats.org/drawingml/2006/main" xmlns:r="http://schemas.openxmlformats.org/officeDocument/2006/relationships" xmlns:p="http://schemas.openxmlformats.org/presentationml/2006/main" matchingName="Blank" type="blank">
   <p:cSld name="BLANK">
     <p:spTree>
       <p:nvGrpSpPr>
-        <p:cNvPr id="48" name="Shape 48"/>
+        <p:cNvPr id="1" name="Shape 48"/>
         <p:cNvGrpSpPr/>
         <p:nvPr/>
       </p:nvGrpSpPr>
@@ -2249,9 +2322,11 @@
       <p:sp>
         <p:nvSpPr>
           <p:cNvPr id="49" name="Google Shape;49;p12"/>
-          <p:cNvSpPr txBox="1"/>
+          <p:cNvSpPr txBox="1">
+            <a:spLocks noGrp="1"/>
+          </p:cNvSpPr>
           <p:nvPr>
-            <p:ph idx="12" type="sldNum"/>
+            <p:ph type="sldNum" idx="12"/>
           </p:nvPr>
         </p:nvSpPr>
         <p:spPr>
@@ -2264,7 +2339,7 @@
           </a:prstGeom>
         </p:spPr>
         <p:txBody>
-          <a:bodyPr anchorCtr="0" anchor="ctr" bIns="91425" lIns="91425" spcFirstLastPara="1" rIns="91425" wrap="square" tIns="91425">
+          <a:bodyPr spcFirstLastPara="1" wrap="square" lIns="91425" tIns="91425" rIns="91425" bIns="91425" anchor="ctr" anchorCtr="0">
             <a:normAutofit/>
           </a:bodyPr>
           <a:lstStyle>
@@ -2306,7 +2381,7 @@
             </a:lvl9pPr>
           </a:lstStyle>
           <a:p>
-            <a:pPr indent="0" lvl="0" marL="0" rtl="0" algn="r">
+            <a:pPr marL="0" lvl="0" indent="0" algn="r" rtl="0">
               <a:spcBef>
                 <a:spcPts val="0"/>
               </a:spcBef>
@@ -2317,7 +2392,7 @@
             </a:pPr>
             <a:fld id="{00000000-1234-1234-1234-123412341234}" type="slidenum">
               <a:rPr lang="de"/>
-              <a:t>‹#›</a:t>
+              <a:t>‹Nr.›</a:t>
             </a:fld>
             <a:endParaRPr/>
           </a:p>
@@ -2332,11 +2407,11 @@
 </file>
 
 <file path=ppt/slideLayouts/slideLayout2.xml><?xml version="1.0" encoding="utf-8"?>
-<p:sldLayout xmlns:a="http://schemas.openxmlformats.org/drawingml/2006/main" xmlns:r="http://schemas.openxmlformats.org/officeDocument/2006/relationships" xmlns:mc="http://schemas.openxmlformats.org/markup-compatibility/2006" xmlns:mv="urn:schemas-microsoft-com:mac:vml" xmlns:p="http://schemas.openxmlformats.org/presentationml/2006/main" xmlns:c="http://schemas.openxmlformats.org/drawingml/2006/chart" xmlns:dgm="http://schemas.openxmlformats.org/drawingml/2006/diagram" xmlns:o="urn:schemas-microsoft-com:office:office" xmlns:v="urn:schemas-microsoft-com:vml" xmlns:pvml="urn:schemas-microsoft-com:office:powerpoint" xmlns:com="http://schemas.openxmlformats.org/drawingml/2006/compatibility" xmlns:p14="http://schemas.microsoft.com/office/powerpoint/2010/main" xmlns:p15="http://schemas.microsoft.com/office/powerpoint/2012/main" xmlns:ahyp="http://schemas.microsoft.com/office/drawing/2018/hyperlinkcolor" matchingName="Section header" type="secHead">
+<p:sldLayout xmlns:a="http://schemas.openxmlformats.org/drawingml/2006/main" xmlns:r="http://schemas.openxmlformats.org/officeDocument/2006/relationships" xmlns:p="http://schemas.openxmlformats.org/presentationml/2006/main" matchingName="Section header" type="secHead">
   <p:cSld name="SECTION_HEADER">
     <p:spTree>
       <p:nvGrpSpPr>
-        <p:cNvPr id="13" name="Shape 13"/>
+        <p:cNvPr id="1" name="Shape 13"/>
         <p:cNvGrpSpPr/>
         <p:nvPr/>
       </p:nvGrpSpPr>
@@ -2351,7 +2426,9 @@
       <p:sp>
         <p:nvSpPr>
           <p:cNvPr id="14" name="Google Shape;14;p3"/>
-          <p:cNvSpPr txBox="1"/>
+          <p:cNvSpPr txBox="1">
+            <a:spLocks noGrp="1"/>
+          </p:cNvSpPr>
           <p:nvPr>
             <p:ph type="title"/>
           </p:nvPr>
@@ -2366,7 +2443,7 @@
           </a:prstGeom>
         </p:spPr>
         <p:txBody>
-          <a:bodyPr anchorCtr="0" anchor="ctr" bIns="91425" lIns="91425" spcFirstLastPara="1" rIns="91425" wrap="square" tIns="91425">
+          <a:bodyPr spcFirstLastPara="1" wrap="square" lIns="91425" tIns="91425" rIns="91425" bIns="91425" anchor="ctr" anchorCtr="0">
             <a:normAutofit/>
           </a:bodyPr>
           <a:lstStyle>
@@ -2470,15 +2547,19 @@
               <a:defRPr sz="3600"/>
             </a:lvl9pPr>
           </a:lstStyle>
-          <a:p/>
+          <a:p>
+            <a:endParaRPr/>
+          </a:p>
         </p:txBody>
       </p:sp>
       <p:sp>
         <p:nvSpPr>
           <p:cNvPr id="15" name="Google Shape;15;p3"/>
-          <p:cNvSpPr txBox="1"/>
+          <p:cNvSpPr txBox="1">
+            <a:spLocks noGrp="1"/>
+          </p:cNvSpPr>
           <p:nvPr>
-            <p:ph idx="12" type="sldNum"/>
+            <p:ph type="sldNum" idx="12"/>
           </p:nvPr>
         </p:nvSpPr>
         <p:spPr>
@@ -2491,7 +2572,7 @@
           </a:prstGeom>
         </p:spPr>
         <p:txBody>
-          <a:bodyPr anchorCtr="0" anchor="ctr" bIns="91425" lIns="91425" spcFirstLastPara="1" rIns="91425" wrap="square" tIns="91425">
+          <a:bodyPr spcFirstLastPara="1" wrap="square" lIns="91425" tIns="91425" rIns="91425" bIns="91425" anchor="ctr" anchorCtr="0">
             <a:normAutofit/>
           </a:bodyPr>
           <a:lstStyle>
@@ -2533,7 +2614,7 @@
             </a:lvl9pPr>
           </a:lstStyle>
           <a:p>
-            <a:pPr indent="0" lvl="0" marL="0" rtl="0" algn="r">
+            <a:pPr marL="0" lvl="0" indent="0" algn="r" rtl="0">
               <a:spcBef>
                 <a:spcPts val="0"/>
               </a:spcBef>
@@ -2544,7 +2625,7 @@
             </a:pPr>
             <a:fld id="{00000000-1234-1234-1234-123412341234}" type="slidenum">
               <a:rPr lang="de"/>
-              <a:t>‹#›</a:t>
+              <a:t>‹Nr.›</a:t>
             </a:fld>
             <a:endParaRPr/>
           </a:p>
@@ -2559,11 +2640,11 @@
 </file>
 
 <file path=ppt/slideLayouts/slideLayout3.xml><?xml version="1.0" encoding="utf-8"?>
-<p:sldLayout xmlns:a="http://schemas.openxmlformats.org/drawingml/2006/main" xmlns:r="http://schemas.openxmlformats.org/officeDocument/2006/relationships" xmlns:mc="http://schemas.openxmlformats.org/markup-compatibility/2006" xmlns:mv="urn:schemas-microsoft-com:mac:vml" xmlns:p="http://schemas.openxmlformats.org/presentationml/2006/main" xmlns:c="http://schemas.openxmlformats.org/drawingml/2006/chart" xmlns:dgm="http://schemas.openxmlformats.org/drawingml/2006/diagram" xmlns:o="urn:schemas-microsoft-com:office:office" xmlns:v="urn:schemas-microsoft-com:vml" xmlns:pvml="urn:schemas-microsoft-com:office:powerpoint" xmlns:com="http://schemas.openxmlformats.org/drawingml/2006/compatibility" xmlns:p14="http://schemas.microsoft.com/office/powerpoint/2010/main" xmlns:p15="http://schemas.microsoft.com/office/powerpoint/2012/main" xmlns:ahyp="http://schemas.microsoft.com/office/drawing/2018/hyperlinkcolor" matchingName="Title and body" type="tx">
+<p:sldLayout xmlns:a="http://schemas.openxmlformats.org/drawingml/2006/main" xmlns:r="http://schemas.openxmlformats.org/officeDocument/2006/relationships" xmlns:p="http://schemas.openxmlformats.org/presentationml/2006/main" matchingName="Title and body" type="tx">
   <p:cSld name="TITLE_AND_BODY">
     <p:spTree>
       <p:nvGrpSpPr>
-        <p:cNvPr id="16" name="Shape 16"/>
+        <p:cNvPr id="1" name="Shape 16"/>
         <p:cNvGrpSpPr/>
         <p:nvPr/>
       </p:nvGrpSpPr>
@@ -2578,7 +2659,9 @@
       <p:sp>
         <p:nvSpPr>
           <p:cNvPr id="17" name="Google Shape;17;p4"/>
-          <p:cNvSpPr txBox="1"/>
+          <p:cNvSpPr txBox="1">
+            <a:spLocks noGrp="1"/>
+          </p:cNvSpPr>
           <p:nvPr>
             <p:ph type="title"/>
           </p:nvPr>
@@ -2593,7 +2676,7 @@
           </a:prstGeom>
         </p:spPr>
         <p:txBody>
-          <a:bodyPr anchorCtr="0" anchor="t" bIns="91425" lIns="91425" spcFirstLastPara="1" rIns="91425" wrap="square" tIns="91425">
+          <a:bodyPr spcFirstLastPara="1" wrap="square" lIns="91425" tIns="91425" rIns="91425" bIns="91425" anchor="t" anchorCtr="0">
             <a:normAutofit/>
           </a:bodyPr>
           <a:lstStyle>
@@ -2697,15 +2780,19 @@
               <a:defRPr/>
             </a:lvl9pPr>
           </a:lstStyle>
-          <a:p/>
+          <a:p>
+            <a:endParaRPr/>
+          </a:p>
         </p:txBody>
       </p:sp>
       <p:sp>
         <p:nvSpPr>
           <p:cNvPr id="18" name="Google Shape;18;p4"/>
-          <p:cNvSpPr txBox="1"/>
+          <p:cNvSpPr txBox="1">
+            <a:spLocks noGrp="1"/>
+          </p:cNvSpPr>
           <p:nvPr>
-            <p:ph idx="1" type="body"/>
+            <p:ph type="body" idx="1"/>
           </p:nvPr>
         </p:nvSpPr>
         <p:spPr>
@@ -2718,11 +2805,11 @@
           </a:prstGeom>
         </p:spPr>
         <p:txBody>
-          <a:bodyPr anchorCtr="0" anchor="t" bIns="91425" lIns="91425" spcFirstLastPara="1" rIns="91425" wrap="square" tIns="91425">
+          <a:bodyPr spcFirstLastPara="1" wrap="square" lIns="91425" tIns="91425" rIns="91425" bIns="91425" anchor="t" anchorCtr="0">
             <a:normAutofit/>
           </a:bodyPr>
           <a:lstStyle>
-            <a:lvl1pPr indent="-342900" lvl="0" marL="457200">
+            <a:lvl1pPr marL="457200" lvl="0" indent="-342900">
               <a:spcBef>
                 <a:spcPts val="0"/>
               </a:spcBef>
@@ -2733,7 +2820,7 @@
               <a:buChar char="●"/>
               <a:defRPr/>
             </a:lvl1pPr>
-            <a:lvl2pPr indent="-317500" lvl="1" marL="914400">
+            <a:lvl2pPr marL="914400" lvl="1" indent="-317500">
               <a:spcBef>
                 <a:spcPts val="0"/>
               </a:spcBef>
@@ -2744,7 +2831,7 @@
               <a:buChar char="○"/>
               <a:defRPr/>
             </a:lvl2pPr>
-            <a:lvl3pPr indent="-317500" lvl="2" marL="1371600">
+            <a:lvl3pPr marL="1371600" lvl="2" indent="-317500">
               <a:spcBef>
                 <a:spcPts val="0"/>
               </a:spcBef>
@@ -2755,7 +2842,7 @@
               <a:buChar char="■"/>
               <a:defRPr/>
             </a:lvl3pPr>
-            <a:lvl4pPr indent="-317500" lvl="3" marL="1828800">
+            <a:lvl4pPr marL="1828800" lvl="3" indent="-317500">
               <a:spcBef>
                 <a:spcPts val="0"/>
               </a:spcBef>
@@ -2766,7 +2853,7 @@
               <a:buChar char="●"/>
               <a:defRPr/>
             </a:lvl4pPr>
-            <a:lvl5pPr indent="-317500" lvl="4" marL="2286000">
+            <a:lvl5pPr marL="2286000" lvl="4" indent="-317500">
               <a:spcBef>
                 <a:spcPts val="0"/>
               </a:spcBef>
@@ -2777,7 +2864,7 @@
               <a:buChar char="○"/>
               <a:defRPr/>
             </a:lvl5pPr>
-            <a:lvl6pPr indent="-317500" lvl="5" marL="2743200">
+            <a:lvl6pPr marL="2743200" lvl="5" indent="-317500">
               <a:spcBef>
                 <a:spcPts val="0"/>
               </a:spcBef>
@@ -2788,7 +2875,7 @@
               <a:buChar char="■"/>
               <a:defRPr/>
             </a:lvl6pPr>
-            <a:lvl7pPr indent="-317500" lvl="6" marL="3200400">
+            <a:lvl7pPr marL="3200400" lvl="6" indent="-317500">
               <a:spcBef>
                 <a:spcPts val="0"/>
               </a:spcBef>
@@ -2799,7 +2886,7 @@
               <a:buChar char="●"/>
               <a:defRPr/>
             </a:lvl7pPr>
-            <a:lvl8pPr indent="-317500" lvl="7" marL="3657600">
+            <a:lvl8pPr marL="3657600" lvl="7" indent="-317500">
               <a:spcBef>
                 <a:spcPts val="0"/>
               </a:spcBef>
@@ -2810,7 +2897,7 @@
               <a:buChar char="○"/>
               <a:defRPr/>
             </a:lvl8pPr>
-            <a:lvl9pPr indent="-317500" lvl="8" marL="4114800">
+            <a:lvl9pPr marL="4114800" lvl="8" indent="-317500">
               <a:spcBef>
                 <a:spcPts val="0"/>
               </a:spcBef>
@@ -2822,15 +2909,19 @@
               <a:defRPr/>
             </a:lvl9pPr>
           </a:lstStyle>
-          <a:p/>
+          <a:p>
+            <a:endParaRPr/>
+          </a:p>
         </p:txBody>
       </p:sp>
       <p:sp>
         <p:nvSpPr>
           <p:cNvPr id="19" name="Google Shape;19;p4"/>
-          <p:cNvSpPr txBox="1"/>
+          <p:cNvSpPr txBox="1">
+            <a:spLocks noGrp="1"/>
+          </p:cNvSpPr>
           <p:nvPr>
-            <p:ph idx="12" type="sldNum"/>
+            <p:ph type="sldNum" idx="12"/>
           </p:nvPr>
         </p:nvSpPr>
         <p:spPr>
@@ -2843,7 +2934,7 @@
           </a:prstGeom>
         </p:spPr>
         <p:txBody>
-          <a:bodyPr anchorCtr="0" anchor="ctr" bIns="91425" lIns="91425" spcFirstLastPara="1" rIns="91425" wrap="square" tIns="91425">
+          <a:bodyPr spcFirstLastPara="1" wrap="square" lIns="91425" tIns="91425" rIns="91425" bIns="91425" anchor="ctr" anchorCtr="0">
             <a:normAutofit/>
           </a:bodyPr>
           <a:lstStyle>
@@ -2885,7 +2976,7 @@
             </a:lvl9pPr>
           </a:lstStyle>
           <a:p>
-            <a:pPr indent="0" lvl="0" marL="0" rtl="0" algn="r">
+            <a:pPr marL="0" lvl="0" indent="0" algn="r" rtl="0">
               <a:spcBef>
                 <a:spcPts val="0"/>
               </a:spcBef>
@@ -2896,7 +2987,7 @@
             </a:pPr>
             <a:fld id="{00000000-1234-1234-1234-123412341234}" type="slidenum">
               <a:rPr lang="de"/>
-              <a:t>‹#›</a:t>
+              <a:t>‹Nr.›</a:t>
             </a:fld>
             <a:endParaRPr/>
           </a:p>
@@ -2911,11 +3002,11 @@
 </file>
 
 <file path=ppt/slideLayouts/slideLayout4.xml><?xml version="1.0" encoding="utf-8"?>
-<p:sldLayout xmlns:a="http://schemas.openxmlformats.org/drawingml/2006/main" xmlns:r="http://schemas.openxmlformats.org/officeDocument/2006/relationships" xmlns:mc="http://schemas.openxmlformats.org/markup-compatibility/2006" xmlns:mv="urn:schemas-microsoft-com:mac:vml" xmlns:p="http://schemas.openxmlformats.org/presentationml/2006/main" xmlns:c="http://schemas.openxmlformats.org/drawingml/2006/chart" xmlns:dgm="http://schemas.openxmlformats.org/drawingml/2006/diagram" xmlns:o="urn:schemas-microsoft-com:office:office" xmlns:v="urn:schemas-microsoft-com:vml" xmlns:pvml="urn:schemas-microsoft-com:office:powerpoint" xmlns:com="http://schemas.openxmlformats.org/drawingml/2006/compatibility" xmlns:p14="http://schemas.microsoft.com/office/powerpoint/2010/main" xmlns:p15="http://schemas.microsoft.com/office/powerpoint/2012/main" xmlns:ahyp="http://schemas.microsoft.com/office/drawing/2018/hyperlinkcolor" matchingName="Title and two columns" type="twoColTx">
+<p:sldLayout xmlns:a="http://schemas.openxmlformats.org/drawingml/2006/main" xmlns:r="http://schemas.openxmlformats.org/officeDocument/2006/relationships" xmlns:p="http://schemas.openxmlformats.org/presentationml/2006/main" matchingName="Title and two columns" type="twoColTx">
   <p:cSld name="TITLE_AND_TWO_COLUMNS">
     <p:spTree>
       <p:nvGrpSpPr>
-        <p:cNvPr id="20" name="Shape 20"/>
+        <p:cNvPr id="1" name="Shape 20"/>
         <p:cNvGrpSpPr/>
         <p:nvPr/>
       </p:nvGrpSpPr>
@@ -2930,7 +3021,9 @@
       <p:sp>
         <p:nvSpPr>
           <p:cNvPr id="21" name="Google Shape;21;p5"/>
-          <p:cNvSpPr txBox="1"/>
+          <p:cNvSpPr txBox="1">
+            <a:spLocks noGrp="1"/>
+          </p:cNvSpPr>
           <p:nvPr>
             <p:ph type="title"/>
           </p:nvPr>
@@ -2945,7 +3038,7 @@
           </a:prstGeom>
         </p:spPr>
         <p:txBody>
-          <a:bodyPr anchorCtr="0" anchor="t" bIns="91425" lIns="91425" spcFirstLastPara="1" rIns="91425" wrap="square" tIns="91425">
+          <a:bodyPr spcFirstLastPara="1" wrap="square" lIns="91425" tIns="91425" rIns="91425" bIns="91425" anchor="t" anchorCtr="0">
             <a:normAutofit/>
           </a:bodyPr>
           <a:lstStyle>
@@ -3049,15 +3142,19 @@
               <a:defRPr/>
             </a:lvl9pPr>
           </a:lstStyle>
-          <a:p/>
+          <a:p>
+            <a:endParaRPr/>
+          </a:p>
         </p:txBody>
       </p:sp>
       <p:sp>
         <p:nvSpPr>
           <p:cNvPr id="22" name="Google Shape;22;p5"/>
-          <p:cNvSpPr txBox="1"/>
+          <p:cNvSpPr txBox="1">
+            <a:spLocks noGrp="1"/>
+          </p:cNvSpPr>
           <p:nvPr>
-            <p:ph idx="1" type="body"/>
+            <p:ph type="body" idx="1"/>
           </p:nvPr>
         </p:nvSpPr>
         <p:spPr>
@@ -3070,11 +3167,11 @@
           </a:prstGeom>
         </p:spPr>
         <p:txBody>
-          <a:bodyPr anchorCtr="0" anchor="t" bIns="91425" lIns="91425" spcFirstLastPara="1" rIns="91425" wrap="square" tIns="91425">
+          <a:bodyPr spcFirstLastPara="1" wrap="square" lIns="91425" tIns="91425" rIns="91425" bIns="91425" anchor="t" anchorCtr="0">
             <a:normAutofit/>
           </a:bodyPr>
           <a:lstStyle>
-            <a:lvl1pPr indent="-317500" lvl="0" marL="457200">
+            <a:lvl1pPr marL="457200" lvl="0" indent="-317500">
               <a:spcBef>
                 <a:spcPts val="0"/>
               </a:spcBef>
@@ -3085,7 +3182,7 @@
               <a:buChar char="●"/>
               <a:defRPr sz="1400"/>
             </a:lvl1pPr>
-            <a:lvl2pPr indent="-304800" lvl="1" marL="914400">
+            <a:lvl2pPr marL="914400" lvl="1" indent="-304800">
               <a:spcBef>
                 <a:spcPts val="0"/>
               </a:spcBef>
@@ -3096,7 +3193,7 @@
               <a:buChar char="○"/>
               <a:defRPr sz="1200"/>
             </a:lvl2pPr>
-            <a:lvl3pPr indent="-304800" lvl="2" marL="1371600">
+            <a:lvl3pPr marL="1371600" lvl="2" indent="-304800">
               <a:spcBef>
                 <a:spcPts val="0"/>
               </a:spcBef>
@@ -3107,7 +3204,7 @@
               <a:buChar char="■"/>
               <a:defRPr sz="1200"/>
             </a:lvl3pPr>
-            <a:lvl4pPr indent="-304800" lvl="3" marL="1828800">
+            <a:lvl4pPr marL="1828800" lvl="3" indent="-304800">
               <a:spcBef>
                 <a:spcPts val="0"/>
               </a:spcBef>
@@ -3118,7 +3215,7 @@
               <a:buChar char="●"/>
               <a:defRPr sz="1200"/>
             </a:lvl4pPr>
-            <a:lvl5pPr indent="-304800" lvl="4" marL="2286000">
+            <a:lvl5pPr marL="2286000" lvl="4" indent="-304800">
               <a:spcBef>
                 <a:spcPts val="0"/>
               </a:spcBef>
@@ -3129,7 +3226,7 @@
               <a:buChar char="○"/>
               <a:defRPr sz="1200"/>
             </a:lvl5pPr>
-            <a:lvl6pPr indent="-304800" lvl="5" marL="2743200">
+            <a:lvl6pPr marL="2743200" lvl="5" indent="-304800">
               <a:spcBef>
                 <a:spcPts val="0"/>
               </a:spcBef>
@@ -3140,7 +3237,7 @@
               <a:buChar char="■"/>
               <a:defRPr sz="1200"/>
             </a:lvl6pPr>
-            <a:lvl7pPr indent="-304800" lvl="6" marL="3200400">
+            <a:lvl7pPr marL="3200400" lvl="6" indent="-304800">
               <a:spcBef>
                 <a:spcPts val="0"/>
               </a:spcBef>
@@ -3151,7 +3248,7 @@
               <a:buChar char="●"/>
               <a:defRPr sz="1200"/>
             </a:lvl7pPr>
-            <a:lvl8pPr indent="-304800" lvl="7" marL="3657600">
+            <a:lvl8pPr marL="3657600" lvl="7" indent="-304800">
               <a:spcBef>
                 <a:spcPts val="0"/>
               </a:spcBef>
@@ -3162,7 +3259,7 @@
               <a:buChar char="○"/>
               <a:defRPr sz="1200"/>
             </a:lvl8pPr>
-            <a:lvl9pPr indent="-304800" lvl="8" marL="4114800">
+            <a:lvl9pPr marL="4114800" lvl="8" indent="-304800">
               <a:spcBef>
                 <a:spcPts val="0"/>
               </a:spcBef>
@@ -3174,15 +3271,19 @@
               <a:defRPr sz="1200"/>
             </a:lvl9pPr>
           </a:lstStyle>
-          <a:p/>
+          <a:p>
+            <a:endParaRPr/>
+          </a:p>
         </p:txBody>
       </p:sp>
       <p:sp>
         <p:nvSpPr>
           <p:cNvPr id="23" name="Google Shape;23;p5"/>
-          <p:cNvSpPr txBox="1"/>
+          <p:cNvSpPr txBox="1">
+            <a:spLocks noGrp="1"/>
+          </p:cNvSpPr>
           <p:nvPr>
-            <p:ph idx="2" type="body"/>
+            <p:ph type="body" idx="2"/>
           </p:nvPr>
         </p:nvSpPr>
         <p:spPr>
@@ -3195,11 +3296,11 @@
           </a:prstGeom>
         </p:spPr>
         <p:txBody>
-          <a:bodyPr anchorCtr="0" anchor="t" bIns="91425" lIns="91425" spcFirstLastPara="1" rIns="91425" wrap="square" tIns="91425">
+          <a:bodyPr spcFirstLastPara="1" wrap="square" lIns="91425" tIns="91425" rIns="91425" bIns="91425" anchor="t" anchorCtr="0">
             <a:normAutofit/>
           </a:bodyPr>
           <a:lstStyle>
-            <a:lvl1pPr indent="-317500" lvl="0" marL="457200">
+            <a:lvl1pPr marL="457200" lvl="0" indent="-317500">
               <a:spcBef>
                 <a:spcPts val="0"/>
               </a:spcBef>
@@ -3210,7 +3311,7 @@
               <a:buChar char="●"/>
               <a:defRPr sz="1400"/>
             </a:lvl1pPr>
-            <a:lvl2pPr indent="-304800" lvl="1" marL="914400">
+            <a:lvl2pPr marL="914400" lvl="1" indent="-304800">
               <a:spcBef>
                 <a:spcPts val="0"/>
               </a:spcBef>
@@ -3221,7 +3322,7 @@
               <a:buChar char="○"/>
               <a:defRPr sz="1200"/>
             </a:lvl2pPr>
-            <a:lvl3pPr indent="-304800" lvl="2" marL="1371600">
+            <a:lvl3pPr marL="1371600" lvl="2" indent="-304800">
               <a:spcBef>
                 <a:spcPts val="0"/>
               </a:spcBef>
@@ -3232,7 +3333,7 @@
               <a:buChar char="■"/>
               <a:defRPr sz="1200"/>
             </a:lvl3pPr>
-            <a:lvl4pPr indent="-304800" lvl="3" marL="1828800">
+            <a:lvl4pPr marL="1828800" lvl="3" indent="-304800">
               <a:spcBef>
                 <a:spcPts val="0"/>
               </a:spcBef>
@@ -3243,7 +3344,7 @@
               <a:buChar char="●"/>
               <a:defRPr sz="1200"/>
             </a:lvl4pPr>
-            <a:lvl5pPr indent="-304800" lvl="4" marL="2286000">
+            <a:lvl5pPr marL="2286000" lvl="4" indent="-304800">
               <a:spcBef>
                 <a:spcPts val="0"/>
               </a:spcBef>
@@ -3254,7 +3355,7 @@
               <a:buChar char="○"/>
               <a:defRPr sz="1200"/>
             </a:lvl5pPr>
-            <a:lvl6pPr indent="-304800" lvl="5" marL="2743200">
+            <a:lvl6pPr marL="2743200" lvl="5" indent="-304800">
               <a:spcBef>
                 <a:spcPts val="0"/>
               </a:spcBef>
@@ -3265,7 +3366,7 @@
               <a:buChar char="■"/>
               <a:defRPr sz="1200"/>
             </a:lvl6pPr>
-            <a:lvl7pPr indent="-304800" lvl="6" marL="3200400">
+            <a:lvl7pPr marL="3200400" lvl="6" indent="-304800">
               <a:spcBef>
                 <a:spcPts val="0"/>
               </a:spcBef>
@@ -3276,7 +3377,7 @@
               <a:buChar char="●"/>
               <a:defRPr sz="1200"/>
             </a:lvl7pPr>
-            <a:lvl8pPr indent="-304800" lvl="7" marL="3657600">
+            <a:lvl8pPr marL="3657600" lvl="7" indent="-304800">
               <a:spcBef>
                 <a:spcPts val="0"/>
               </a:spcBef>
@@ -3287,7 +3388,7 @@
               <a:buChar char="○"/>
               <a:defRPr sz="1200"/>
             </a:lvl8pPr>
-            <a:lvl9pPr indent="-304800" lvl="8" marL="4114800">
+            <a:lvl9pPr marL="4114800" lvl="8" indent="-304800">
               <a:spcBef>
                 <a:spcPts val="0"/>
               </a:spcBef>
@@ -3299,15 +3400,19 @@
               <a:defRPr sz="1200"/>
             </a:lvl9pPr>
           </a:lstStyle>
-          <a:p/>
+          <a:p>
+            <a:endParaRPr/>
+          </a:p>
         </p:txBody>
       </p:sp>
       <p:sp>
         <p:nvSpPr>
           <p:cNvPr id="24" name="Google Shape;24;p5"/>
-          <p:cNvSpPr txBox="1"/>
+          <p:cNvSpPr txBox="1">
+            <a:spLocks noGrp="1"/>
+          </p:cNvSpPr>
           <p:nvPr>
-            <p:ph idx="12" type="sldNum"/>
+            <p:ph type="sldNum" idx="12"/>
           </p:nvPr>
         </p:nvSpPr>
         <p:spPr>
@@ -3320,7 +3425,7 @@
           </a:prstGeom>
         </p:spPr>
         <p:txBody>
-          <a:bodyPr anchorCtr="0" anchor="ctr" bIns="91425" lIns="91425" spcFirstLastPara="1" rIns="91425" wrap="square" tIns="91425">
+          <a:bodyPr spcFirstLastPara="1" wrap="square" lIns="91425" tIns="91425" rIns="91425" bIns="91425" anchor="ctr" anchorCtr="0">
             <a:normAutofit/>
           </a:bodyPr>
           <a:lstStyle>
@@ -3362,7 +3467,7 @@
             </a:lvl9pPr>
           </a:lstStyle>
           <a:p>
-            <a:pPr indent="0" lvl="0" marL="0" rtl="0" algn="r">
+            <a:pPr marL="0" lvl="0" indent="0" algn="r" rtl="0">
               <a:spcBef>
                 <a:spcPts val="0"/>
               </a:spcBef>
@@ -3373,7 +3478,7 @@
             </a:pPr>
             <a:fld id="{00000000-1234-1234-1234-123412341234}" type="slidenum">
               <a:rPr lang="de"/>
-              <a:t>‹#›</a:t>
+              <a:t>‹Nr.›</a:t>
             </a:fld>
             <a:endParaRPr/>
           </a:p>
@@ -3388,11 +3493,11 @@
 </file>
 
 <file path=ppt/slideLayouts/slideLayout5.xml><?xml version="1.0" encoding="utf-8"?>
-<p:sldLayout xmlns:a="http://schemas.openxmlformats.org/drawingml/2006/main" xmlns:r="http://schemas.openxmlformats.org/officeDocument/2006/relationships" xmlns:mc="http://schemas.openxmlformats.org/markup-compatibility/2006" xmlns:mv="urn:schemas-microsoft-com:mac:vml" xmlns:p="http://schemas.openxmlformats.org/presentationml/2006/main" xmlns:c="http://schemas.openxmlformats.org/drawingml/2006/chart" xmlns:dgm="http://schemas.openxmlformats.org/drawingml/2006/diagram" xmlns:o="urn:schemas-microsoft-com:office:office" xmlns:v="urn:schemas-microsoft-com:vml" xmlns:pvml="urn:schemas-microsoft-com:office:powerpoint" xmlns:com="http://schemas.openxmlformats.org/drawingml/2006/compatibility" xmlns:p14="http://schemas.microsoft.com/office/powerpoint/2010/main" xmlns:p15="http://schemas.microsoft.com/office/powerpoint/2012/main" xmlns:ahyp="http://schemas.microsoft.com/office/drawing/2018/hyperlinkcolor" matchingName="Title only" type="titleOnly">
+<p:sldLayout xmlns:a="http://schemas.openxmlformats.org/drawingml/2006/main" xmlns:r="http://schemas.openxmlformats.org/officeDocument/2006/relationships" xmlns:p="http://schemas.openxmlformats.org/presentationml/2006/main" matchingName="Title only" type="titleOnly">
   <p:cSld name="TITLE_ONLY">
     <p:spTree>
       <p:nvGrpSpPr>
-        <p:cNvPr id="25" name="Shape 25"/>
+        <p:cNvPr id="1" name="Shape 25"/>
         <p:cNvGrpSpPr/>
         <p:nvPr/>
       </p:nvGrpSpPr>
@@ -3407,7 +3512,9 @@
       <p:sp>
         <p:nvSpPr>
           <p:cNvPr id="26" name="Google Shape;26;p6"/>
-          <p:cNvSpPr txBox="1"/>
+          <p:cNvSpPr txBox="1">
+            <a:spLocks noGrp="1"/>
+          </p:cNvSpPr>
           <p:nvPr>
             <p:ph type="title"/>
           </p:nvPr>
@@ -3422,7 +3529,7 @@
           </a:prstGeom>
         </p:spPr>
         <p:txBody>
-          <a:bodyPr anchorCtr="0" anchor="t" bIns="91425" lIns="91425" spcFirstLastPara="1" rIns="91425" wrap="square" tIns="91425">
+          <a:bodyPr spcFirstLastPara="1" wrap="square" lIns="91425" tIns="91425" rIns="91425" bIns="91425" anchor="t" anchorCtr="0">
             <a:normAutofit/>
           </a:bodyPr>
           <a:lstStyle>
@@ -3526,15 +3633,19 @@
               <a:defRPr/>
             </a:lvl9pPr>
           </a:lstStyle>
-          <a:p/>
+          <a:p>
+            <a:endParaRPr/>
+          </a:p>
         </p:txBody>
       </p:sp>
       <p:sp>
         <p:nvSpPr>
           <p:cNvPr id="27" name="Google Shape;27;p6"/>
-          <p:cNvSpPr txBox="1"/>
+          <p:cNvSpPr txBox="1">
+            <a:spLocks noGrp="1"/>
+          </p:cNvSpPr>
           <p:nvPr>
-            <p:ph idx="12" type="sldNum"/>
+            <p:ph type="sldNum" idx="12"/>
           </p:nvPr>
         </p:nvSpPr>
         <p:spPr>
@@ -3547,7 +3658,7 @@
           </a:prstGeom>
         </p:spPr>
         <p:txBody>
-          <a:bodyPr anchorCtr="0" anchor="ctr" bIns="91425" lIns="91425" spcFirstLastPara="1" rIns="91425" wrap="square" tIns="91425">
+          <a:bodyPr spcFirstLastPara="1" wrap="square" lIns="91425" tIns="91425" rIns="91425" bIns="91425" anchor="ctr" anchorCtr="0">
             <a:normAutofit/>
           </a:bodyPr>
           <a:lstStyle>
@@ -3589,7 +3700,7 @@
             </a:lvl9pPr>
           </a:lstStyle>
           <a:p>
-            <a:pPr indent="0" lvl="0" marL="0" rtl="0" algn="r">
+            <a:pPr marL="0" lvl="0" indent="0" algn="r" rtl="0">
               <a:spcBef>
                 <a:spcPts val="0"/>
               </a:spcBef>
@@ -3600,7 +3711,7 @@
             </a:pPr>
             <a:fld id="{00000000-1234-1234-1234-123412341234}" type="slidenum">
               <a:rPr lang="de"/>
-              <a:t>‹#›</a:t>
+              <a:t>‹Nr.›</a:t>
             </a:fld>
             <a:endParaRPr/>
           </a:p>
@@ -3615,11 +3726,11 @@
 </file>
 
 <file path=ppt/slideLayouts/slideLayout6.xml><?xml version="1.0" encoding="utf-8"?>
-<p:sldLayout xmlns:a="http://schemas.openxmlformats.org/drawingml/2006/main" xmlns:r="http://schemas.openxmlformats.org/officeDocument/2006/relationships" xmlns:mc="http://schemas.openxmlformats.org/markup-compatibility/2006" xmlns:mv="urn:schemas-microsoft-com:mac:vml" xmlns:p="http://schemas.openxmlformats.org/presentationml/2006/main" xmlns:c="http://schemas.openxmlformats.org/drawingml/2006/chart" xmlns:dgm="http://schemas.openxmlformats.org/drawingml/2006/diagram" xmlns:o="urn:schemas-microsoft-com:office:office" xmlns:v="urn:schemas-microsoft-com:vml" xmlns:pvml="urn:schemas-microsoft-com:office:powerpoint" xmlns:com="http://schemas.openxmlformats.org/drawingml/2006/compatibility" xmlns:p14="http://schemas.microsoft.com/office/powerpoint/2010/main" xmlns:p15="http://schemas.microsoft.com/office/powerpoint/2012/main" xmlns:ahyp="http://schemas.microsoft.com/office/drawing/2018/hyperlinkcolor" matchingName="One column text">
+<p:sldLayout xmlns:a="http://schemas.openxmlformats.org/drawingml/2006/main" xmlns:r="http://schemas.openxmlformats.org/officeDocument/2006/relationships" xmlns:p="http://schemas.openxmlformats.org/presentationml/2006/main" matchingName="One column text">
   <p:cSld name="ONE_COLUMN_TEXT">
     <p:spTree>
       <p:nvGrpSpPr>
-        <p:cNvPr id="28" name="Shape 28"/>
+        <p:cNvPr id="1" name="Shape 28"/>
         <p:cNvGrpSpPr/>
         <p:nvPr/>
       </p:nvGrpSpPr>
@@ -3634,7 +3745,9 @@
       <p:sp>
         <p:nvSpPr>
           <p:cNvPr id="29" name="Google Shape;29;p7"/>
-          <p:cNvSpPr txBox="1"/>
+          <p:cNvSpPr txBox="1">
+            <a:spLocks noGrp="1"/>
+          </p:cNvSpPr>
           <p:nvPr>
             <p:ph type="title"/>
           </p:nvPr>
@@ -3649,7 +3762,7 @@
           </a:prstGeom>
         </p:spPr>
         <p:txBody>
-          <a:bodyPr anchorCtr="0" anchor="b" bIns="91425" lIns="91425" spcFirstLastPara="1" rIns="91425" wrap="square" tIns="91425">
+          <a:bodyPr spcFirstLastPara="1" wrap="square" lIns="91425" tIns="91425" rIns="91425" bIns="91425" anchor="b" anchorCtr="0">
             <a:normAutofit/>
           </a:bodyPr>
           <a:lstStyle>
@@ -3753,15 +3866,19 @@
               <a:defRPr sz="2400"/>
             </a:lvl9pPr>
           </a:lstStyle>
-          <a:p/>
+          <a:p>
+            <a:endParaRPr/>
+          </a:p>
         </p:txBody>
       </p:sp>
       <p:sp>
         <p:nvSpPr>
           <p:cNvPr id="30" name="Google Shape;30;p7"/>
-          <p:cNvSpPr txBox="1"/>
+          <p:cNvSpPr txBox="1">
+            <a:spLocks noGrp="1"/>
+          </p:cNvSpPr>
           <p:nvPr>
-            <p:ph idx="1" type="body"/>
+            <p:ph type="body" idx="1"/>
           </p:nvPr>
         </p:nvSpPr>
         <p:spPr>
@@ -3774,11 +3891,11 @@
           </a:prstGeom>
         </p:spPr>
         <p:txBody>
-          <a:bodyPr anchorCtr="0" anchor="t" bIns="91425" lIns="91425" spcFirstLastPara="1" rIns="91425" wrap="square" tIns="91425">
+          <a:bodyPr spcFirstLastPara="1" wrap="square" lIns="91425" tIns="91425" rIns="91425" bIns="91425" anchor="t" anchorCtr="0">
             <a:normAutofit/>
           </a:bodyPr>
           <a:lstStyle>
-            <a:lvl1pPr indent="-304800" lvl="0" marL="457200">
+            <a:lvl1pPr marL="457200" lvl="0" indent="-304800">
               <a:spcBef>
                 <a:spcPts val="0"/>
               </a:spcBef>
@@ -3789,7 +3906,7 @@
               <a:buChar char="●"/>
               <a:defRPr sz="1200"/>
             </a:lvl1pPr>
-            <a:lvl2pPr indent="-304800" lvl="1" marL="914400">
+            <a:lvl2pPr marL="914400" lvl="1" indent="-304800">
               <a:spcBef>
                 <a:spcPts val="0"/>
               </a:spcBef>
@@ -3800,7 +3917,7 @@
               <a:buChar char="○"/>
               <a:defRPr sz="1200"/>
             </a:lvl2pPr>
-            <a:lvl3pPr indent="-304800" lvl="2" marL="1371600">
+            <a:lvl3pPr marL="1371600" lvl="2" indent="-304800">
               <a:spcBef>
                 <a:spcPts val="0"/>
               </a:spcBef>
@@ -3811,7 +3928,7 @@
               <a:buChar char="■"/>
               <a:defRPr sz="1200"/>
             </a:lvl3pPr>
-            <a:lvl4pPr indent="-304800" lvl="3" marL="1828800">
+            <a:lvl4pPr marL="1828800" lvl="3" indent="-304800">
               <a:spcBef>
                 <a:spcPts val="0"/>
               </a:spcBef>
@@ -3822,7 +3939,7 @@
               <a:buChar char="●"/>
               <a:defRPr sz="1200"/>
             </a:lvl4pPr>
-            <a:lvl5pPr indent="-304800" lvl="4" marL="2286000">
+            <a:lvl5pPr marL="2286000" lvl="4" indent="-304800">
               <a:spcBef>
                 <a:spcPts val="0"/>
               </a:spcBef>
@@ -3833,7 +3950,7 @@
               <a:buChar char="○"/>
               <a:defRPr sz="1200"/>
             </a:lvl5pPr>
-            <a:lvl6pPr indent="-304800" lvl="5" marL="2743200">
+            <a:lvl6pPr marL="2743200" lvl="5" indent="-304800">
               <a:spcBef>
                 <a:spcPts val="0"/>
               </a:spcBef>
@@ -3844,7 +3961,7 @@
               <a:buChar char="■"/>
               <a:defRPr sz="1200"/>
             </a:lvl6pPr>
-            <a:lvl7pPr indent="-304800" lvl="6" marL="3200400">
+            <a:lvl7pPr marL="3200400" lvl="6" indent="-304800">
               <a:spcBef>
                 <a:spcPts val="0"/>
               </a:spcBef>
@@ -3855,7 +3972,7 @@
               <a:buChar char="●"/>
               <a:defRPr sz="1200"/>
             </a:lvl7pPr>
-            <a:lvl8pPr indent="-304800" lvl="7" marL="3657600">
+            <a:lvl8pPr marL="3657600" lvl="7" indent="-304800">
               <a:spcBef>
                 <a:spcPts val="0"/>
               </a:spcBef>
@@ -3866,7 +3983,7 @@
               <a:buChar char="○"/>
               <a:defRPr sz="1200"/>
             </a:lvl8pPr>
-            <a:lvl9pPr indent="-304800" lvl="8" marL="4114800">
+            <a:lvl9pPr marL="4114800" lvl="8" indent="-304800">
               <a:spcBef>
                 <a:spcPts val="0"/>
               </a:spcBef>
@@ -3878,15 +3995,19 @@
               <a:defRPr sz="1200"/>
             </a:lvl9pPr>
           </a:lstStyle>
-          <a:p/>
+          <a:p>
+            <a:endParaRPr/>
+          </a:p>
         </p:txBody>
       </p:sp>
       <p:sp>
         <p:nvSpPr>
           <p:cNvPr id="31" name="Google Shape;31;p7"/>
-          <p:cNvSpPr txBox="1"/>
+          <p:cNvSpPr txBox="1">
+            <a:spLocks noGrp="1"/>
+          </p:cNvSpPr>
           <p:nvPr>
-            <p:ph idx="12" type="sldNum"/>
+            <p:ph type="sldNum" idx="12"/>
           </p:nvPr>
         </p:nvSpPr>
         <p:spPr>
@@ -3899,7 +4020,7 @@
           </a:prstGeom>
         </p:spPr>
         <p:txBody>
-          <a:bodyPr anchorCtr="0" anchor="ctr" bIns="91425" lIns="91425" spcFirstLastPara="1" rIns="91425" wrap="square" tIns="91425">
+          <a:bodyPr spcFirstLastPara="1" wrap="square" lIns="91425" tIns="91425" rIns="91425" bIns="91425" anchor="ctr" anchorCtr="0">
             <a:normAutofit/>
           </a:bodyPr>
           <a:lstStyle>
@@ -3941,7 +4062,7 @@
             </a:lvl9pPr>
           </a:lstStyle>
           <a:p>
-            <a:pPr indent="0" lvl="0" marL="0" rtl="0" algn="r">
+            <a:pPr marL="0" lvl="0" indent="0" algn="r" rtl="0">
               <a:spcBef>
                 <a:spcPts val="0"/>
               </a:spcBef>
@@ -3952,7 +4073,7 @@
             </a:pPr>
             <a:fld id="{00000000-1234-1234-1234-123412341234}" type="slidenum">
               <a:rPr lang="de"/>
-              <a:t>‹#›</a:t>
+              <a:t>‹Nr.›</a:t>
             </a:fld>
             <a:endParaRPr/>
           </a:p>
@@ -3967,11 +4088,11 @@
 </file>
 
 <file path=ppt/slideLayouts/slideLayout7.xml><?xml version="1.0" encoding="utf-8"?>
-<p:sldLayout xmlns:a="http://schemas.openxmlformats.org/drawingml/2006/main" xmlns:r="http://schemas.openxmlformats.org/officeDocument/2006/relationships" xmlns:mc="http://schemas.openxmlformats.org/markup-compatibility/2006" xmlns:mv="urn:schemas-microsoft-com:mac:vml" xmlns:p="http://schemas.openxmlformats.org/presentationml/2006/main" xmlns:c="http://schemas.openxmlformats.org/drawingml/2006/chart" xmlns:dgm="http://schemas.openxmlformats.org/drawingml/2006/diagram" xmlns:o="urn:schemas-microsoft-com:office:office" xmlns:v="urn:schemas-microsoft-com:vml" xmlns:pvml="urn:schemas-microsoft-com:office:powerpoint" xmlns:com="http://schemas.openxmlformats.org/drawingml/2006/compatibility" xmlns:p14="http://schemas.microsoft.com/office/powerpoint/2010/main" xmlns:p15="http://schemas.microsoft.com/office/powerpoint/2012/main" xmlns:ahyp="http://schemas.microsoft.com/office/drawing/2018/hyperlinkcolor" matchingName="Main point">
+<p:sldLayout xmlns:a="http://schemas.openxmlformats.org/drawingml/2006/main" xmlns:r="http://schemas.openxmlformats.org/officeDocument/2006/relationships" xmlns:p="http://schemas.openxmlformats.org/presentationml/2006/main" matchingName="Main point">
   <p:cSld name="MAIN_POINT">
     <p:spTree>
       <p:nvGrpSpPr>
-        <p:cNvPr id="32" name="Shape 32"/>
+        <p:cNvPr id="1" name="Shape 32"/>
         <p:cNvGrpSpPr/>
         <p:nvPr/>
       </p:nvGrpSpPr>
@@ -3986,7 +4107,9 @@
       <p:sp>
         <p:nvSpPr>
           <p:cNvPr id="33" name="Google Shape;33;p8"/>
-          <p:cNvSpPr txBox="1"/>
+          <p:cNvSpPr txBox="1">
+            <a:spLocks noGrp="1"/>
+          </p:cNvSpPr>
           <p:nvPr>
             <p:ph type="title"/>
           </p:nvPr>
@@ -4001,7 +4124,7 @@
           </a:prstGeom>
         </p:spPr>
         <p:txBody>
-          <a:bodyPr anchorCtr="0" anchor="ctr" bIns="91425" lIns="91425" spcFirstLastPara="1" rIns="91425" wrap="square" tIns="91425">
+          <a:bodyPr spcFirstLastPara="1" wrap="square" lIns="91425" tIns="91425" rIns="91425" bIns="91425" anchor="ctr" anchorCtr="0">
             <a:normAutofit/>
           </a:bodyPr>
           <a:lstStyle>
@@ -4105,15 +4228,19 @@
               <a:defRPr sz="4800"/>
             </a:lvl9pPr>
           </a:lstStyle>
-          <a:p/>
+          <a:p>
+            <a:endParaRPr/>
+          </a:p>
         </p:txBody>
       </p:sp>
       <p:sp>
         <p:nvSpPr>
           <p:cNvPr id="34" name="Google Shape;34;p8"/>
-          <p:cNvSpPr txBox="1"/>
+          <p:cNvSpPr txBox="1">
+            <a:spLocks noGrp="1"/>
+          </p:cNvSpPr>
           <p:nvPr>
-            <p:ph idx="12" type="sldNum"/>
+            <p:ph type="sldNum" idx="12"/>
           </p:nvPr>
         </p:nvSpPr>
         <p:spPr>
@@ -4126,7 +4253,7 @@
           </a:prstGeom>
         </p:spPr>
         <p:txBody>
-          <a:bodyPr anchorCtr="0" anchor="ctr" bIns="91425" lIns="91425" spcFirstLastPara="1" rIns="91425" wrap="square" tIns="91425">
+          <a:bodyPr spcFirstLastPara="1" wrap="square" lIns="91425" tIns="91425" rIns="91425" bIns="91425" anchor="ctr" anchorCtr="0">
             <a:normAutofit/>
           </a:bodyPr>
           <a:lstStyle>
@@ -4168,7 +4295,7 @@
             </a:lvl9pPr>
           </a:lstStyle>
           <a:p>
-            <a:pPr indent="0" lvl="0" marL="0" rtl="0" algn="r">
+            <a:pPr marL="0" lvl="0" indent="0" algn="r" rtl="0">
               <a:spcBef>
                 <a:spcPts val="0"/>
               </a:spcBef>
@@ -4179,7 +4306,7 @@
             </a:pPr>
             <a:fld id="{00000000-1234-1234-1234-123412341234}" type="slidenum">
               <a:rPr lang="de"/>
-              <a:t>‹#›</a:t>
+              <a:t>‹Nr.›</a:t>
             </a:fld>
             <a:endParaRPr/>
           </a:p>
@@ -4194,11 +4321,11 @@
 </file>
 
 <file path=ppt/slideLayouts/slideLayout8.xml><?xml version="1.0" encoding="utf-8"?>
-<p:sldLayout xmlns:a="http://schemas.openxmlformats.org/drawingml/2006/main" xmlns:r="http://schemas.openxmlformats.org/officeDocument/2006/relationships" xmlns:mc="http://schemas.openxmlformats.org/markup-compatibility/2006" xmlns:mv="urn:schemas-microsoft-com:mac:vml" xmlns:p="http://schemas.openxmlformats.org/presentationml/2006/main" xmlns:c="http://schemas.openxmlformats.org/drawingml/2006/chart" xmlns:dgm="http://schemas.openxmlformats.org/drawingml/2006/diagram" xmlns:o="urn:schemas-microsoft-com:office:office" xmlns:v="urn:schemas-microsoft-com:vml" xmlns:pvml="urn:schemas-microsoft-com:office:powerpoint" xmlns:com="http://schemas.openxmlformats.org/drawingml/2006/compatibility" xmlns:p14="http://schemas.microsoft.com/office/powerpoint/2010/main" xmlns:p15="http://schemas.microsoft.com/office/powerpoint/2012/main" xmlns:ahyp="http://schemas.microsoft.com/office/drawing/2018/hyperlinkcolor" matchingName="Section title and description">
+<p:sldLayout xmlns:a="http://schemas.openxmlformats.org/drawingml/2006/main" xmlns:r="http://schemas.openxmlformats.org/officeDocument/2006/relationships" xmlns:p="http://schemas.openxmlformats.org/presentationml/2006/main" matchingName="Section title and description">
   <p:cSld name="SECTION_TITLE_AND_DESCRIPTION">
     <p:spTree>
       <p:nvGrpSpPr>
-        <p:cNvPr id="35" name="Shape 35"/>
+        <p:cNvPr id="1" name="Shape 35"/>
         <p:cNvGrpSpPr/>
         <p:nvPr/>
       </p:nvGrpSpPr>
@@ -4232,12 +4359,12 @@
           </a:ln>
         </p:spPr>
         <p:txBody>
-          <a:bodyPr anchorCtr="0" anchor="ctr" bIns="91425" lIns="91425" spcFirstLastPara="1" rIns="91425" wrap="square" tIns="91425">
+          <a:bodyPr spcFirstLastPara="1" wrap="square" lIns="91425" tIns="91425" rIns="91425" bIns="91425" anchor="ctr" anchorCtr="0">
             <a:noAutofit/>
           </a:bodyPr>
           <a:lstStyle/>
           <a:p>
-            <a:pPr indent="0" lvl="0" marL="0" rtl="0" algn="l">
+            <a:pPr marL="0" lvl="0" indent="0" algn="l" rtl="0">
               <a:spcBef>
                 <a:spcPts val="0"/>
               </a:spcBef>
@@ -4246,9 +4373,6 @@
               </a:spcAft>
               <a:buNone/>
             </a:pPr>
-            <a:r>
-              <a:t/>
-            </a:r>
             <a:endParaRPr/>
           </a:p>
         </p:txBody>
@@ -4256,7 +4380,9 @@
       <p:sp>
         <p:nvSpPr>
           <p:cNvPr id="37" name="Google Shape;37;p9"/>
-          <p:cNvSpPr txBox="1"/>
+          <p:cNvSpPr txBox="1">
+            <a:spLocks noGrp="1"/>
+          </p:cNvSpPr>
           <p:nvPr>
             <p:ph type="title"/>
           </p:nvPr>
@@ -4271,7 +4397,7 @@
           </a:prstGeom>
         </p:spPr>
         <p:txBody>
-          <a:bodyPr anchorCtr="0" anchor="b" bIns="91425" lIns="91425" spcFirstLastPara="1" rIns="91425" wrap="square" tIns="91425">
+          <a:bodyPr spcFirstLastPara="1" wrap="square" lIns="91425" tIns="91425" rIns="91425" bIns="91425" anchor="b" anchorCtr="0">
             <a:normAutofit/>
           </a:bodyPr>
           <a:lstStyle>
@@ -4375,15 +4501,19 @@
               <a:defRPr sz="4200"/>
             </a:lvl9pPr>
           </a:lstStyle>
-          <a:p/>
+          <a:p>
+            <a:endParaRPr/>
+          </a:p>
         </p:txBody>
       </p:sp>
       <p:sp>
         <p:nvSpPr>
           <p:cNvPr id="38" name="Google Shape;38;p9"/>
-          <p:cNvSpPr txBox="1"/>
+          <p:cNvSpPr txBox="1">
+            <a:spLocks noGrp="1"/>
+          </p:cNvSpPr>
           <p:nvPr>
-            <p:ph idx="1" type="subTitle"/>
+            <p:ph type="subTitle" idx="1"/>
           </p:nvPr>
         </p:nvSpPr>
         <p:spPr>
@@ -4396,7 +4526,7 @@
           </a:prstGeom>
         </p:spPr>
         <p:txBody>
-          <a:bodyPr anchorCtr="0" anchor="t" bIns="91425" lIns="91425" spcFirstLastPara="1" rIns="91425" wrap="square" tIns="91425">
+          <a:bodyPr spcFirstLastPara="1" wrap="square" lIns="91425" tIns="91425" rIns="91425" bIns="91425" anchor="t" anchorCtr="0">
             <a:normAutofit/>
           </a:bodyPr>
           <a:lstStyle>
@@ -4527,15 +4657,19 @@
               <a:defRPr sz="2100"/>
             </a:lvl9pPr>
           </a:lstStyle>
-          <a:p/>
+          <a:p>
+            <a:endParaRPr/>
+          </a:p>
         </p:txBody>
       </p:sp>
       <p:sp>
         <p:nvSpPr>
           <p:cNvPr id="39" name="Google Shape;39;p9"/>
-          <p:cNvSpPr txBox="1"/>
+          <p:cNvSpPr txBox="1">
+            <a:spLocks noGrp="1"/>
+          </p:cNvSpPr>
           <p:nvPr>
-            <p:ph idx="2" type="body"/>
+            <p:ph type="body" idx="2"/>
           </p:nvPr>
         </p:nvSpPr>
         <p:spPr>
@@ -4548,11 +4682,11 @@
           </a:prstGeom>
         </p:spPr>
         <p:txBody>
-          <a:bodyPr anchorCtr="0" anchor="ctr" bIns="91425" lIns="91425" spcFirstLastPara="1" rIns="91425" wrap="square" tIns="91425">
+          <a:bodyPr spcFirstLastPara="1" wrap="square" lIns="91425" tIns="91425" rIns="91425" bIns="91425" anchor="ctr" anchorCtr="0">
             <a:normAutofit/>
           </a:bodyPr>
           <a:lstStyle>
-            <a:lvl1pPr indent="-342900" lvl="0" marL="457200">
+            <a:lvl1pPr marL="457200" lvl="0" indent="-342900">
               <a:spcBef>
                 <a:spcPts val="0"/>
               </a:spcBef>
@@ -4563,7 +4697,7 @@
               <a:buChar char="●"/>
               <a:defRPr/>
             </a:lvl1pPr>
-            <a:lvl2pPr indent="-317500" lvl="1" marL="914400">
+            <a:lvl2pPr marL="914400" lvl="1" indent="-317500">
               <a:spcBef>
                 <a:spcPts val="0"/>
               </a:spcBef>
@@ -4574,7 +4708,7 @@
               <a:buChar char="○"/>
               <a:defRPr/>
             </a:lvl2pPr>
-            <a:lvl3pPr indent="-317500" lvl="2" marL="1371600">
+            <a:lvl3pPr marL="1371600" lvl="2" indent="-317500">
               <a:spcBef>
                 <a:spcPts val="0"/>
               </a:spcBef>
@@ -4585,7 +4719,7 @@
               <a:buChar char="■"/>
               <a:defRPr/>
             </a:lvl3pPr>
-            <a:lvl4pPr indent="-317500" lvl="3" marL="1828800">
+            <a:lvl4pPr marL="1828800" lvl="3" indent="-317500">
               <a:spcBef>
                 <a:spcPts val="0"/>
               </a:spcBef>
@@ -4596,7 +4730,7 @@
               <a:buChar char="●"/>
               <a:defRPr/>
             </a:lvl4pPr>
-            <a:lvl5pPr indent="-317500" lvl="4" marL="2286000">
+            <a:lvl5pPr marL="2286000" lvl="4" indent="-317500">
               <a:spcBef>
                 <a:spcPts val="0"/>
               </a:spcBef>
@@ -4607,7 +4741,7 @@
               <a:buChar char="○"/>
               <a:defRPr/>
             </a:lvl5pPr>
-            <a:lvl6pPr indent="-317500" lvl="5" marL="2743200">
+            <a:lvl6pPr marL="2743200" lvl="5" indent="-317500">
               <a:spcBef>
                 <a:spcPts val="0"/>
               </a:spcBef>
@@ -4618,7 +4752,7 @@
               <a:buChar char="■"/>
               <a:defRPr/>
             </a:lvl6pPr>
-            <a:lvl7pPr indent="-317500" lvl="6" marL="3200400">
+            <a:lvl7pPr marL="3200400" lvl="6" indent="-317500">
               <a:spcBef>
                 <a:spcPts val="0"/>
               </a:spcBef>
@@ -4629,7 +4763,7 @@
               <a:buChar char="●"/>
               <a:defRPr/>
             </a:lvl7pPr>
-            <a:lvl8pPr indent="-317500" lvl="7" marL="3657600">
+            <a:lvl8pPr marL="3657600" lvl="7" indent="-317500">
               <a:spcBef>
                 <a:spcPts val="0"/>
               </a:spcBef>
@@ -4640,7 +4774,7 @@
               <a:buChar char="○"/>
               <a:defRPr/>
             </a:lvl8pPr>
-            <a:lvl9pPr indent="-317500" lvl="8" marL="4114800">
+            <a:lvl9pPr marL="4114800" lvl="8" indent="-317500">
               <a:spcBef>
                 <a:spcPts val="0"/>
               </a:spcBef>
@@ -4652,15 +4786,19 @@
               <a:defRPr/>
             </a:lvl9pPr>
           </a:lstStyle>
-          <a:p/>
+          <a:p>
+            <a:endParaRPr/>
+          </a:p>
         </p:txBody>
       </p:sp>
       <p:sp>
         <p:nvSpPr>
           <p:cNvPr id="40" name="Google Shape;40;p9"/>
-          <p:cNvSpPr txBox="1"/>
+          <p:cNvSpPr txBox="1">
+            <a:spLocks noGrp="1"/>
+          </p:cNvSpPr>
           <p:nvPr>
-            <p:ph idx="12" type="sldNum"/>
+            <p:ph type="sldNum" idx="12"/>
           </p:nvPr>
         </p:nvSpPr>
         <p:spPr>
@@ -4673,7 +4811,7 @@
           </a:prstGeom>
         </p:spPr>
         <p:txBody>
-          <a:bodyPr anchorCtr="0" anchor="ctr" bIns="91425" lIns="91425" spcFirstLastPara="1" rIns="91425" wrap="square" tIns="91425">
+          <a:bodyPr spcFirstLastPara="1" wrap="square" lIns="91425" tIns="91425" rIns="91425" bIns="91425" anchor="ctr" anchorCtr="0">
             <a:normAutofit/>
           </a:bodyPr>
           <a:lstStyle>
@@ -4715,7 +4853,7 @@
             </a:lvl9pPr>
           </a:lstStyle>
           <a:p>
-            <a:pPr indent="0" lvl="0" marL="0" rtl="0" algn="r">
+            <a:pPr marL="0" lvl="0" indent="0" algn="r" rtl="0">
               <a:spcBef>
                 <a:spcPts val="0"/>
               </a:spcBef>
@@ -4726,7 +4864,7 @@
             </a:pPr>
             <a:fld id="{00000000-1234-1234-1234-123412341234}" type="slidenum">
               <a:rPr lang="de"/>
-              <a:t>‹#›</a:t>
+              <a:t>‹Nr.›</a:t>
             </a:fld>
             <a:endParaRPr/>
           </a:p>
@@ -4741,11 +4879,11 @@
 </file>
 
 <file path=ppt/slideLayouts/slideLayout9.xml><?xml version="1.0" encoding="utf-8"?>
-<p:sldLayout xmlns:a="http://schemas.openxmlformats.org/drawingml/2006/main" xmlns:r="http://schemas.openxmlformats.org/officeDocument/2006/relationships" xmlns:mc="http://schemas.openxmlformats.org/markup-compatibility/2006" xmlns:mv="urn:schemas-microsoft-com:mac:vml" xmlns:p="http://schemas.openxmlformats.org/presentationml/2006/main" xmlns:c="http://schemas.openxmlformats.org/drawingml/2006/chart" xmlns:dgm="http://schemas.openxmlformats.org/drawingml/2006/diagram" xmlns:o="urn:schemas-microsoft-com:office:office" xmlns:v="urn:schemas-microsoft-com:vml" xmlns:pvml="urn:schemas-microsoft-com:office:powerpoint" xmlns:com="http://schemas.openxmlformats.org/drawingml/2006/compatibility" xmlns:p14="http://schemas.microsoft.com/office/powerpoint/2010/main" xmlns:p15="http://schemas.microsoft.com/office/powerpoint/2012/main" xmlns:ahyp="http://schemas.microsoft.com/office/drawing/2018/hyperlinkcolor" matchingName="Caption">
+<p:sldLayout xmlns:a="http://schemas.openxmlformats.org/drawingml/2006/main" xmlns:r="http://schemas.openxmlformats.org/officeDocument/2006/relationships" xmlns:p="http://schemas.openxmlformats.org/presentationml/2006/main" matchingName="Caption">
   <p:cSld name="CAPTION_ONLY">
     <p:spTree>
       <p:nvGrpSpPr>
-        <p:cNvPr id="41" name="Shape 41"/>
+        <p:cNvPr id="1" name="Shape 41"/>
         <p:cNvGrpSpPr/>
         <p:nvPr/>
       </p:nvGrpSpPr>
@@ -4760,9 +4898,11 @@
       <p:sp>
         <p:nvSpPr>
           <p:cNvPr id="42" name="Google Shape;42;p10"/>
-          <p:cNvSpPr txBox="1"/>
+          <p:cNvSpPr txBox="1">
+            <a:spLocks noGrp="1"/>
+          </p:cNvSpPr>
           <p:nvPr>
-            <p:ph idx="1" type="body"/>
+            <p:ph type="body" idx="1"/>
           </p:nvPr>
         </p:nvSpPr>
         <p:spPr>
@@ -4775,11 +4915,11 @@
           </a:prstGeom>
         </p:spPr>
         <p:txBody>
-          <a:bodyPr anchorCtr="0" anchor="ctr" bIns="91425" lIns="91425" spcFirstLastPara="1" rIns="91425" wrap="square" tIns="91425">
+          <a:bodyPr spcFirstLastPara="1" wrap="square" lIns="91425" tIns="91425" rIns="91425" bIns="91425" anchor="ctr" anchorCtr="0">
             <a:normAutofit/>
           </a:bodyPr>
           <a:lstStyle>
-            <a:lvl1pPr indent="-228600" lvl="0" marL="457200">
+            <a:lvl1pPr marL="457200" lvl="0" indent="-228600">
               <a:lnSpc>
                 <a:spcPct val="100000"/>
               </a:lnSpc>
@@ -4794,15 +4934,19 @@
               <a:defRPr/>
             </a:lvl1pPr>
           </a:lstStyle>
-          <a:p/>
+          <a:p>
+            <a:endParaRPr/>
+          </a:p>
         </p:txBody>
       </p:sp>
       <p:sp>
         <p:nvSpPr>
           <p:cNvPr id="43" name="Google Shape;43;p10"/>
-          <p:cNvSpPr txBox="1"/>
+          <p:cNvSpPr txBox="1">
+            <a:spLocks noGrp="1"/>
+          </p:cNvSpPr>
           <p:nvPr>
-            <p:ph idx="12" type="sldNum"/>
+            <p:ph type="sldNum" idx="12"/>
           </p:nvPr>
         </p:nvSpPr>
         <p:spPr>
@@ -4815,7 +4959,7 @@
           </a:prstGeom>
         </p:spPr>
         <p:txBody>
-          <a:bodyPr anchorCtr="0" anchor="ctr" bIns="91425" lIns="91425" spcFirstLastPara="1" rIns="91425" wrap="square" tIns="91425">
+          <a:bodyPr spcFirstLastPara="1" wrap="square" lIns="91425" tIns="91425" rIns="91425" bIns="91425" anchor="ctr" anchorCtr="0">
             <a:normAutofit/>
           </a:bodyPr>
           <a:lstStyle>
@@ -4857,7 +5001,7 @@
             </a:lvl9pPr>
           </a:lstStyle>
           <a:p>
-            <a:pPr indent="0" lvl="0" marL="0" rtl="0" algn="r">
+            <a:pPr marL="0" lvl="0" indent="0" algn="r" rtl="0">
               <a:spcBef>
                 <a:spcPts val="0"/>
               </a:spcBef>
@@ -4868,7 +5012,7 @@
             </a:pPr>
             <a:fld id="{00000000-1234-1234-1234-123412341234}" type="slidenum">
               <a:rPr lang="de"/>
-              <a:t>‹#›</a:t>
+              <a:t>‹Nr.›</a:t>
             </a:fld>
             <a:endParaRPr/>
           </a:p>
@@ -4883,18 +5027,19 @@
 </file>
 
 <file path=ppt/slideMasters/slideMaster1.xml><?xml version="1.0" encoding="utf-8"?>
-<p:sldMaster xmlns:a="http://schemas.openxmlformats.org/drawingml/2006/main" xmlns:r="http://schemas.openxmlformats.org/officeDocument/2006/relationships" xmlns:mc="http://schemas.openxmlformats.org/markup-compatibility/2006" xmlns:mv="urn:schemas-microsoft-com:mac:vml" xmlns:p="http://schemas.openxmlformats.org/presentationml/2006/main" xmlns:c="http://schemas.openxmlformats.org/drawingml/2006/chart" xmlns:dgm="http://schemas.openxmlformats.org/drawingml/2006/diagram" xmlns:o="urn:schemas-microsoft-com:office:office" xmlns:v="urn:schemas-microsoft-com:vml" xmlns:pvml="urn:schemas-microsoft-com:office:powerpoint" xmlns:com="http://schemas.openxmlformats.org/drawingml/2006/compatibility" xmlns:p14="http://schemas.microsoft.com/office/powerpoint/2010/main" xmlns:p15="http://schemas.microsoft.com/office/powerpoint/2012/main" xmlns:ahyp="http://schemas.microsoft.com/office/drawing/2018/hyperlinkcolor">
+<p:sldMaster xmlns:a="http://schemas.openxmlformats.org/drawingml/2006/main" xmlns:r="http://schemas.openxmlformats.org/officeDocument/2006/relationships" xmlns:p="http://schemas.openxmlformats.org/presentationml/2006/main">
   <p:cSld name="simple-light-2">
     <p:bg>
       <p:bgPr>
         <a:solidFill>
           <a:schemeClr val="lt1"/>
         </a:solidFill>
+        <a:effectLst/>
       </p:bgPr>
     </p:bg>
     <p:spTree>
       <p:nvGrpSpPr>
-        <p:cNvPr id="5" name="Shape 5"/>
+        <p:cNvPr id="1" name="Shape 5"/>
         <p:cNvGrpSpPr/>
         <p:nvPr/>
       </p:nvGrpSpPr>
@@ -4909,7 +5054,9 @@
       <p:sp>
         <p:nvSpPr>
           <p:cNvPr id="6" name="Google Shape;6;p1"/>
-          <p:cNvSpPr txBox="1"/>
+          <p:cNvSpPr txBox="1">
+            <a:spLocks noGrp="1"/>
+          </p:cNvSpPr>
           <p:nvPr>
             <p:ph type="title"/>
           </p:nvPr>
@@ -4928,7 +5075,7 @@
           </a:ln>
         </p:spPr>
         <p:txBody>
-          <a:bodyPr anchorCtr="0" anchor="t" bIns="91425" lIns="91425" spcFirstLastPara="1" rIns="91425" wrap="square" tIns="91425">
+          <a:bodyPr spcFirstLastPara="1" wrap="square" lIns="91425" tIns="91425" rIns="91425" bIns="91425" anchor="t" anchorCtr="0">
             <a:normAutofit/>
           </a:bodyPr>
           <a:lstStyle>
@@ -5095,15 +5242,19 @@
               </a:defRPr>
             </a:lvl9pPr>
           </a:lstStyle>
-          <a:p/>
+          <a:p>
+            <a:endParaRPr/>
+          </a:p>
         </p:txBody>
       </p:sp>
       <p:sp>
         <p:nvSpPr>
           <p:cNvPr id="7" name="Google Shape;7;p1"/>
-          <p:cNvSpPr txBox="1"/>
+          <p:cNvSpPr txBox="1">
+            <a:spLocks noGrp="1"/>
+          </p:cNvSpPr>
           <p:nvPr>
-            <p:ph idx="1" type="body"/>
+            <p:ph type="body" idx="1"/>
           </p:nvPr>
         </p:nvSpPr>
         <p:spPr>
@@ -5120,11 +5271,11 @@
           </a:ln>
         </p:spPr>
         <p:txBody>
-          <a:bodyPr anchorCtr="0" anchor="t" bIns="91425" lIns="91425" spcFirstLastPara="1" rIns="91425" wrap="square" tIns="91425">
+          <a:bodyPr spcFirstLastPara="1" wrap="square" lIns="91425" tIns="91425" rIns="91425" bIns="91425" anchor="t" anchorCtr="0">
             <a:normAutofit/>
           </a:bodyPr>
           <a:lstStyle>
-            <a:lvl1pPr indent="-342900" lvl="0" marL="457200">
+            <a:lvl1pPr marL="457200" lvl="0" indent="-342900">
               <a:lnSpc>
                 <a:spcPct val="115000"/>
               </a:lnSpc>
@@ -5145,7 +5296,7 @@
                 </a:solidFill>
               </a:defRPr>
             </a:lvl1pPr>
-            <a:lvl2pPr indent="-317500" lvl="1" marL="914400">
+            <a:lvl2pPr marL="914400" lvl="1" indent="-317500">
               <a:lnSpc>
                 <a:spcPct val="115000"/>
               </a:lnSpc>
@@ -5166,7 +5317,7 @@
                 </a:solidFill>
               </a:defRPr>
             </a:lvl2pPr>
-            <a:lvl3pPr indent="-317500" lvl="2" marL="1371600">
+            <a:lvl3pPr marL="1371600" lvl="2" indent="-317500">
               <a:lnSpc>
                 <a:spcPct val="115000"/>
               </a:lnSpc>
@@ -5187,7 +5338,7 @@
                 </a:solidFill>
               </a:defRPr>
             </a:lvl3pPr>
-            <a:lvl4pPr indent="-317500" lvl="3" marL="1828800">
+            <a:lvl4pPr marL="1828800" lvl="3" indent="-317500">
               <a:lnSpc>
                 <a:spcPct val="115000"/>
               </a:lnSpc>
@@ -5208,7 +5359,7 @@
                 </a:solidFill>
               </a:defRPr>
             </a:lvl4pPr>
-            <a:lvl5pPr indent="-317500" lvl="4" marL="2286000">
+            <a:lvl5pPr marL="2286000" lvl="4" indent="-317500">
               <a:lnSpc>
                 <a:spcPct val="115000"/>
               </a:lnSpc>
@@ -5229,7 +5380,7 @@
                 </a:solidFill>
               </a:defRPr>
             </a:lvl5pPr>
-            <a:lvl6pPr indent="-317500" lvl="5" marL="2743200">
+            <a:lvl6pPr marL="2743200" lvl="5" indent="-317500">
               <a:lnSpc>
                 <a:spcPct val="115000"/>
               </a:lnSpc>
@@ -5250,7 +5401,7 @@
                 </a:solidFill>
               </a:defRPr>
             </a:lvl6pPr>
-            <a:lvl7pPr indent="-317500" lvl="6" marL="3200400">
+            <a:lvl7pPr marL="3200400" lvl="6" indent="-317500">
               <a:lnSpc>
                 <a:spcPct val="115000"/>
               </a:lnSpc>
@@ -5271,7 +5422,7 @@
                 </a:solidFill>
               </a:defRPr>
             </a:lvl7pPr>
-            <a:lvl8pPr indent="-317500" lvl="7" marL="3657600">
+            <a:lvl8pPr marL="3657600" lvl="7" indent="-317500">
               <a:lnSpc>
                 <a:spcPct val="115000"/>
               </a:lnSpc>
@@ -5292,7 +5443,7 @@
                 </a:solidFill>
               </a:defRPr>
             </a:lvl8pPr>
-            <a:lvl9pPr indent="-317500" lvl="8" marL="4114800">
+            <a:lvl9pPr marL="4114800" lvl="8" indent="-317500">
               <a:lnSpc>
                 <a:spcPct val="115000"/>
               </a:lnSpc>
@@ -5314,15 +5465,19 @@
               </a:defRPr>
             </a:lvl9pPr>
           </a:lstStyle>
-          <a:p/>
+          <a:p>
+            <a:endParaRPr/>
+          </a:p>
         </p:txBody>
       </p:sp>
       <p:sp>
         <p:nvSpPr>
           <p:cNvPr id="8" name="Google Shape;8;p1"/>
-          <p:cNvSpPr txBox="1"/>
+          <p:cNvSpPr txBox="1">
+            <a:spLocks noGrp="1"/>
+          </p:cNvSpPr>
           <p:nvPr>
-            <p:ph idx="12" type="sldNum"/>
+            <p:ph type="sldNum" idx="12"/>
           </p:nvPr>
         </p:nvSpPr>
         <p:spPr>
@@ -5339,7 +5494,7 @@
           </a:ln>
         </p:spPr>
         <p:txBody>
-          <a:bodyPr anchorCtr="0" anchor="ctr" bIns="91425" lIns="91425" spcFirstLastPara="1" rIns="91425" wrap="square" tIns="91425">
+          <a:bodyPr spcFirstLastPara="1" wrap="square" lIns="91425" tIns="91425" rIns="91425" bIns="91425" anchor="ctr" anchorCtr="0">
             <a:normAutofit/>
           </a:bodyPr>
           <a:lstStyle>
@@ -5417,7 +5572,7 @@
             </a:lvl9pPr>
           </a:lstStyle>
           <a:p>
-            <a:pPr indent="0" lvl="0" marL="0" rtl="0" algn="r">
+            <a:pPr marL="0" lvl="0" indent="0" algn="r" rtl="0">
               <a:spcBef>
                 <a:spcPts val="0"/>
               </a:spcBef>
@@ -5428,7 +5583,7 @@
             </a:pPr>
             <a:fld id="{00000000-1234-1234-1234-123412341234}" type="slidenum">
               <a:rPr lang="de"/>
-              <a:t>‹#›</a:t>
+              <a:t>‹Nr.›</a:t>
             </a:fld>
             <a:endParaRPr/>
           </a:p>
@@ -5436,7 +5591,7 @@
       </p:sp>
     </p:spTree>
   </p:cSld>
-  <p:clrMap accent1="accent1" accent2="accent2" accent3="accent3" accent4="accent4" accent5="accent5" accent6="accent6" bg1="lt1" bg2="dk2" tx1="dk1" tx2="lt2" folHlink="folHlink" hlink="hlink"/>
+  <p:clrMap bg1="lt1" tx1="dk1" bg2="dk2" tx2="lt2" accent1="accent1" accent2="accent2" accent3="accent3" accent4="accent4" accent5="accent5" accent6="accent6" hlink="hlink" folHlink="folHlink"/>
   <p:sldLayoutIdLst>
     <p:sldLayoutId id="2147483648" r:id="rId1"/>
     <p:sldLayoutId id="2147483649" r:id="rId2"/>
@@ -5450,10 +5605,10 @@
     <p:sldLayoutId id="2147483657" r:id="rId10"/>
     <p:sldLayoutId id="2147483658" r:id="rId11"/>
   </p:sldLayoutIdLst>
-  <p:hf dt="0" ftr="0" hdr="0" sldNum="0"/>
+  <p:hf sldNum="0" hdr="0" ftr="0" dt="0"/>
   <p:txStyles>
     <p:titleStyle>
-      <a:defPPr lvl="0" marR="0" rtl="0" algn="l">
+      <a:defPPr marR="0" lvl="0" algn="l" rtl="0">
         <a:lnSpc>
           <a:spcPct val="100000"/>
         </a:lnSpc>
@@ -5464,7 +5619,7 @@
           <a:spcPts val="0"/>
         </a:spcAft>
       </a:defPPr>
-      <a:lvl1pPr lvl="0" marR="0" rtl="0" algn="l">
+      <a:lvl1pPr marR="0" lvl="0" algn="l" rtl="0">
         <a:lnSpc>
           <a:spcPct val="100000"/>
         </a:lnSpc>
@@ -5478,7 +5633,7 @@
           <a:srgbClr val="000000"/>
         </a:buClr>
         <a:buFont typeface="Arial"/>
-        <a:defRPr b="0" i="0" sz="1400" u="none" cap="none" strike="noStrike">
+        <a:defRPr sz="1400" b="0" i="0" u="none" strike="noStrike" cap="none">
           <a:solidFill>
             <a:srgbClr val="000000"/>
           </a:solidFill>
@@ -5488,7 +5643,7 @@
           <a:sym typeface="Arial"/>
         </a:defRPr>
       </a:lvl1pPr>
-      <a:lvl2pPr lvl="1" marR="0" rtl="0" algn="l">
+      <a:lvl2pPr marR="0" lvl="1" algn="l" rtl="0">
         <a:lnSpc>
           <a:spcPct val="100000"/>
         </a:lnSpc>
@@ -5502,7 +5657,7 @@
           <a:srgbClr val="000000"/>
         </a:buClr>
         <a:buFont typeface="Arial"/>
-        <a:defRPr b="0" i="0" sz="1400" u="none" cap="none" strike="noStrike">
+        <a:defRPr sz="1400" b="0" i="0" u="none" strike="noStrike" cap="none">
           <a:solidFill>
             <a:srgbClr val="000000"/>
           </a:solidFill>
@@ -5512,7 +5667,7 @@
           <a:sym typeface="Arial"/>
         </a:defRPr>
       </a:lvl2pPr>
-      <a:lvl3pPr lvl="2" marR="0" rtl="0" algn="l">
+      <a:lvl3pPr marR="0" lvl="2" algn="l" rtl="0">
         <a:lnSpc>
           <a:spcPct val="100000"/>
         </a:lnSpc>
@@ -5526,7 +5681,7 @@
           <a:srgbClr val="000000"/>
         </a:buClr>
         <a:buFont typeface="Arial"/>
-        <a:defRPr b="0" i="0" sz="1400" u="none" cap="none" strike="noStrike">
+        <a:defRPr sz="1400" b="0" i="0" u="none" strike="noStrike" cap="none">
           <a:solidFill>
             <a:srgbClr val="000000"/>
           </a:solidFill>
@@ -5536,7 +5691,7 @@
           <a:sym typeface="Arial"/>
         </a:defRPr>
       </a:lvl3pPr>
-      <a:lvl4pPr lvl="3" marR="0" rtl="0" algn="l">
+      <a:lvl4pPr marR="0" lvl="3" algn="l" rtl="0">
         <a:lnSpc>
           <a:spcPct val="100000"/>
         </a:lnSpc>
@@ -5550,7 +5705,7 @@
           <a:srgbClr val="000000"/>
         </a:buClr>
         <a:buFont typeface="Arial"/>
-        <a:defRPr b="0" i="0" sz="1400" u="none" cap="none" strike="noStrike">
+        <a:defRPr sz="1400" b="0" i="0" u="none" strike="noStrike" cap="none">
           <a:solidFill>
             <a:srgbClr val="000000"/>
           </a:solidFill>
@@ -5560,7 +5715,7 @@
           <a:sym typeface="Arial"/>
         </a:defRPr>
       </a:lvl4pPr>
-      <a:lvl5pPr lvl="4" marR="0" rtl="0" algn="l">
+      <a:lvl5pPr marR="0" lvl="4" algn="l" rtl="0">
         <a:lnSpc>
           <a:spcPct val="100000"/>
         </a:lnSpc>
@@ -5574,7 +5729,7 @@
           <a:srgbClr val="000000"/>
         </a:buClr>
         <a:buFont typeface="Arial"/>
-        <a:defRPr b="0" i="0" sz="1400" u="none" cap="none" strike="noStrike">
+        <a:defRPr sz="1400" b="0" i="0" u="none" strike="noStrike" cap="none">
           <a:solidFill>
             <a:srgbClr val="000000"/>
           </a:solidFill>
@@ -5584,7 +5739,7 @@
           <a:sym typeface="Arial"/>
         </a:defRPr>
       </a:lvl5pPr>
-      <a:lvl6pPr lvl="5" marR="0" rtl="0" algn="l">
+      <a:lvl6pPr marR="0" lvl="5" algn="l" rtl="0">
         <a:lnSpc>
           <a:spcPct val="100000"/>
         </a:lnSpc>
@@ -5598,7 +5753,7 @@
           <a:srgbClr val="000000"/>
         </a:buClr>
         <a:buFont typeface="Arial"/>
-        <a:defRPr b="0" i="0" sz="1400" u="none" cap="none" strike="noStrike">
+        <a:defRPr sz="1400" b="0" i="0" u="none" strike="noStrike" cap="none">
           <a:solidFill>
             <a:srgbClr val="000000"/>
           </a:solidFill>
@@ -5608,7 +5763,7 @@
           <a:sym typeface="Arial"/>
         </a:defRPr>
       </a:lvl6pPr>
-      <a:lvl7pPr lvl="6" marR="0" rtl="0" algn="l">
+      <a:lvl7pPr marR="0" lvl="6" algn="l" rtl="0">
         <a:lnSpc>
           <a:spcPct val="100000"/>
         </a:lnSpc>
@@ -5622,7 +5777,7 @@
           <a:srgbClr val="000000"/>
         </a:buClr>
         <a:buFont typeface="Arial"/>
-        <a:defRPr b="0" i="0" sz="1400" u="none" cap="none" strike="noStrike">
+        <a:defRPr sz="1400" b="0" i="0" u="none" strike="noStrike" cap="none">
           <a:solidFill>
             <a:srgbClr val="000000"/>
           </a:solidFill>
@@ -5632,7 +5787,7 @@
           <a:sym typeface="Arial"/>
         </a:defRPr>
       </a:lvl7pPr>
-      <a:lvl8pPr lvl="7" marR="0" rtl="0" algn="l">
+      <a:lvl8pPr marR="0" lvl="7" algn="l" rtl="0">
         <a:lnSpc>
           <a:spcPct val="100000"/>
         </a:lnSpc>
@@ -5646,7 +5801,7 @@
           <a:srgbClr val="000000"/>
         </a:buClr>
         <a:buFont typeface="Arial"/>
-        <a:defRPr b="0" i="0" sz="1400" u="none" cap="none" strike="noStrike">
+        <a:defRPr sz="1400" b="0" i="0" u="none" strike="noStrike" cap="none">
           <a:solidFill>
             <a:srgbClr val="000000"/>
           </a:solidFill>
@@ -5656,7 +5811,7 @@
           <a:sym typeface="Arial"/>
         </a:defRPr>
       </a:lvl8pPr>
-      <a:lvl9pPr lvl="8" marR="0" rtl="0" algn="l">
+      <a:lvl9pPr marR="0" lvl="8" algn="l" rtl="0">
         <a:lnSpc>
           <a:spcPct val="100000"/>
         </a:lnSpc>
@@ -5670,7 +5825,7 @@
           <a:srgbClr val="000000"/>
         </a:buClr>
         <a:buFont typeface="Arial"/>
-        <a:defRPr b="0" i="0" sz="1400" u="none" cap="none" strike="noStrike">
+        <a:defRPr sz="1400" b="0" i="0" u="none" strike="noStrike" cap="none">
           <a:solidFill>
             <a:srgbClr val="000000"/>
           </a:solidFill>
@@ -5682,7 +5837,7 @@
       </a:lvl9pPr>
     </p:titleStyle>
     <p:bodyStyle>
-      <a:defPPr lvl="0" marR="0" rtl="0" algn="l">
+      <a:defPPr marR="0" lvl="0" algn="l" rtl="0">
         <a:lnSpc>
           <a:spcPct val="100000"/>
         </a:lnSpc>
@@ -5693,7 +5848,7 @@
           <a:spcPts val="0"/>
         </a:spcAft>
       </a:defPPr>
-      <a:lvl1pPr lvl="0" marR="0" rtl="0" algn="l">
+      <a:lvl1pPr marR="0" lvl="0" algn="l" rtl="0">
         <a:lnSpc>
           <a:spcPct val="100000"/>
         </a:lnSpc>
@@ -5707,7 +5862,7 @@
           <a:srgbClr val="000000"/>
         </a:buClr>
         <a:buFont typeface="Arial"/>
-        <a:defRPr b="0" i="0" sz="1400" u="none" cap="none" strike="noStrike">
+        <a:defRPr sz="1400" b="0" i="0" u="none" strike="noStrike" cap="none">
           <a:solidFill>
             <a:srgbClr val="000000"/>
           </a:solidFill>
@@ -5717,7 +5872,7 @@
           <a:sym typeface="Arial"/>
         </a:defRPr>
       </a:lvl1pPr>
-      <a:lvl2pPr lvl="1" marR="0" rtl="0" algn="l">
+      <a:lvl2pPr marR="0" lvl="1" algn="l" rtl="0">
         <a:lnSpc>
           <a:spcPct val="100000"/>
         </a:lnSpc>
@@ -5731,7 +5886,7 @@
           <a:srgbClr val="000000"/>
         </a:buClr>
         <a:buFont typeface="Arial"/>
-        <a:defRPr b="0" i="0" sz="1400" u="none" cap="none" strike="noStrike">
+        <a:defRPr sz="1400" b="0" i="0" u="none" strike="noStrike" cap="none">
           <a:solidFill>
             <a:srgbClr val="000000"/>
           </a:solidFill>
@@ -5741,7 +5896,7 @@
           <a:sym typeface="Arial"/>
         </a:defRPr>
       </a:lvl2pPr>
-      <a:lvl3pPr lvl="2" marR="0" rtl="0" algn="l">
+      <a:lvl3pPr marR="0" lvl="2" algn="l" rtl="0">
         <a:lnSpc>
           <a:spcPct val="100000"/>
         </a:lnSpc>
@@ -5755,7 +5910,7 @@
           <a:srgbClr val="000000"/>
         </a:buClr>
         <a:buFont typeface="Arial"/>
-        <a:defRPr b="0" i="0" sz="1400" u="none" cap="none" strike="noStrike">
+        <a:defRPr sz="1400" b="0" i="0" u="none" strike="noStrike" cap="none">
           <a:solidFill>
             <a:srgbClr val="000000"/>
           </a:solidFill>
@@ -5765,7 +5920,7 @@
           <a:sym typeface="Arial"/>
         </a:defRPr>
       </a:lvl3pPr>
-      <a:lvl4pPr lvl="3" marR="0" rtl="0" algn="l">
+      <a:lvl4pPr marR="0" lvl="3" algn="l" rtl="0">
         <a:lnSpc>
           <a:spcPct val="100000"/>
         </a:lnSpc>
@@ -5779,7 +5934,7 @@
           <a:srgbClr val="000000"/>
         </a:buClr>
         <a:buFont typeface="Arial"/>
-        <a:defRPr b="0" i="0" sz="1400" u="none" cap="none" strike="noStrike">
+        <a:defRPr sz="1400" b="0" i="0" u="none" strike="noStrike" cap="none">
           <a:solidFill>
             <a:srgbClr val="000000"/>
           </a:solidFill>
@@ -5789,7 +5944,7 @@
           <a:sym typeface="Arial"/>
         </a:defRPr>
       </a:lvl4pPr>
-      <a:lvl5pPr lvl="4" marR="0" rtl="0" algn="l">
+      <a:lvl5pPr marR="0" lvl="4" algn="l" rtl="0">
         <a:lnSpc>
           <a:spcPct val="100000"/>
         </a:lnSpc>
@@ -5803,7 +5958,7 @@
           <a:srgbClr val="000000"/>
         </a:buClr>
         <a:buFont typeface="Arial"/>
-        <a:defRPr b="0" i="0" sz="1400" u="none" cap="none" strike="noStrike">
+        <a:defRPr sz="1400" b="0" i="0" u="none" strike="noStrike" cap="none">
           <a:solidFill>
             <a:srgbClr val="000000"/>
           </a:solidFill>
@@ -5813,7 +5968,7 @@
           <a:sym typeface="Arial"/>
         </a:defRPr>
       </a:lvl5pPr>
-      <a:lvl6pPr lvl="5" marR="0" rtl="0" algn="l">
+      <a:lvl6pPr marR="0" lvl="5" algn="l" rtl="0">
         <a:lnSpc>
           <a:spcPct val="100000"/>
         </a:lnSpc>
@@ -5827,7 +5982,7 @@
           <a:srgbClr val="000000"/>
         </a:buClr>
         <a:buFont typeface="Arial"/>
-        <a:defRPr b="0" i="0" sz="1400" u="none" cap="none" strike="noStrike">
+        <a:defRPr sz="1400" b="0" i="0" u="none" strike="noStrike" cap="none">
           <a:solidFill>
             <a:srgbClr val="000000"/>
           </a:solidFill>
@@ -5837,7 +5992,7 @@
           <a:sym typeface="Arial"/>
         </a:defRPr>
       </a:lvl6pPr>
-      <a:lvl7pPr lvl="6" marR="0" rtl="0" algn="l">
+      <a:lvl7pPr marR="0" lvl="6" algn="l" rtl="0">
         <a:lnSpc>
           <a:spcPct val="100000"/>
         </a:lnSpc>
@@ -5851,7 +6006,7 @@
           <a:srgbClr val="000000"/>
         </a:buClr>
         <a:buFont typeface="Arial"/>
-        <a:defRPr b="0" i="0" sz="1400" u="none" cap="none" strike="noStrike">
+        <a:defRPr sz="1400" b="0" i="0" u="none" strike="noStrike" cap="none">
           <a:solidFill>
             <a:srgbClr val="000000"/>
           </a:solidFill>
@@ -5861,7 +6016,7 @@
           <a:sym typeface="Arial"/>
         </a:defRPr>
       </a:lvl7pPr>
-      <a:lvl8pPr lvl="7" marR="0" rtl="0" algn="l">
+      <a:lvl8pPr marR="0" lvl="7" algn="l" rtl="0">
         <a:lnSpc>
           <a:spcPct val="100000"/>
         </a:lnSpc>
@@ -5875,7 +6030,7 @@
           <a:srgbClr val="000000"/>
         </a:buClr>
         <a:buFont typeface="Arial"/>
-        <a:defRPr b="0" i="0" sz="1400" u="none" cap="none" strike="noStrike">
+        <a:defRPr sz="1400" b="0" i="0" u="none" strike="noStrike" cap="none">
           <a:solidFill>
             <a:srgbClr val="000000"/>
           </a:solidFill>
@@ -5885,7 +6040,7 @@
           <a:sym typeface="Arial"/>
         </a:defRPr>
       </a:lvl8pPr>
-      <a:lvl9pPr lvl="8" marR="0" rtl="0" algn="l">
+      <a:lvl9pPr marR="0" lvl="8" algn="l" rtl="0">
         <a:lnSpc>
           <a:spcPct val="100000"/>
         </a:lnSpc>
@@ -5899,7 +6054,7 @@
           <a:srgbClr val="000000"/>
         </a:buClr>
         <a:buFont typeface="Arial"/>
-        <a:defRPr b="0" i="0" sz="1400" u="none" cap="none" strike="noStrike">
+        <a:defRPr sz="1400" b="0" i="0" u="none" strike="noStrike" cap="none">
           <a:solidFill>
             <a:srgbClr val="000000"/>
           </a:solidFill>
@@ -5911,7 +6066,7 @@
       </a:lvl9pPr>
     </p:bodyStyle>
     <p:otherStyle>
-      <a:defPPr lvl="0" marR="0" rtl="0" algn="l">
+      <a:defPPr marR="0" lvl="0" algn="l" rtl="0">
         <a:lnSpc>
           <a:spcPct val="100000"/>
         </a:lnSpc>
@@ -5922,7 +6077,7 @@
           <a:spcPts val="0"/>
         </a:spcAft>
       </a:defPPr>
-      <a:lvl1pPr lvl="0" marR="0" rtl="0" algn="l">
+      <a:lvl1pPr marR="0" lvl="0" algn="l" rtl="0">
         <a:lnSpc>
           <a:spcPct val="100000"/>
         </a:lnSpc>
@@ -5936,7 +6091,7 @@
           <a:srgbClr val="000000"/>
         </a:buClr>
         <a:buFont typeface="Arial"/>
-        <a:defRPr b="0" i="0" sz="1400" u="none" cap="none" strike="noStrike">
+        <a:defRPr sz="1400" b="0" i="0" u="none" strike="noStrike" cap="none">
           <a:solidFill>
             <a:srgbClr val="000000"/>
           </a:solidFill>
@@ -5946,7 +6101,7 @@
           <a:sym typeface="Arial"/>
         </a:defRPr>
       </a:lvl1pPr>
-      <a:lvl2pPr lvl="1" marR="0" rtl="0" algn="l">
+      <a:lvl2pPr marR="0" lvl="1" algn="l" rtl="0">
         <a:lnSpc>
           <a:spcPct val="100000"/>
         </a:lnSpc>
@@ -5960,7 +6115,7 @@
           <a:srgbClr val="000000"/>
         </a:buClr>
         <a:buFont typeface="Arial"/>
-        <a:defRPr b="0" i="0" sz="1400" u="none" cap="none" strike="noStrike">
+        <a:defRPr sz="1400" b="0" i="0" u="none" strike="noStrike" cap="none">
           <a:solidFill>
             <a:srgbClr val="000000"/>
           </a:solidFill>
@@ -5970,7 +6125,7 @@
           <a:sym typeface="Arial"/>
         </a:defRPr>
       </a:lvl2pPr>
-      <a:lvl3pPr lvl="2" marR="0" rtl="0" algn="l">
+      <a:lvl3pPr marR="0" lvl="2" algn="l" rtl="0">
         <a:lnSpc>
           <a:spcPct val="100000"/>
         </a:lnSpc>
@@ -5984,7 +6139,7 @@
           <a:srgbClr val="000000"/>
         </a:buClr>
         <a:buFont typeface="Arial"/>
-        <a:defRPr b="0" i="0" sz="1400" u="none" cap="none" strike="noStrike">
+        <a:defRPr sz="1400" b="0" i="0" u="none" strike="noStrike" cap="none">
           <a:solidFill>
             <a:srgbClr val="000000"/>
           </a:solidFill>
@@ -5994,7 +6149,7 @@
           <a:sym typeface="Arial"/>
         </a:defRPr>
       </a:lvl3pPr>
-      <a:lvl4pPr lvl="3" marR="0" rtl="0" algn="l">
+      <a:lvl4pPr marR="0" lvl="3" algn="l" rtl="0">
         <a:lnSpc>
           <a:spcPct val="100000"/>
         </a:lnSpc>
@@ -6008,7 +6163,7 @@
           <a:srgbClr val="000000"/>
         </a:buClr>
         <a:buFont typeface="Arial"/>
-        <a:defRPr b="0" i="0" sz="1400" u="none" cap="none" strike="noStrike">
+        <a:defRPr sz="1400" b="0" i="0" u="none" strike="noStrike" cap="none">
           <a:solidFill>
             <a:srgbClr val="000000"/>
           </a:solidFill>
@@ -6018,7 +6173,7 @@
           <a:sym typeface="Arial"/>
         </a:defRPr>
       </a:lvl4pPr>
-      <a:lvl5pPr lvl="4" marR="0" rtl="0" algn="l">
+      <a:lvl5pPr marR="0" lvl="4" algn="l" rtl="0">
         <a:lnSpc>
           <a:spcPct val="100000"/>
         </a:lnSpc>
@@ -6032,7 +6187,7 @@
           <a:srgbClr val="000000"/>
         </a:buClr>
         <a:buFont typeface="Arial"/>
-        <a:defRPr b="0" i="0" sz="1400" u="none" cap="none" strike="noStrike">
+        <a:defRPr sz="1400" b="0" i="0" u="none" strike="noStrike" cap="none">
           <a:solidFill>
             <a:srgbClr val="000000"/>
           </a:solidFill>
@@ -6042,7 +6197,7 @@
           <a:sym typeface="Arial"/>
         </a:defRPr>
       </a:lvl5pPr>
-      <a:lvl6pPr lvl="5" marR="0" rtl="0" algn="l">
+      <a:lvl6pPr marR="0" lvl="5" algn="l" rtl="0">
         <a:lnSpc>
           <a:spcPct val="100000"/>
         </a:lnSpc>
@@ -6056,7 +6211,7 @@
           <a:srgbClr val="000000"/>
         </a:buClr>
         <a:buFont typeface="Arial"/>
-        <a:defRPr b="0" i="0" sz="1400" u="none" cap="none" strike="noStrike">
+        <a:defRPr sz="1400" b="0" i="0" u="none" strike="noStrike" cap="none">
           <a:solidFill>
             <a:srgbClr val="000000"/>
           </a:solidFill>
@@ -6066,7 +6221,7 @@
           <a:sym typeface="Arial"/>
         </a:defRPr>
       </a:lvl6pPr>
-      <a:lvl7pPr lvl="6" marR="0" rtl="0" algn="l">
+      <a:lvl7pPr marR="0" lvl="6" algn="l" rtl="0">
         <a:lnSpc>
           <a:spcPct val="100000"/>
         </a:lnSpc>
@@ -6080,7 +6235,7 @@
           <a:srgbClr val="000000"/>
         </a:buClr>
         <a:buFont typeface="Arial"/>
-        <a:defRPr b="0" i="0" sz="1400" u="none" cap="none" strike="noStrike">
+        <a:defRPr sz="1400" b="0" i="0" u="none" strike="noStrike" cap="none">
           <a:solidFill>
             <a:srgbClr val="000000"/>
           </a:solidFill>
@@ -6090,7 +6245,7 @@
           <a:sym typeface="Arial"/>
         </a:defRPr>
       </a:lvl7pPr>
-      <a:lvl8pPr lvl="7" marR="0" rtl="0" algn="l">
+      <a:lvl8pPr marR="0" lvl="7" algn="l" rtl="0">
         <a:lnSpc>
           <a:spcPct val="100000"/>
         </a:lnSpc>
@@ -6104,7 +6259,7 @@
           <a:srgbClr val="000000"/>
         </a:buClr>
         <a:buFont typeface="Arial"/>
-        <a:defRPr b="0" i="0" sz="1400" u="none" cap="none" strike="noStrike">
+        <a:defRPr sz="1400" b="0" i="0" u="none" strike="noStrike" cap="none">
           <a:solidFill>
             <a:srgbClr val="000000"/>
           </a:solidFill>
@@ -6114,7 +6269,7 @@
           <a:sym typeface="Arial"/>
         </a:defRPr>
       </a:lvl8pPr>
-      <a:lvl9pPr lvl="8" marR="0" rtl="0" algn="l">
+      <a:lvl9pPr marR="0" lvl="8" algn="l" rtl="0">
         <a:lnSpc>
           <a:spcPct val="100000"/>
         </a:lnSpc>
@@ -6128,7 +6283,7 @@
           <a:srgbClr val="000000"/>
         </a:buClr>
         <a:buFont typeface="Arial"/>
-        <a:defRPr b="0" i="0" sz="1400" u="none" cap="none" strike="noStrike">
+        <a:defRPr sz="1400" b="0" i="0" u="none" strike="noStrike" cap="none">
           <a:solidFill>
             <a:srgbClr val="000000"/>
           </a:solidFill>
@@ -6144,11 +6299,11 @@
 </file>
 
 <file path=ppt/slides/slide1.xml><?xml version="1.0" encoding="utf-8"?>
-<p:sld xmlns:a="http://schemas.openxmlformats.org/drawingml/2006/main" xmlns:r="http://schemas.openxmlformats.org/officeDocument/2006/relationships" xmlns:mc="http://schemas.openxmlformats.org/markup-compatibility/2006" xmlns:mv="urn:schemas-microsoft-com:mac:vml" xmlns:p="http://schemas.openxmlformats.org/presentationml/2006/main" xmlns:c="http://schemas.openxmlformats.org/drawingml/2006/chart" xmlns:dgm="http://schemas.openxmlformats.org/drawingml/2006/diagram" xmlns:o="urn:schemas-microsoft-com:office:office" xmlns:v="urn:schemas-microsoft-com:vml" xmlns:pvml="urn:schemas-microsoft-com:office:powerpoint" xmlns:com="http://schemas.openxmlformats.org/drawingml/2006/compatibility" xmlns:p14="http://schemas.microsoft.com/office/powerpoint/2010/main" xmlns:p15="http://schemas.microsoft.com/office/powerpoint/2012/main" xmlns:ahyp="http://schemas.microsoft.com/office/drawing/2018/hyperlinkcolor">
+<p:sld xmlns:a="http://schemas.openxmlformats.org/drawingml/2006/main" xmlns:r="http://schemas.openxmlformats.org/officeDocument/2006/relationships" xmlns:p="http://schemas.openxmlformats.org/presentationml/2006/main">
   <p:cSld>
     <p:spTree>
       <p:nvGrpSpPr>
-        <p:cNvPr id="53" name="Shape 53"/>
+        <p:cNvPr id="1" name="Shape 53"/>
         <p:cNvGrpSpPr/>
         <p:nvPr/>
       </p:nvGrpSpPr>
@@ -6163,7 +6318,9 @@
       <p:sp>
         <p:nvSpPr>
           <p:cNvPr id="54" name="Google Shape;54;p13"/>
-          <p:cNvSpPr txBox="1"/>
+          <p:cNvSpPr txBox="1">
+            <a:spLocks noGrp="1"/>
+          </p:cNvSpPr>
           <p:nvPr>
             <p:ph type="ctrTitle"/>
           </p:nvPr>
@@ -6178,12 +6335,12 @@
           </a:prstGeom>
         </p:spPr>
         <p:txBody>
-          <a:bodyPr anchorCtr="0" anchor="b" bIns="91425" lIns="91425" spcFirstLastPara="1" rIns="91425" wrap="square" tIns="91425">
+          <a:bodyPr spcFirstLastPara="1" wrap="square" lIns="91425" tIns="91425" rIns="91425" bIns="91425" anchor="b" anchorCtr="0">
             <a:normAutofit/>
           </a:bodyPr>
           <a:lstStyle/>
           <a:p>
-            <a:pPr indent="0" lvl="0" marL="0" rtl="0" algn="ctr">
+            <a:pPr marL="0" lvl="0" indent="0" algn="ctr" rtl="0">
               <a:spcBef>
                 <a:spcPts val="0"/>
               </a:spcBef>
@@ -6203,9 +6360,11 @@
       <p:sp>
         <p:nvSpPr>
           <p:cNvPr id="55" name="Google Shape;55;p13"/>
-          <p:cNvSpPr txBox="1"/>
+          <p:cNvSpPr txBox="1">
+            <a:spLocks noGrp="1"/>
+          </p:cNvSpPr>
           <p:nvPr>
-            <p:ph idx="1" type="subTitle"/>
+            <p:ph type="subTitle" idx="1"/>
           </p:nvPr>
         </p:nvSpPr>
         <p:spPr>
@@ -6218,12 +6377,12 @@
           </a:prstGeom>
         </p:spPr>
         <p:txBody>
-          <a:bodyPr anchorCtr="0" anchor="t" bIns="91425" lIns="91425" spcFirstLastPara="1" rIns="91425" wrap="square" tIns="91425">
+          <a:bodyPr spcFirstLastPara="1" wrap="square" lIns="91425" tIns="91425" rIns="91425" bIns="91425" anchor="t" anchorCtr="0">
             <a:normAutofit/>
           </a:bodyPr>
           <a:lstStyle/>
           <a:p>
-            <a:pPr indent="0" lvl="0" marL="0" rtl="0" algn="ctr">
+            <a:pPr marL="0" lvl="0" indent="0" algn="ctr" rtl="0">
               <a:lnSpc>
                 <a:spcPct val="150000"/>
               </a:lnSpc>
@@ -6250,7 +6409,7 @@
             </a:endParaRPr>
           </a:p>
           <a:p>
-            <a:pPr indent="0" lvl="0" marL="0" rtl="0" algn="ctr">
+            <a:pPr marL="0" lvl="0" indent="0" algn="ctr" rtl="0">
               <a:spcBef>
                 <a:spcPts val="0"/>
               </a:spcBef>
@@ -6265,15 +6424,7 @@
                   <a:schemeClr val="dk1"/>
                 </a:solidFill>
               </a:rPr>
-              <a:t>Funktionale Programmierung, </a:t>
-            </a:r>
-            <a:r>
-              <a:rPr lang="de" sz="2200">
-                <a:solidFill>
-                  <a:schemeClr val="dk1"/>
-                </a:solidFill>
-              </a:rPr>
-              <a:t>15.01.2025</a:t>
+              <a:t>Funktionale Programmierung, 15.01.2025</a:t>
             </a:r>
             <a:endParaRPr sz="2200">
               <a:solidFill>
@@ -6292,11 +6443,11 @@
 </file>
 
 <file path=ppt/slides/slide2.xml><?xml version="1.0" encoding="utf-8"?>
-<p:sld xmlns:a="http://schemas.openxmlformats.org/drawingml/2006/main" xmlns:r="http://schemas.openxmlformats.org/officeDocument/2006/relationships" xmlns:mc="http://schemas.openxmlformats.org/markup-compatibility/2006" xmlns:mv="urn:schemas-microsoft-com:mac:vml" xmlns:p="http://schemas.openxmlformats.org/presentationml/2006/main" xmlns:c="http://schemas.openxmlformats.org/drawingml/2006/chart" xmlns:dgm="http://schemas.openxmlformats.org/drawingml/2006/diagram" xmlns:o="urn:schemas-microsoft-com:office:office" xmlns:v="urn:schemas-microsoft-com:vml" xmlns:pvml="urn:schemas-microsoft-com:office:powerpoint" xmlns:com="http://schemas.openxmlformats.org/drawingml/2006/compatibility" xmlns:p14="http://schemas.microsoft.com/office/powerpoint/2010/main" xmlns:p15="http://schemas.microsoft.com/office/powerpoint/2012/main" xmlns:ahyp="http://schemas.microsoft.com/office/drawing/2018/hyperlinkcolor">
+<p:sld xmlns:a="http://schemas.openxmlformats.org/drawingml/2006/main" xmlns:r="http://schemas.openxmlformats.org/officeDocument/2006/relationships" xmlns:p="http://schemas.openxmlformats.org/presentationml/2006/main">
   <p:cSld>
     <p:spTree>
       <p:nvGrpSpPr>
-        <p:cNvPr id="59" name="Shape 59"/>
+        <p:cNvPr id="1" name="Shape 59"/>
         <p:cNvGrpSpPr/>
         <p:nvPr/>
       </p:nvGrpSpPr>
@@ -6311,7 +6462,9 @@
       <p:sp>
         <p:nvSpPr>
           <p:cNvPr id="60" name="Google Shape;60;p14"/>
-          <p:cNvSpPr txBox="1"/>
+          <p:cNvSpPr txBox="1">
+            <a:spLocks noGrp="1"/>
+          </p:cNvSpPr>
           <p:nvPr>
             <p:ph type="title"/>
           </p:nvPr>
@@ -6326,12 +6479,12 @@
           </a:prstGeom>
         </p:spPr>
         <p:txBody>
-          <a:bodyPr anchorCtr="0" anchor="t" bIns="91425" lIns="91425" spcFirstLastPara="1" rIns="91425" wrap="square" tIns="91425">
+          <a:bodyPr spcFirstLastPara="1" wrap="square" lIns="91425" tIns="91425" rIns="91425" bIns="91425" anchor="t" anchorCtr="0">
             <a:normAutofit fontScale="90000"/>
           </a:bodyPr>
           <a:lstStyle/>
           <a:p>
-            <a:pPr indent="0" lvl="0" marL="0" rtl="0" algn="l">
+            <a:pPr marL="0" lvl="0" indent="0" algn="l" rtl="0">
               <a:spcBef>
                 <a:spcPts val="0"/>
               </a:spcBef>
@@ -6349,11 +6502,7 @@
             </a:br>
             <a:r>
               <a:rPr lang="de" u="sng"/>
-              <a:t>I</a:t>
-            </a:r>
-            <a:r>
-              <a:rPr lang="de" u="sng"/>
-              <a:t>dentifizierung der verwendeten Funktionen</a:t>
+              <a:t>Identifizierung der verwendeten Funktionen</a:t>
             </a:r>
             <a:endParaRPr u="sng"/>
           </a:p>
@@ -6362,9 +6511,11 @@
       <p:sp>
         <p:nvSpPr>
           <p:cNvPr id="61" name="Google Shape;61;p14"/>
-          <p:cNvSpPr txBox="1"/>
+          <p:cNvSpPr txBox="1">
+            <a:spLocks noGrp="1"/>
+          </p:cNvSpPr>
           <p:nvPr>
-            <p:ph idx="1" type="body"/>
+            <p:ph type="body" idx="1"/>
           </p:nvPr>
         </p:nvSpPr>
         <p:spPr>
@@ -6377,12 +6528,12 @@
           </a:prstGeom>
         </p:spPr>
         <p:txBody>
-          <a:bodyPr anchorCtr="0" anchor="t" bIns="91425" lIns="91425" spcFirstLastPara="1" rIns="91425" wrap="square" tIns="91425">
+          <a:bodyPr spcFirstLastPara="1" wrap="square" lIns="91425" tIns="91425" rIns="91425" bIns="91425" anchor="t" anchorCtr="0">
             <a:noAutofit/>
           </a:bodyPr>
           <a:lstStyle/>
           <a:p>
-            <a:pPr indent="0" lvl="0" marL="0" rtl="0" algn="l">
+            <a:pPr marL="0" lvl="0" indent="0" algn="l" rtl="0">
               <a:spcBef>
                 <a:spcPts val="0"/>
               </a:spcBef>
@@ -6392,68 +6543,57 @@
               <a:buNone/>
             </a:pPr>
             <a:br>
-              <a:rPr lang="de">
+              <a:rPr lang="de" dirty="0">
                 <a:solidFill>
                   <a:schemeClr val="dk1"/>
                 </a:solidFill>
+                <a:latin typeface="+mn-lt"/>
               </a:rPr>
             </a:br>
             <a:r>
-              <a:rPr lang="de">
+              <a:rPr lang="de" dirty="0">
                 <a:solidFill>
                   <a:schemeClr val="dk1"/>
                 </a:solidFill>
+                <a:latin typeface="+mn-lt"/>
               </a:rPr>
-              <a:t>Der Code ist größtenteils nicht </a:t>
+              <a:t>Der Code ist größtenteils nicht funktional programmiert.</a:t>
             </a:r>
+            <a:endParaRPr dirty="0">
+              <a:solidFill>
+                <a:schemeClr val="dk1"/>
+              </a:solidFill>
+              <a:latin typeface="+mn-lt"/>
+            </a:endParaRPr>
+          </a:p>
+          <a:p>
+            <a:pPr marL="0" lvl="0" indent="0" algn="l" rtl="0">
+              <a:spcBef>
+                <a:spcPts val="1200"/>
+              </a:spcBef>
+              <a:spcAft>
+                <a:spcPts val="0"/>
+              </a:spcAft>
+              <a:buNone/>
+            </a:pPr>
             <a:r>
-              <a:rPr lang="de">
+              <a:rPr lang="de" dirty="0">
                 <a:solidFill>
                   <a:schemeClr val="dk1"/>
                 </a:solidFill>
+                <a:latin typeface="+mn-lt"/>
               </a:rPr>
-              <a:t>funktional</a:t>
+              <a:t>Funktionale Elemente im Code:</a:t>
             </a:r>
-            <a:r>
-              <a:rPr lang="de">
-                <a:solidFill>
-                  <a:schemeClr val="dk1"/>
-                </a:solidFill>
-              </a:rPr>
-              <a:t> programmiert.</a:t>
-            </a:r>
-            <a:endParaRPr>
+            <a:endParaRPr dirty="0">
               <a:solidFill>
                 <a:schemeClr val="dk1"/>
               </a:solidFill>
+              <a:latin typeface="+mn-lt"/>
             </a:endParaRPr>
           </a:p>
           <a:p>
-            <a:pPr indent="0" lvl="0" marL="0" rtl="0" algn="l">
-              <a:spcBef>
-                <a:spcPts val="1200"/>
-              </a:spcBef>
-              <a:spcAft>
-                <a:spcPts val="0"/>
-              </a:spcAft>
-              <a:buNone/>
-            </a:pPr>
-            <a:r>
-              <a:rPr lang="de">
-                <a:solidFill>
-                  <a:schemeClr val="dk1"/>
-                </a:solidFill>
-              </a:rPr>
-              <a:t>Funktionale Elemente im Code:</a:t>
-            </a:r>
-            <a:endParaRPr>
-              <a:solidFill>
-                <a:schemeClr val="dk1"/>
-              </a:solidFill>
-            </a:endParaRPr>
-          </a:p>
-          <a:p>
-            <a:pPr indent="-342900" lvl="0" marL="457200" rtl="0" algn="l">
+            <a:pPr marL="457200" lvl="0" indent="-342900" algn="l" rtl="0">
               <a:spcBef>
                 <a:spcPts val="1200"/>
               </a:spcBef>
@@ -6467,55 +6607,20 @@
               <a:buChar char="●"/>
             </a:pPr>
             <a:r>
-              <a:rPr b="1" lang="de">
+              <a:rPr lang="de-DE" b="1" dirty="0">
                 <a:solidFill>
-                  <a:schemeClr val="dk1"/>
+                  <a:schemeClr val="tx1"/>
                 </a:solidFill>
+                <a:latin typeface="+mn-lt"/>
               </a:rPr>
-              <a:t>Array.forEach</a:t>
+              <a:t>Nutzung einer Higher Order Funktion</a:t>
             </a:r>
-            <a:endParaRPr b="1">
-              <a:solidFill>
-                <a:schemeClr val="dk1"/>
-              </a:solidFill>
-            </a:endParaRPr>
-          </a:p>
-          <a:p>
-            <a:pPr indent="-342900" lvl="1" marL="914400" rtl="0" algn="l">
-              <a:spcBef>
-                <a:spcPts val="0"/>
-              </a:spcBef>
-              <a:spcAft>
-                <a:spcPts val="0"/>
-              </a:spcAft>
-              <a:buClr>
-                <a:schemeClr val="dk1"/>
-              </a:buClr>
-              <a:buSzPts val="1800"/>
-              <a:buChar char="○"/>
-            </a:pPr>
-            <a:r>
-              <a:rPr lang="de" sz="1800">
-                <a:solidFill>
-                  <a:schemeClr val="dk1"/>
-                </a:solidFill>
-              </a:rPr>
-              <a:t>Nutzung einer Higher-Order-Funktion. Deklarativer als eine for-Schleife.</a:t>
-            </a:r>
-            <a:endParaRPr sz="1800">
-              <a:solidFill>
-                <a:schemeClr val="dk1"/>
-              </a:solidFill>
-            </a:endParaRPr>
-          </a:p>
-          <a:p>
-            <a:pPr indent="-342900" lvl="0" marL="457200" rtl="0" algn="l">
-              <a:spcBef>
-                <a:spcPts val="0"/>
-              </a:spcBef>
-              <a:spcAft>
-                <a:spcPts val="0"/>
-              </a:spcAft>
+          </a:p>
+          <a:p>
+            <a:pPr lvl="1" indent="-342900">
+              <a:spcBef>
+                <a:spcPts val="1200"/>
+              </a:spcBef>
               <a:buClr>
                 <a:schemeClr val="dk1"/>
               </a:buClr>
@@ -6523,164 +6628,125 @@
               <a:buChar char="●"/>
             </a:pPr>
             <a:r>
-              <a:rPr b="1" lang="de">
+              <a:rPr lang="de-DE" dirty="0" err="1">
                 <a:solidFill>
-                  <a:schemeClr val="dk1"/>
+                  <a:schemeClr val="tx1"/>
                 </a:solidFill>
+                <a:latin typeface="+mn-lt"/>
               </a:rPr>
-              <a:t>Kapselung von Logik in Funktionen</a:t>
+              <a:t>Polygons.forEach</a:t>
             </a:r>
-            <a:endParaRPr b="1">
+            <a:r>
+              <a:rPr lang="de-DE" dirty="0">
+                <a:solidFill>
+                  <a:schemeClr val="tx1"/>
+                </a:solidFill>
+                <a:latin typeface="+mn-lt"/>
+              </a:rPr>
+              <a:t>(p=&gt;</a:t>
+            </a:r>
+            <a:r>
+              <a:rPr lang="de-DE" dirty="0" err="1">
+                <a:solidFill>
+                  <a:schemeClr val="tx1"/>
+                </a:solidFill>
+                <a:latin typeface="+mn-lt"/>
+              </a:rPr>
+              <a:t>drawPolygon</a:t>
+            </a:r>
+            <a:r>
+              <a:rPr lang="de-DE" dirty="0">
+                <a:solidFill>
+                  <a:schemeClr val="tx1"/>
+                </a:solidFill>
+                <a:latin typeface="+mn-lt"/>
+              </a:rPr>
+              <a:t>),</a:t>
+            </a:r>
+            <a:r>
+              <a:rPr lang="de-DE" dirty="0" err="1">
+                <a:solidFill>
+                  <a:schemeClr val="tx1"/>
+                </a:solidFill>
+                <a:latin typeface="+mn-lt"/>
+              </a:rPr>
+              <a:t>setTimeout</a:t>
+            </a:r>
+            <a:endParaRPr lang="de-DE" dirty="0">
               <a:solidFill>
-                <a:schemeClr val="dk1"/>
+                <a:schemeClr val="tx1"/>
               </a:solidFill>
+              <a:latin typeface="+mn-lt"/>
             </a:endParaRPr>
           </a:p>
           <a:p>
-            <a:pPr indent="-342900" lvl="1" marL="914400" rtl="0" algn="l">
-              <a:spcBef>
-                <a:spcPts val="0"/>
-              </a:spcBef>
-              <a:spcAft>
-                <a:spcPts val="0"/>
-              </a:spcAft>
+            <a:pPr>
+              <a:spcBef>
+                <a:spcPts val="1200"/>
+              </a:spcBef>
               <a:buClr>
                 <a:schemeClr val="dk1"/>
               </a:buClr>
-              <a:buSzPts val="1800"/>
-              <a:buChar char="○"/>
             </a:pPr>
             <a:r>
-              <a:rPr lang="de" sz="1800">
+              <a:rPr lang="de-DE" b="1" dirty="0">
                 <a:solidFill>
-                  <a:schemeClr val="dk1"/>
+                  <a:schemeClr val="tx1"/>
                 </a:solidFill>
+                <a:latin typeface="+mn-lt"/>
               </a:rPr>
-              <a:t>Formal eine Funktion</a:t>
+              <a:t>Lambda Ausdrücke </a:t>
             </a:r>
-            <a:endParaRPr sz="1800">
-              <a:solidFill>
-                <a:schemeClr val="dk1"/>
-              </a:solidFill>
-            </a:endParaRPr>
-          </a:p>
-          <a:p>
-            <a:pPr indent="-342900" lvl="0" marL="457200" rtl="0" algn="l">
-              <a:spcBef>
-                <a:spcPts val="0"/>
-              </a:spcBef>
-              <a:spcAft>
-                <a:spcPts val="0"/>
-              </a:spcAft>
+          </a:p>
+          <a:p>
+            <a:pPr lvl="1">
+              <a:spcBef>
+                <a:spcPts val="1200"/>
+              </a:spcBef>
               <a:buClr>
                 <a:schemeClr val="dk1"/>
               </a:buClr>
-              <a:buSzPts val="1800"/>
-              <a:buChar char="●"/>
             </a:pPr>
             <a:r>
-              <a:rPr b="1" lang="de">
+              <a:rPr lang="de-DE" dirty="0">
                 <a:solidFill>
-                  <a:schemeClr val="dk1"/>
+                  <a:schemeClr val="tx1"/>
                 </a:solidFill>
+                <a:latin typeface="+mn-lt"/>
+                <a:sym typeface="Roboto Mono"/>
               </a:rPr>
-              <a:t>JSON.stringify({ polygons, currentPolygon, color });</a:t>
+              <a:t>p=</a:t>
             </a:r>
-            <a:endParaRPr b="1">
+            <a:r>
+              <a:rPr lang="de-DE" dirty="0">
+                <a:solidFill>
+                  <a:schemeClr val="tx1"/>
+                </a:solidFill>
+                <a:ea typeface="Roboto Mono"/>
+                <a:cs typeface="Roboto Mono"/>
+                <a:sym typeface="Roboto Mono"/>
+              </a:rPr>
+              <a:t>&gt; </a:t>
+            </a:r>
+            <a:r>
+              <a:rPr lang="de-DE" dirty="0" err="1">
+                <a:solidFill>
+                  <a:schemeClr val="tx1"/>
+                </a:solidFill>
+                <a:ea typeface="Roboto Mono"/>
+                <a:cs typeface="Roboto Mono"/>
+                <a:sym typeface="Roboto Mono"/>
+              </a:rPr>
+              <a:t>drawPolygon</a:t>
+            </a:r>
+            <a:endParaRPr lang="de-DE" dirty="0">
               <a:solidFill>
-                <a:schemeClr val="dk1"/>
+                <a:schemeClr val="tx1"/>
               </a:solidFill>
-            </a:endParaRPr>
-          </a:p>
-          <a:p>
-            <a:pPr indent="-342900" lvl="1" marL="914400" rtl="0" algn="l">
-              <a:spcBef>
-                <a:spcPts val="0"/>
-              </a:spcBef>
-              <a:spcAft>
-                <a:spcPts val="0"/>
-              </a:spcAft>
-              <a:buClr>
-                <a:schemeClr val="dk1"/>
-              </a:buClr>
-              <a:buSzPts val="1800"/>
-              <a:buChar char="○"/>
-            </a:pPr>
-            <a:r>
-              <a:rPr lang="de" sz="1800">
-                <a:solidFill>
-                  <a:schemeClr val="dk1"/>
-                </a:solidFill>
-              </a:rPr>
-              <a:t>Zustand wird als Wert behandelt. Snapshot-Idee ähnelt funktionalen State-Modellen</a:t>
-            </a:r>
-            <a:endParaRPr sz="1800">
-              <a:solidFill>
-                <a:schemeClr val="dk1"/>
-              </a:solidFill>
-            </a:endParaRPr>
-          </a:p>
-          <a:p>
-            <a:pPr indent="0" lvl="0" marL="457200" rtl="0" algn="l">
-              <a:spcBef>
-                <a:spcPts val="1200"/>
-              </a:spcBef>
-              <a:spcAft>
-                <a:spcPts val="0"/>
-              </a:spcAft>
-              <a:buClr>
-                <a:schemeClr val="dk1"/>
-              </a:buClr>
-              <a:buSzPts val="1100"/>
-              <a:buFont typeface="Arial"/>
-              <a:buNone/>
-            </a:pPr>
-            <a:r>
-              <a:t/>
-            </a:r>
-            <a:endParaRPr>
-              <a:solidFill>
-                <a:schemeClr val="dk1"/>
-              </a:solidFill>
-            </a:endParaRPr>
-          </a:p>
-          <a:p>
-            <a:pPr indent="0" lvl="0" marL="457200" rtl="0" algn="l">
-              <a:spcBef>
-                <a:spcPts val="1200"/>
-              </a:spcBef>
-              <a:spcAft>
-                <a:spcPts val="0"/>
-              </a:spcAft>
-              <a:buNone/>
-            </a:pPr>
-            <a:r>
-              <a:t/>
-            </a:r>
-            <a:endParaRPr>
-              <a:solidFill>
-                <a:srgbClr val="188038"/>
-              </a:solidFill>
-              <a:latin typeface="Roboto Mono"/>
               <a:ea typeface="Roboto Mono"/>
               <a:cs typeface="Roboto Mono"/>
               <a:sym typeface="Roboto Mono"/>
             </a:endParaRPr>
-          </a:p>
-          <a:p>
-            <a:pPr indent="0" lvl="0" marL="0" rtl="0" algn="l">
-              <a:spcBef>
-                <a:spcPts val="1200"/>
-              </a:spcBef>
-              <a:spcAft>
-                <a:spcPts val="1200"/>
-              </a:spcAft>
-              <a:buNone/>
-            </a:pPr>
-            <a:r>
-              <a:t/>
-            </a:r>
-            <a:endParaRPr/>
           </a:p>
         </p:txBody>
       </p:sp>
@@ -6693,11 +6759,11 @@
 </file>
 
 <file path=ppt/slides/slide3.xml><?xml version="1.0" encoding="utf-8"?>
-<p:sld xmlns:a="http://schemas.openxmlformats.org/drawingml/2006/main" xmlns:r="http://schemas.openxmlformats.org/officeDocument/2006/relationships" xmlns:mc="http://schemas.openxmlformats.org/markup-compatibility/2006" xmlns:mv="urn:schemas-microsoft-com:mac:vml" xmlns:p="http://schemas.openxmlformats.org/presentationml/2006/main" xmlns:c="http://schemas.openxmlformats.org/drawingml/2006/chart" xmlns:dgm="http://schemas.openxmlformats.org/drawingml/2006/diagram" xmlns:o="urn:schemas-microsoft-com:office:office" xmlns:v="urn:schemas-microsoft-com:vml" xmlns:pvml="urn:schemas-microsoft-com:office:powerpoint" xmlns:com="http://schemas.openxmlformats.org/drawingml/2006/compatibility" xmlns:p14="http://schemas.microsoft.com/office/powerpoint/2010/main" xmlns:p15="http://schemas.microsoft.com/office/powerpoint/2012/main" xmlns:ahyp="http://schemas.microsoft.com/office/drawing/2018/hyperlinkcolor">
+<p:sld xmlns:a="http://schemas.openxmlformats.org/drawingml/2006/main" xmlns:r="http://schemas.openxmlformats.org/officeDocument/2006/relationships" xmlns:p="http://schemas.openxmlformats.org/presentationml/2006/main">
   <p:cSld>
     <p:spTree>
       <p:nvGrpSpPr>
-        <p:cNvPr id="65" name="Shape 65"/>
+        <p:cNvPr id="1" name="Shape 65"/>
         <p:cNvGrpSpPr/>
         <p:nvPr/>
       </p:nvGrpSpPr>
@@ -6712,7 +6778,9 @@
       <p:sp>
         <p:nvSpPr>
           <p:cNvPr id="66" name="Google Shape;66;p15"/>
-          <p:cNvSpPr txBox="1"/>
+          <p:cNvSpPr txBox="1">
+            <a:spLocks noGrp="1"/>
+          </p:cNvSpPr>
           <p:nvPr>
             <p:ph type="title"/>
           </p:nvPr>
@@ -6727,12 +6795,12 @@
           </a:prstGeom>
         </p:spPr>
         <p:txBody>
-          <a:bodyPr anchorCtr="0" anchor="t" bIns="91425" lIns="91425" spcFirstLastPara="1" rIns="91425" wrap="square" tIns="91425">
+          <a:bodyPr spcFirstLastPara="1" wrap="square" lIns="91425" tIns="91425" rIns="91425" bIns="91425" anchor="t" anchorCtr="0">
             <a:normAutofit fontScale="90000"/>
           </a:bodyPr>
           <a:lstStyle/>
           <a:p>
-            <a:pPr indent="0" lvl="0" marL="0" rtl="0" algn="l">
+            <a:pPr marL="0" lvl="0" indent="0" algn="l" rtl="0">
               <a:spcBef>
                 <a:spcPts val="0"/>
               </a:spcBef>
@@ -6753,7 +6821,7 @@
             <a:endParaRPr u="sng"/>
           </a:p>
           <a:p>
-            <a:pPr indent="0" lvl="0" marL="0" rtl="0" algn="l">
+            <a:pPr marL="0" lvl="0" indent="0" algn="l" rtl="0">
               <a:spcBef>
                 <a:spcPts val="0"/>
               </a:spcBef>
@@ -6762,9 +6830,6 @@
               </a:spcAft>
               <a:buNone/>
             </a:pPr>
-            <a:r>
-              <a:t/>
-            </a:r>
             <a:endParaRPr/>
           </a:p>
         </p:txBody>
@@ -6772,9 +6837,11 @@
       <p:sp>
         <p:nvSpPr>
           <p:cNvPr id="67" name="Google Shape;67;p15"/>
-          <p:cNvSpPr txBox="1"/>
+          <p:cNvSpPr txBox="1">
+            <a:spLocks noGrp="1"/>
+          </p:cNvSpPr>
           <p:nvPr>
-            <p:ph idx="1" type="body"/>
+            <p:ph type="body" idx="1"/>
           </p:nvPr>
         </p:nvSpPr>
         <p:spPr>
@@ -6787,12 +6854,12 @@
           </a:prstGeom>
         </p:spPr>
         <p:txBody>
-          <a:bodyPr anchorCtr="0" anchor="t" bIns="91425" lIns="91425" spcFirstLastPara="1" rIns="91425" wrap="square" tIns="91425">
+          <a:bodyPr spcFirstLastPara="1" wrap="square" lIns="91425" tIns="91425" rIns="91425" bIns="91425" anchor="t" anchorCtr="0">
             <a:normAutofit/>
           </a:bodyPr>
           <a:lstStyle/>
           <a:p>
-            <a:pPr indent="-342900" lvl="0" marL="457200" rtl="0" algn="l">
+            <a:pPr marL="457200" lvl="0" indent="-342900" algn="l" rtl="0">
               <a:lnSpc>
                 <a:spcPct val="150000"/>
               </a:lnSpc>
@@ -6823,7 +6890,7 @@
             </a:endParaRPr>
           </a:p>
           <a:p>
-            <a:pPr indent="-342900" lvl="0" marL="457200" rtl="0" algn="l">
+            <a:pPr marL="457200" lvl="0" indent="-342900" algn="l" rtl="0">
               <a:spcBef>
                 <a:spcPts val="0"/>
               </a:spcBef>
@@ -6851,7 +6918,7 @@
             </a:endParaRPr>
           </a:p>
           <a:p>
-            <a:pPr indent="0" lvl="0" marL="0" rtl="0" algn="l">
+            <a:pPr marL="0" lvl="0" indent="0" algn="l" rtl="0">
               <a:spcBef>
                 <a:spcPts val="1200"/>
               </a:spcBef>
@@ -6860,9 +6927,6 @@
               </a:spcAft>
               <a:buNone/>
             </a:pPr>
-            <a:r>
-              <a:t/>
-            </a:r>
             <a:endParaRPr>
               <a:solidFill>
                 <a:schemeClr val="dk1"/>
@@ -6880,11 +6944,11 @@
 </file>
 
 <file path=ppt/slides/slide4.xml><?xml version="1.0" encoding="utf-8"?>
-<p:sld xmlns:a="http://schemas.openxmlformats.org/drawingml/2006/main" xmlns:r="http://schemas.openxmlformats.org/officeDocument/2006/relationships" xmlns:mc="http://schemas.openxmlformats.org/markup-compatibility/2006" xmlns:mv="urn:schemas-microsoft-com:mac:vml" xmlns:p="http://schemas.openxmlformats.org/presentationml/2006/main" xmlns:c="http://schemas.openxmlformats.org/drawingml/2006/chart" xmlns:dgm="http://schemas.openxmlformats.org/drawingml/2006/diagram" xmlns:o="urn:schemas-microsoft-com:office:office" xmlns:v="urn:schemas-microsoft-com:vml" xmlns:pvml="urn:schemas-microsoft-com:office:powerpoint" xmlns:com="http://schemas.openxmlformats.org/drawingml/2006/compatibility" xmlns:p14="http://schemas.microsoft.com/office/powerpoint/2010/main" xmlns:p15="http://schemas.microsoft.com/office/powerpoint/2012/main" xmlns:ahyp="http://schemas.microsoft.com/office/drawing/2018/hyperlinkcolor">
+<p:sld xmlns:a="http://schemas.openxmlformats.org/drawingml/2006/main" xmlns:r="http://schemas.openxmlformats.org/officeDocument/2006/relationships" xmlns:p="http://schemas.openxmlformats.org/presentationml/2006/main">
   <p:cSld>
     <p:spTree>
       <p:nvGrpSpPr>
-        <p:cNvPr id="71" name="Shape 71"/>
+        <p:cNvPr id="1" name="Shape 71"/>
         <p:cNvGrpSpPr/>
         <p:nvPr/>
       </p:nvGrpSpPr>
@@ -6899,7 +6963,9 @@
       <p:sp>
         <p:nvSpPr>
           <p:cNvPr id="72" name="Google Shape;72;p16"/>
-          <p:cNvSpPr txBox="1"/>
+          <p:cNvSpPr txBox="1">
+            <a:spLocks noGrp="1"/>
+          </p:cNvSpPr>
           <p:nvPr>
             <p:ph type="title"/>
           </p:nvPr>
@@ -6914,12 +6980,12 @@
           </a:prstGeom>
         </p:spPr>
         <p:txBody>
-          <a:bodyPr anchorCtr="0" anchor="t" bIns="91425" lIns="91425" spcFirstLastPara="1" rIns="91425" wrap="square" tIns="91425">
+          <a:bodyPr spcFirstLastPara="1" wrap="square" lIns="91425" tIns="91425" rIns="91425" bIns="91425" anchor="t" anchorCtr="0">
             <a:normAutofit fontScale="90000"/>
           </a:bodyPr>
           <a:lstStyle/>
           <a:p>
-            <a:pPr indent="0" lvl="0" marL="0" rtl="0" algn="l">
+            <a:pPr marL="0" lvl="0" indent="0" algn="l" rtl="0">
               <a:spcBef>
                 <a:spcPts val="0"/>
               </a:spcBef>
@@ -6940,7 +7006,7 @@
             <a:endParaRPr u="sng"/>
           </a:p>
           <a:p>
-            <a:pPr indent="0" lvl="0" marL="0" rtl="0" algn="l">
+            <a:pPr marL="0" lvl="0" indent="0" algn="l" rtl="0">
               <a:spcBef>
                 <a:spcPts val="0"/>
               </a:spcBef>
@@ -6949,9 +7015,6 @@
               </a:spcAft>
               <a:buNone/>
             </a:pPr>
-            <a:r>
-              <a:t/>
-            </a:r>
             <a:endParaRPr/>
           </a:p>
         </p:txBody>
@@ -6959,9 +7022,11 @@
       <p:sp>
         <p:nvSpPr>
           <p:cNvPr id="73" name="Google Shape;73;p16"/>
-          <p:cNvSpPr txBox="1"/>
+          <p:cNvSpPr txBox="1">
+            <a:spLocks noGrp="1"/>
+          </p:cNvSpPr>
           <p:nvPr>
-            <p:ph idx="1" type="body"/>
+            <p:ph type="body" idx="1"/>
           </p:nvPr>
         </p:nvSpPr>
         <p:spPr>
@@ -6974,12 +7039,12 @@
           </a:prstGeom>
         </p:spPr>
         <p:txBody>
-          <a:bodyPr anchorCtr="0" anchor="t" bIns="91425" lIns="91425" spcFirstLastPara="1" rIns="91425" wrap="square" tIns="91425">
+          <a:bodyPr spcFirstLastPara="1" wrap="square" lIns="91425" tIns="91425" rIns="91425" bIns="91425" anchor="t" anchorCtr="0">
             <a:normAutofit/>
           </a:bodyPr>
           <a:lstStyle/>
           <a:p>
-            <a:pPr indent="-342900" lvl="0" marL="457200" rtl="0" algn="l">
+            <a:pPr marL="457200" lvl="0" indent="-342900" algn="l" rtl="0">
               <a:lnSpc>
                 <a:spcPct val="150000"/>
               </a:lnSpc>
@@ -7010,7 +7075,7 @@
             </a:endParaRPr>
           </a:p>
           <a:p>
-            <a:pPr indent="-342900" lvl="0" marL="457200" rtl="0" algn="l">
+            <a:pPr marL="457200" lvl="0" indent="-342900" algn="l" rtl="0">
               <a:lnSpc>
                 <a:spcPct val="150000"/>
               </a:lnSpc>
@@ -7041,7 +7106,7 @@
             </a:endParaRPr>
           </a:p>
           <a:p>
-            <a:pPr indent="-342900" lvl="0" marL="457200" rtl="0" algn="l">
+            <a:pPr marL="457200" lvl="0" indent="-342900" algn="l" rtl="0">
               <a:lnSpc>
                 <a:spcPct val="150000"/>
               </a:lnSpc>
@@ -7072,7 +7137,7 @@
             </a:endParaRPr>
           </a:p>
           <a:p>
-            <a:pPr indent="-342900" lvl="0" marL="457200" rtl="0" algn="l">
+            <a:pPr marL="457200" lvl="0" indent="-342900" algn="l" rtl="0">
               <a:lnSpc>
                 <a:spcPct val="150000"/>
               </a:lnSpc>
@@ -7103,7 +7168,7 @@
             </a:endParaRPr>
           </a:p>
           <a:p>
-            <a:pPr indent="-342900" lvl="0" marL="457200" rtl="0" algn="l">
+            <a:pPr marL="457200" lvl="0" indent="-342900" algn="l" rtl="0">
               <a:lnSpc>
                 <a:spcPct val="150000"/>
               </a:lnSpc>
@@ -7144,11 +7209,11 @@
 </file>
 
 <file path=ppt/slides/slide5.xml><?xml version="1.0" encoding="utf-8"?>
-<p:sld xmlns:a="http://schemas.openxmlformats.org/drawingml/2006/main" xmlns:r="http://schemas.openxmlformats.org/officeDocument/2006/relationships" xmlns:mc="http://schemas.openxmlformats.org/markup-compatibility/2006" xmlns:mv="urn:schemas-microsoft-com:mac:vml" xmlns:p="http://schemas.openxmlformats.org/presentationml/2006/main" xmlns:c="http://schemas.openxmlformats.org/drawingml/2006/chart" xmlns:dgm="http://schemas.openxmlformats.org/drawingml/2006/diagram" xmlns:o="urn:schemas-microsoft-com:office:office" xmlns:v="urn:schemas-microsoft-com:vml" xmlns:pvml="urn:schemas-microsoft-com:office:powerpoint" xmlns:com="http://schemas.openxmlformats.org/drawingml/2006/compatibility" xmlns:p14="http://schemas.microsoft.com/office/powerpoint/2010/main" xmlns:p15="http://schemas.microsoft.com/office/powerpoint/2012/main" xmlns:ahyp="http://schemas.microsoft.com/office/drawing/2018/hyperlinkcolor">
+<p:sld xmlns:a="http://schemas.openxmlformats.org/drawingml/2006/main" xmlns:r="http://schemas.openxmlformats.org/officeDocument/2006/relationships" xmlns:p="http://schemas.openxmlformats.org/presentationml/2006/main">
   <p:cSld>
     <p:spTree>
       <p:nvGrpSpPr>
-        <p:cNvPr id="77" name="Shape 77"/>
+        <p:cNvPr id="1" name="Shape 77"/>
         <p:cNvGrpSpPr/>
         <p:nvPr/>
       </p:nvGrpSpPr>
@@ -7163,9 +7228,11 @@
       <p:sp>
         <p:nvSpPr>
           <p:cNvPr id="78" name="Google Shape;78;p17"/>
-          <p:cNvSpPr txBox="1"/>
+          <p:cNvSpPr txBox="1">
+            <a:spLocks noGrp="1"/>
+          </p:cNvSpPr>
           <p:nvPr>
-            <p:ph idx="1" type="body"/>
+            <p:ph type="body" idx="1"/>
           </p:nvPr>
         </p:nvSpPr>
         <p:spPr>
@@ -7178,12 +7245,12 @@
           </a:prstGeom>
         </p:spPr>
         <p:txBody>
-          <a:bodyPr anchorCtr="0" anchor="t" bIns="91425" lIns="91425" spcFirstLastPara="1" rIns="91425" wrap="square" tIns="91425">
+          <a:bodyPr spcFirstLastPara="1" wrap="square" lIns="91425" tIns="91425" rIns="91425" bIns="91425" anchor="t" anchorCtr="0">
             <a:normAutofit/>
           </a:bodyPr>
           <a:lstStyle/>
           <a:p>
-            <a:pPr indent="0" lvl="0" marL="0" rtl="0" algn="l">
+            <a:pPr marL="0" lvl="0" indent="0" algn="l" rtl="0">
               <a:spcBef>
                 <a:spcPts val="0"/>
               </a:spcBef>
@@ -7214,7 +7281,7 @@
             </a:endParaRPr>
           </a:p>
           <a:p>
-            <a:pPr indent="0" lvl="0" marL="0" rtl="0" algn="l">
+            <a:pPr marL="0" lvl="0" indent="0" algn="l" rtl="0">
               <a:spcBef>
                 <a:spcPts val="1200"/>
               </a:spcBef>
@@ -7238,7 +7305,7 @@
             </a:endParaRPr>
           </a:p>
           <a:p>
-            <a:pPr indent="-342900" lvl="0" marL="457200" rtl="0" algn="l">
+            <a:pPr marL="457200" lvl="0" indent="-342900" algn="l" rtl="0">
               <a:lnSpc>
                 <a:spcPct val="150000"/>
               </a:lnSpc>
@@ -7269,7 +7336,7 @@
             </a:endParaRPr>
           </a:p>
           <a:p>
-            <a:pPr indent="-342900" lvl="0" marL="457200" rtl="0" algn="l">
+            <a:pPr marL="457200" lvl="0" indent="-342900" algn="l" rtl="0">
               <a:lnSpc>
                 <a:spcPct val="150000"/>
               </a:lnSpc>
@@ -7308,7 +7375,7 @@
             </a:endParaRPr>
           </a:p>
           <a:p>
-            <a:pPr indent="-342900" lvl="0" marL="457200" rtl="0" algn="l">
+            <a:pPr marL="457200" lvl="0" indent="-342900" algn="l" rtl="0">
               <a:lnSpc>
                 <a:spcPct val="150000"/>
               </a:lnSpc>
@@ -7339,7 +7406,7 @@
             </a:endParaRPr>
           </a:p>
           <a:p>
-            <a:pPr indent="-342900" lvl="0" marL="457200" rtl="0" algn="l">
+            <a:pPr marL="457200" lvl="0" indent="-342900" algn="l" rtl="0">
               <a:lnSpc>
                 <a:spcPct val="150000"/>
               </a:lnSpc>
@@ -7370,7 +7437,7 @@
             </a:endParaRPr>
           </a:p>
           <a:p>
-            <a:pPr indent="-342900" lvl="0" marL="457200" rtl="0" algn="l">
+            <a:pPr marL="457200" lvl="0" indent="-342900" algn="l" rtl="0">
               <a:lnSpc>
                 <a:spcPct val="150000"/>
               </a:lnSpc>
@@ -7421,7 +7488,9 @@
       <p:sp>
         <p:nvSpPr>
           <p:cNvPr id="79" name="Google Shape;79;p17"/>
-          <p:cNvSpPr txBox="1"/>
+          <p:cNvSpPr txBox="1">
+            <a:spLocks noGrp="1"/>
+          </p:cNvSpPr>
           <p:nvPr>
             <p:ph type="title"/>
           </p:nvPr>
@@ -7436,12 +7505,12 @@
           </a:prstGeom>
         </p:spPr>
         <p:txBody>
-          <a:bodyPr anchorCtr="0" anchor="t" bIns="91425" lIns="91425" spcFirstLastPara="1" rIns="91425" wrap="square" tIns="91425">
+          <a:bodyPr spcFirstLastPara="1" wrap="square" lIns="91425" tIns="91425" rIns="91425" bIns="91425" anchor="t" anchorCtr="0">
             <a:normAutofit fontScale="90000"/>
           </a:bodyPr>
           <a:lstStyle/>
           <a:p>
-            <a:pPr indent="0" lvl="0" marL="0" rtl="0" algn="l">
+            <a:pPr marL="0" lvl="0" indent="0" algn="l" rtl="0">
               <a:spcBef>
                 <a:spcPts val="0"/>
               </a:spcBef>
@@ -7452,11 +7521,7 @@
             </a:pPr>
             <a:r>
               <a:rPr lang="de" u="sng"/>
-              <a:t>Reflexion des rein funktionalen Ansatzes</a:t>
-            </a:r>
-            <a:r>
-              <a:rPr lang="de" u="sng"/>
-              <a:t>:</a:t>
+              <a:t>Reflexion des rein funktionalen Ansatzes:</a:t>
             </a:r>
             <a:br>
               <a:rPr lang="de" u="sng"/>
@@ -7478,11 +7543,11 @@
 </file>
 
 <file path=ppt/slides/slide6.xml><?xml version="1.0" encoding="utf-8"?>
-<p:sld xmlns:a="http://schemas.openxmlformats.org/drawingml/2006/main" xmlns:r="http://schemas.openxmlformats.org/officeDocument/2006/relationships" xmlns:mc="http://schemas.openxmlformats.org/markup-compatibility/2006" xmlns:mv="urn:schemas-microsoft-com:mac:vml" xmlns:p="http://schemas.openxmlformats.org/presentationml/2006/main" xmlns:c="http://schemas.openxmlformats.org/drawingml/2006/chart" xmlns:dgm="http://schemas.openxmlformats.org/drawingml/2006/diagram" xmlns:o="urn:schemas-microsoft-com:office:office" xmlns:v="urn:schemas-microsoft-com:vml" xmlns:pvml="urn:schemas-microsoft-com:office:powerpoint" xmlns:com="http://schemas.openxmlformats.org/drawingml/2006/compatibility" xmlns:p14="http://schemas.microsoft.com/office/powerpoint/2010/main" xmlns:p15="http://schemas.microsoft.com/office/powerpoint/2012/main" xmlns:ahyp="http://schemas.microsoft.com/office/drawing/2018/hyperlinkcolor">
+<p:sld xmlns:a="http://schemas.openxmlformats.org/drawingml/2006/main" xmlns:r="http://schemas.openxmlformats.org/officeDocument/2006/relationships" xmlns:p="http://schemas.openxmlformats.org/presentationml/2006/main">
   <p:cSld>
     <p:spTree>
       <p:nvGrpSpPr>
-        <p:cNvPr id="83" name="Shape 83"/>
+        <p:cNvPr id="1" name="Shape 83"/>
         <p:cNvGrpSpPr/>
         <p:nvPr/>
       </p:nvGrpSpPr>
@@ -7497,7 +7562,9 @@
       <p:sp>
         <p:nvSpPr>
           <p:cNvPr id="84" name="Google Shape;84;p18"/>
-          <p:cNvSpPr txBox="1"/>
+          <p:cNvSpPr txBox="1">
+            <a:spLocks noGrp="1"/>
+          </p:cNvSpPr>
           <p:nvPr>
             <p:ph type="title"/>
           </p:nvPr>
@@ -7512,12 +7579,12 @@
           </a:prstGeom>
         </p:spPr>
         <p:txBody>
-          <a:bodyPr anchorCtr="0" anchor="t" bIns="91425" lIns="91425" spcFirstLastPara="1" rIns="91425" wrap="square" tIns="91425">
+          <a:bodyPr spcFirstLastPara="1" wrap="square" lIns="91425" tIns="91425" rIns="91425" bIns="91425" anchor="t" anchorCtr="0">
             <a:normAutofit fontScale="90000"/>
           </a:bodyPr>
           <a:lstStyle/>
           <a:p>
-            <a:pPr indent="0" lvl="0" marL="0" rtl="0" algn="l">
+            <a:pPr marL="0" lvl="0" indent="0" algn="l" rtl="0">
               <a:spcBef>
                 <a:spcPts val="0"/>
               </a:spcBef>
@@ -7545,7 +7612,7 @@
             <a:endParaRPr u="sng"/>
           </a:p>
           <a:p>
-            <a:pPr indent="0" lvl="0" marL="0" rtl="0" algn="l">
+            <a:pPr marL="0" lvl="0" indent="0" algn="l" rtl="0">
               <a:spcBef>
                 <a:spcPts val="0"/>
               </a:spcBef>
@@ -7554,9 +7621,6 @@
               </a:spcAft>
               <a:buNone/>
             </a:pPr>
-            <a:r>
-              <a:t/>
-            </a:r>
             <a:endParaRPr/>
           </a:p>
         </p:txBody>
@@ -7564,9 +7628,11 @@
       <p:sp>
         <p:nvSpPr>
           <p:cNvPr id="85" name="Google Shape;85;p18"/>
-          <p:cNvSpPr txBox="1"/>
+          <p:cNvSpPr txBox="1">
+            <a:spLocks noGrp="1"/>
+          </p:cNvSpPr>
           <p:nvPr>
-            <p:ph idx="1" type="body"/>
+            <p:ph type="body" idx="1"/>
           </p:nvPr>
         </p:nvSpPr>
         <p:spPr>
@@ -7579,12 +7645,12 @@
           </a:prstGeom>
         </p:spPr>
         <p:txBody>
-          <a:bodyPr anchorCtr="0" anchor="t" bIns="91425" lIns="91425" spcFirstLastPara="1" rIns="91425" wrap="square" tIns="91425">
+          <a:bodyPr spcFirstLastPara="1" wrap="square" lIns="91425" tIns="91425" rIns="91425" bIns="91425" anchor="t" anchorCtr="0">
             <a:normAutofit/>
           </a:bodyPr>
           <a:lstStyle/>
           <a:p>
-            <a:pPr indent="0" lvl="0" marL="457200" rtl="0" algn="l">
+            <a:pPr marL="457200" lvl="0" indent="0" algn="l" rtl="0">
               <a:spcBef>
                 <a:spcPts val="0"/>
               </a:spcBef>
@@ -7593,9 +7659,6 @@
               </a:spcAft>
               <a:buNone/>
             </a:pPr>
-            <a:r>
-              <a:t/>
-            </a:r>
             <a:endParaRPr>
               <a:solidFill>
                 <a:schemeClr val="dk1"/>
@@ -7603,7 +7666,7 @@
             </a:endParaRPr>
           </a:p>
           <a:p>
-            <a:pPr indent="-342900" lvl="0" marL="457200" rtl="0" algn="l">
+            <a:pPr marL="457200" lvl="0" indent="-342900" algn="l" rtl="0">
               <a:lnSpc>
                 <a:spcPct val="150000"/>
               </a:lnSpc>
@@ -7634,7 +7697,7 @@
             </a:endParaRPr>
           </a:p>
           <a:p>
-            <a:pPr indent="-342900" lvl="0" marL="457200" rtl="0" algn="l">
+            <a:pPr marL="457200" lvl="0" indent="-342900" algn="l" rtl="0">
               <a:lnSpc>
                 <a:spcPct val="150000"/>
               </a:lnSpc>
@@ -7675,11 +7738,11 @@
 </file>
 
 <file path=ppt/slides/slide7.xml><?xml version="1.0" encoding="utf-8"?>
-<p:sld xmlns:a="http://schemas.openxmlformats.org/drawingml/2006/main" xmlns:r="http://schemas.openxmlformats.org/officeDocument/2006/relationships" xmlns:mc="http://schemas.openxmlformats.org/markup-compatibility/2006" xmlns:mv="urn:schemas-microsoft-com:mac:vml" xmlns:p="http://schemas.openxmlformats.org/presentationml/2006/main" xmlns:c="http://schemas.openxmlformats.org/drawingml/2006/chart" xmlns:dgm="http://schemas.openxmlformats.org/drawingml/2006/diagram" xmlns:o="urn:schemas-microsoft-com:office:office" xmlns:v="urn:schemas-microsoft-com:vml" xmlns:pvml="urn:schemas-microsoft-com:office:powerpoint" xmlns:com="http://schemas.openxmlformats.org/drawingml/2006/compatibility" xmlns:p14="http://schemas.microsoft.com/office/powerpoint/2010/main" xmlns:p15="http://schemas.microsoft.com/office/powerpoint/2012/main" xmlns:ahyp="http://schemas.microsoft.com/office/drawing/2018/hyperlinkcolor">
+<p:sld xmlns:a="http://schemas.openxmlformats.org/drawingml/2006/main" xmlns:r="http://schemas.openxmlformats.org/officeDocument/2006/relationships" xmlns:p="http://schemas.openxmlformats.org/presentationml/2006/main">
   <p:cSld>
     <p:spTree>
       <p:nvGrpSpPr>
-        <p:cNvPr id="89" name="Shape 89"/>
+        <p:cNvPr id="1" name="Shape 89"/>
         <p:cNvGrpSpPr/>
         <p:nvPr/>
       </p:nvGrpSpPr>
@@ -7694,7 +7757,9 @@
       <p:sp>
         <p:nvSpPr>
           <p:cNvPr id="90" name="Google Shape;90;p19"/>
-          <p:cNvSpPr txBox="1"/>
+          <p:cNvSpPr txBox="1">
+            <a:spLocks noGrp="1"/>
+          </p:cNvSpPr>
           <p:nvPr>
             <p:ph type="title"/>
           </p:nvPr>
@@ -7709,12 +7774,12 @@
           </a:prstGeom>
         </p:spPr>
         <p:txBody>
-          <a:bodyPr anchorCtr="0" anchor="t" bIns="91425" lIns="91425" spcFirstLastPara="1" rIns="91425" wrap="square" tIns="91425">
+          <a:bodyPr spcFirstLastPara="1" wrap="square" lIns="91425" tIns="91425" rIns="91425" bIns="91425" anchor="t" anchorCtr="0">
             <a:normAutofit fontScale="90000"/>
           </a:bodyPr>
           <a:lstStyle/>
           <a:p>
-            <a:pPr indent="0" lvl="0" marL="0" rtl="0" algn="l">
+            <a:pPr marL="0" lvl="0" indent="0" algn="l" rtl="0">
               <a:spcBef>
                 <a:spcPts val="0"/>
               </a:spcBef>
@@ -7730,11 +7795,7 @@
             </a:pPr>
             <a:r>
               <a:rPr lang="de" u="sng"/>
-              <a:t>Reflexion des rein funktionalen Ansatzes</a:t>
-            </a:r>
-            <a:r>
-              <a:rPr lang="de" u="sng"/>
-              <a:t>:</a:t>
+              <a:t>Reflexion des rein funktionalen Ansatzes:</a:t>
             </a:r>
             <a:br>
               <a:rPr lang="de" u="sng"/>
@@ -7746,7 +7807,7 @@
             <a:endParaRPr u="sng"/>
           </a:p>
           <a:p>
-            <a:pPr indent="0" lvl="0" marL="0" rtl="0" algn="l">
+            <a:pPr marL="0" lvl="0" indent="0" algn="l" rtl="0">
               <a:spcBef>
                 <a:spcPts val="0"/>
               </a:spcBef>
@@ -7755,9 +7816,6 @@
               </a:spcAft>
               <a:buNone/>
             </a:pPr>
-            <a:r>
-              <a:t/>
-            </a:r>
             <a:endParaRPr/>
           </a:p>
         </p:txBody>
@@ -7765,9 +7823,11 @@
       <p:sp>
         <p:nvSpPr>
           <p:cNvPr id="91" name="Google Shape;91;p19"/>
-          <p:cNvSpPr txBox="1"/>
+          <p:cNvSpPr txBox="1">
+            <a:spLocks noGrp="1"/>
+          </p:cNvSpPr>
           <p:nvPr>
-            <p:ph idx="1" type="body"/>
+            <p:ph type="body" idx="1"/>
           </p:nvPr>
         </p:nvSpPr>
         <p:spPr>
@@ -7780,12 +7840,12 @@
           </a:prstGeom>
         </p:spPr>
         <p:txBody>
-          <a:bodyPr anchorCtr="0" anchor="t" bIns="91425" lIns="91425" spcFirstLastPara="1" rIns="91425" wrap="square" tIns="91425">
+          <a:bodyPr spcFirstLastPara="1" wrap="square" lIns="91425" tIns="91425" rIns="91425" bIns="91425" anchor="t" anchorCtr="0">
             <a:normAutofit/>
           </a:bodyPr>
           <a:lstStyle/>
           <a:p>
-            <a:pPr indent="0" lvl="0" marL="457200" rtl="0" algn="l">
+            <a:pPr marL="457200" lvl="0" indent="0" algn="l" rtl="0">
               <a:spcBef>
                 <a:spcPts val="0"/>
               </a:spcBef>
@@ -7794,9 +7854,6 @@
               </a:spcAft>
               <a:buNone/>
             </a:pPr>
-            <a:r>
-              <a:t/>
-            </a:r>
             <a:endParaRPr>
               <a:solidFill>
                 <a:schemeClr val="dk1"/>
@@ -7804,7 +7861,7 @@
             </a:endParaRPr>
           </a:p>
           <a:p>
-            <a:pPr indent="-342900" lvl="0" marL="457200" rtl="0" algn="l">
+            <a:pPr marL="457200" lvl="0" indent="-342900" algn="l" rtl="0">
               <a:lnSpc>
                 <a:spcPct val="150000"/>
               </a:lnSpc>
@@ -7835,7 +7892,7 @@
             </a:endParaRPr>
           </a:p>
           <a:p>
-            <a:pPr indent="-342900" lvl="0" marL="457200" rtl="0" algn="l">
+            <a:pPr marL="457200" lvl="0" indent="-342900" algn="l" rtl="0">
               <a:lnSpc>
                 <a:spcPct val="150000"/>
               </a:lnSpc>
@@ -7866,7 +7923,7 @@
             </a:endParaRPr>
           </a:p>
           <a:p>
-            <a:pPr indent="-342900" lvl="0" marL="457200" rtl="0" algn="l">
+            <a:pPr marL="457200" lvl="0" indent="-342900" algn="l" rtl="0">
               <a:lnSpc>
                 <a:spcPct val="150000"/>
               </a:lnSpc>
@@ -7897,7 +7954,7 @@
             </a:endParaRPr>
           </a:p>
           <a:p>
-            <a:pPr indent="-342900" lvl="0" marL="457200" rtl="0" algn="l">
+            <a:pPr marL="457200" lvl="0" indent="-342900" algn="l" rtl="0">
               <a:lnSpc>
                 <a:spcPct val="150000"/>
               </a:lnSpc>
@@ -7938,11 +7995,11 @@
 </file>
 
 <file path=ppt/slides/slide8.xml><?xml version="1.0" encoding="utf-8"?>
-<p:sld xmlns:a="http://schemas.openxmlformats.org/drawingml/2006/main" xmlns:r="http://schemas.openxmlformats.org/officeDocument/2006/relationships" xmlns:mc="http://schemas.openxmlformats.org/markup-compatibility/2006" xmlns:mv="urn:schemas-microsoft-com:mac:vml" xmlns:p="http://schemas.openxmlformats.org/presentationml/2006/main" xmlns:c="http://schemas.openxmlformats.org/drawingml/2006/chart" xmlns:dgm="http://schemas.openxmlformats.org/drawingml/2006/diagram" xmlns:o="urn:schemas-microsoft-com:office:office" xmlns:v="urn:schemas-microsoft-com:vml" xmlns:pvml="urn:schemas-microsoft-com:office:powerpoint" xmlns:com="http://schemas.openxmlformats.org/drawingml/2006/compatibility" xmlns:p14="http://schemas.microsoft.com/office/powerpoint/2010/main" xmlns:p15="http://schemas.microsoft.com/office/powerpoint/2012/main" xmlns:ahyp="http://schemas.microsoft.com/office/drawing/2018/hyperlinkcolor">
+<p:sld xmlns:a="http://schemas.openxmlformats.org/drawingml/2006/main" xmlns:r="http://schemas.openxmlformats.org/officeDocument/2006/relationships" xmlns:p="http://schemas.openxmlformats.org/presentationml/2006/main">
   <p:cSld>
     <p:spTree>
       <p:nvGrpSpPr>
-        <p:cNvPr id="95" name="Shape 95"/>
+        <p:cNvPr id="1" name="Shape 95"/>
         <p:cNvGrpSpPr/>
         <p:nvPr/>
       </p:nvGrpSpPr>
@@ -7957,7 +8014,9 @@
       <p:sp>
         <p:nvSpPr>
           <p:cNvPr id="96" name="Google Shape;96;p20"/>
-          <p:cNvSpPr txBox="1"/>
+          <p:cNvSpPr txBox="1">
+            <a:spLocks noGrp="1"/>
+          </p:cNvSpPr>
           <p:nvPr>
             <p:ph type="title"/>
           </p:nvPr>
@@ -7972,12 +8031,12 @@
           </a:prstGeom>
         </p:spPr>
         <p:txBody>
-          <a:bodyPr anchorCtr="0" anchor="t" bIns="91425" lIns="91425" spcFirstLastPara="1" rIns="91425" wrap="square" tIns="91425">
+          <a:bodyPr spcFirstLastPara="1" wrap="square" lIns="91425" tIns="91425" rIns="91425" bIns="91425" anchor="t" anchorCtr="0">
             <a:normAutofit fontScale="90000"/>
           </a:bodyPr>
           <a:lstStyle/>
           <a:p>
-            <a:pPr indent="0" lvl="0" marL="0" marR="0" rtl="0" algn="l">
+            <a:pPr marL="0" marR="0" lvl="0" indent="0" algn="l" rtl="0">
               <a:lnSpc>
                 <a:spcPct val="100000"/>
               </a:lnSpc>
@@ -8005,9 +8064,11 @@
       <p:sp>
         <p:nvSpPr>
           <p:cNvPr id="97" name="Google Shape;97;p20"/>
-          <p:cNvSpPr txBox="1"/>
+          <p:cNvSpPr txBox="1">
+            <a:spLocks noGrp="1"/>
+          </p:cNvSpPr>
           <p:nvPr>
-            <p:ph idx="1" type="body"/>
+            <p:ph type="body" idx="1"/>
           </p:nvPr>
         </p:nvSpPr>
         <p:spPr>
@@ -8020,12 +8081,12 @@
           </a:prstGeom>
         </p:spPr>
         <p:txBody>
-          <a:bodyPr anchorCtr="0" anchor="t" bIns="91425" lIns="91425" spcFirstLastPara="1" rIns="91425" wrap="square" tIns="91425">
+          <a:bodyPr spcFirstLastPara="1" wrap="square" lIns="91425" tIns="91425" rIns="91425" bIns="91425" anchor="t" anchorCtr="0">
             <a:normAutofit/>
           </a:bodyPr>
           <a:lstStyle/>
           <a:p>
-            <a:pPr indent="0" lvl="0" marL="0" rtl="0" algn="l">
+            <a:pPr marL="0" lvl="0" indent="0" algn="l" rtl="0">
               <a:spcBef>
                 <a:spcPts val="0"/>
               </a:spcBef>
@@ -8035,7 +8096,7 @@
               <a:buNone/>
             </a:pPr>
             <a:r>
-              <a:rPr b="1" lang="de">
+              <a:rPr lang="de" b="1">
                 <a:solidFill>
                   <a:schemeClr val="dk1"/>
                 </a:solidFill>
@@ -8049,7 +8110,7 @@
             </a:endParaRPr>
           </a:p>
           <a:p>
-            <a:pPr indent="0" lvl="0" marL="0" rtl="0" algn="l">
+            <a:pPr marL="0" lvl="0" indent="0" algn="l" rtl="0">
               <a:spcBef>
                 <a:spcPts val="0"/>
               </a:spcBef>
@@ -8073,7 +8134,7 @@
             </a:endParaRPr>
           </a:p>
           <a:p>
-            <a:pPr indent="0" lvl="0" marL="0" rtl="0" algn="l">
+            <a:pPr marL="0" lvl="0" indent="0" algn="l" rtl="0">
               <a:spcBef>
                 <a:spcPts val="0"/>
               </a:spcBef>
@@ -8083,7 +8144,7 @@
               <a:buNone/>
             </a:pPr>
             <a:r>
-              <a:rPr b="1" lang="de">
+              <a:rPr lang="de" b="1">
                 <a:solidFill>
                   <a:schemeClr val="dk1"/>
                 </a:solidFill>
@@ -8097,7 +8158,7 @@
             </a:endParaRPr>
           </a:p>
           <a:p>
-            <a:pPr indent="0" lvl="0" marL="0" rtl="0" algn="l">
+            <a:pPr marL="0" lvl="0" indent="0" algn="l" rtl="0">
               <a:spcBef>
                 <a:spcPts val="0"/>
               </a:spcBef>
@@ -8121,7 +8182,7 @@
             </a:endParaRPr>
           </a:p>
           <a:p>
-            <a:pPr indent="0" lvl="0" marL="0" rtl="0" algn="l">
+            <a:pPr marL="0" lvl="0" indent="0" algn="l" rtl="0">
               <a:spcBef>
                 <a:spcPts val="0"/>
               </a:spcBef>
@@ -8131,7 +8192,7 @@
               <a:buNone/>
             </a:pPr>
             <a:r>
-              <a:rPr b="1" lang="de">
+              <a:rPr lang="de" b="1">
                 <a:solidFill>
                   <a:schemeClr val="dk1"/>
                 </a:solidFill>
@@ -8145,7 +8206,7 @@
             </a:endParaRPr>
           </a:p>
           <a:p>
-            <a:pPr indent="0" lvl="0" marL="0" rtl="0" algn="l">
+            <a:pPr marL="0" lvl="0" indent="0" algn="l" rtl="0">
               <a:spcBef>
                 <a:spcPts val="0"/>
               </a:spcBef>
@@ -8169,7 +8230,7 @@
             </a:endParaRPr>
           </a:p>
           <a:p>
-            <a:pPr indent="0" lvl="0" marL="0" rtl="0" algn="l">
+            <a:pPr marL="0" lvl="0" indent="0" algn="l" rtl="0">
               <a:spcBef>
                 <a:spcPts val="0"/>
               </a:spcBef>
@@ -8179,7 +8240,7 @@
               <a:buNone/>
             </a:pPr>
             <a:r>
-              <a:rPr b="1" lang="de">
+              <a:rPr lang="de" b="1">
                 <a:solidFill>
                   <a:schemeClr val="dk1"/>
                 </a:solidFill>
@@ -8193,7 +8254,7 @@
             </a:endParaRPr>
           </a:p>
           <a:p>
-            <a:pPr indent="0" lvl="0" marL="0" rtl="0" algn="l">
+            <a:pPr marL="0" lvl="0" indent="0" algn="l" rtl="0">
               <a:spcBef>
                 <a:spcPts val="0"/>
               </a:spcBef>
@@ -8227,7 +8288,7 @@
 </file>
 
 <file path=ppt/theme/theme1.xml><?xml version="1.0" encoding="utf-8"?>
-<a:theme xmlns:a="http://schemas.openxmlformats.org/drawingml/2006/main" xmlns:r="http://schemas.openxmlformats.org/officeDocument/2006/relationships" name="Simple Light">
+<a:theme xmlns:a="http://schemas.openxmlformats.org/drawingml/2006/main" name="Simple Light">
   <a:themeElements>
     <a:clrScheme name="Simple Light">
       <a:dk1>
@@ -8502,11 +8563,13 @@
       </a:bgFillStyleLst>
     </a:fmtScheme>
   </a:themeElements>
+  <a:objectDefaults/>
+  <a:extraClrSchemeLst/>
 </a:theme>
 </file>
 
 <file path=ppt/theme/theme2.xml><?xml version="1.0" encoding="utf-8"?>
-<a:theme xmlns:a="http://schemas.openxmlformats.org/drawingml/2006/main" xmlns:r="http://schemas.openxmlformats.org/officeDocument/2006/relationships">
+<a:theme xmlns:a="http://schemas.openxmlformats.org/drawingml/2006/main">
   <a:themeElements>
     <a:clrScheme name="Default">
       <a:dk1>
@@ -8781,5 +8844,7 @@
       </a:bgFillStyleLst>
     </a:fmtScheme>
   </a:themeElements>
+  <a:objectDefaults/>
+  <a:extraClrSchemeLst/>
 </a:theme>
 </file>
--- a/Funktionale_Programmierung-Artner_Dedinak.pptx
+++ b/Funktionale_Programmierung-Artner_Dedinak.pptx
@@ -19,15 +19,6 @@
   </p:sldIdLst>
   <p:sldSz cx="9144000" cy="5143500" type="screen16x9"/>
   <p:notesSz cx="6858000" cy="9144000"/>
-  <p:embeddedFontLst>
-    <p:embeddedFont>
-      <p:font typeface="Roboto Mono" panose="00000009000000000000" pitchFamily="49" charset="0"/>
-      <p:regular r:id="rId11"/>
-      <p:bold r:id="rId12"/>
-      <p:italic r:id="rId13"/>
-      <p:boldItalic r:id="rId14"/>
-    </p:embeddedFont>
-  </p:embeddedFontLst>
   <p:defaultTextStyle>
     <a:defPPr marR="0" lvl="0" algn="l" rtl="0">
       <a:lnSpc>
@@ -6699,13 +6690,16 @@
             </a:r>
           </a:p>
           <a:p>
-            <a:pPr lvl="1">
+            <a:pPr lvl="1" indent="-342900">
               <a:spcBef>
                 <a:spcPts val="1200"/>
               </a:spcBef>
               <a:buClr>
                 <a:schemeClr val="dk1"/>
               </a:buClr>
+              <a:buSzPts val="1800"/>
+              <a:buFont typeface="Arial"/>
+              <a:buChar char="●"/>
             </a:pPr>
             <a:r>
               <a:rPr lang="de-DE" dirty="0">
@@ -6715,26 +6709,14 @@
                 <a:latin typeface="+mn-lt"/>
                 <a:sym typeface="Roboto Mono"/>
               </a:rPr>
-              <a:t>p=</a:t>
-            </a:r>
-            <a:r>
-              <a:rPr lang="de-DE" dirty="0">
-                <a:solidFill>
-                  <a:schemeClr val="tx1"/>
-                </a:solidFill>
-                <a:ea typeface="Roboto Mono"/>
-                <a:cs typeface="Roboto Mono"/>
-                <a:sym typeface="Roboto Mono"/>
-              </a:rPr>
-              <a:t>&gt; </a:t>
+              <a:t>p=&gt; </a:t>
             </a:r>
             <a:r>
               <a:rPr lang="de-DE" dirty="0" err="1">
                 <a:solidFill>
                   <a:schemeClr val="tx1"/>
                 </a:solidFill>
-                <a:ea typeface="Roboto Mono"/>
-                <a:cs typeface="Roboto Mono"/>
+                <a:latin typeface="+mn-lt"/>
                 <a:sym typeface="Roboto Mono"/>
               </a:rPr>
               <a:t>drawPolygon</a:t>
@@ -6743,8 +6725,7 @@
               <a:solidFill>
                 <a:schemeClr val="tx1"/>
               </a:solidFill>
-              <a:ea typeface="Roboto Mono"/>
-              <a:cs typeface="Roboto Mono"/>
+              <a:latin typeface="+mn-lt"/>
               <a:sym typeface="Roboto Mono"/>
             </a:endParaRPr>
           </a:p>
